--- a/lectures/ch12.pptx
+++ b/lectures/ch12.pptx
@@ -198,7 +198,51 @@
       </a:defRPr>
     </a:lvl9pPr>
   </p:defaultTextStyle>
+  <p:extLst>
+    <p:ext uri="{EFAFB233-063F-42B5-8137-9DF3F51BA10A}">
+      <p15:sldGuideLst xmlns:p15="http://schemas.microsoft.com/office/powerpoint/2012/main">
+        <p15:guide id="1" orient="horz" pos="816">
+          <p15:clr>
+            <a:srgbClr val="A4A3A4"/>
+          </p15:clr>
+        </p15:guide>
+        <p15:guide id="2" pos="521">
+          <p15:clr>
+            <a:srgbClr val="A4A3A4"/>
+          </p15:clr>
+        </p15:guide>
+      </p15:sldGuideLst>
+    </p:ext>
+    <p:ext uri="{2D200454-40CA-4A62-9FC3-DE9A4176ACB9}">
+      <p15:notesGuideLst xmlns:p15="http://schemas.microsoft.com/office/powerpoint/2012/main">
+        <p15:guide id="1" orient="horz" pos="2928">
+          <p15:clr>
+            <a:srgbClr val="A4A3A4"/>
+          </p15:clr>
+        </p15:guide>
+        <p15:guide id="2" pos="2168">
+          <p15:clr>
+            <a:srgbClr val="A4A3A4"/>
+          </p15:clr>
+        </p15:guide>
+      </p15:notesGuideLst>
+    </p:ext>
+  </p:extLst>
 </p:presentation>
+</file>
+
+<file path=ppt/changesInfos/changesInfo1.xml><?xml version="1.0" encoding="utf-8"?>
+<pc:chgInfo xmlns:a="http://schemas.openxmlformats.org/drawingml/2006/main" xmlns:r="http://schemas.openxmlformats.org/officeDocument/2006/relationships" xmlns:ac="http://schemas.microsoft.com/office/drawing/2013/main/command" xmlns:pc="http://schemas.microsoft.com/office/powerpoint/2013/main/command">
+  <pc:docChgLst>
+    <pc:chgData name="Jack Chen" userId="655c2951-6fa0-4a15-b0e2-9b051fb07273" providerId="ADAL" clId="{10F3F011-D41C-4D80-AE75-DDD6D65C457D}"/>
+    <pc:docChg chg="modShowInfo">
+      <pc:chgData name="Jack Chen" userId="655c2951-6fa0-4a15-b0e2-9b051fb07273" providerId="ADAL" clId="{10F3F011-D41C-4D80-AE75-DDD6D65C457D}" dt="2021-06-08T02:14:19.646" v="2" actId="2744"/>
+      <pc:docMkLst>
+        <pc:docMk/>
+      </pc:docMkLst>
+    </pc:docChg>
+  </pc:docChgLst>
+</pc:chgInfo>
 </file>
 
 <file path=ppt/handoutMasters/handoutMaster1.xml><?xml version="1.0" encoding="utf-8"?>
@@ -616,35 +660,35 @@
           <a:p>
             <a:pPr lvl="0"/>
             <a:r>
-              <a:rPr lang="en-US" noProof="0" smtClean="0"/>
+              <a:rPr lang="en-US" noProof="0"/>
               <a:t>Click to edit Master text styles</a:t>
             </a:r>
           </a:p>
           <a:p>
             <a:pPr lvl="1"/>
             <a:r>
-              <a:rPr lang="en-US" noProof="0" smtClean="0"/>
+              <a:rPr lang="en-US" noProof="0"/>
               <a:t>Second level</a:t>
             </a:r>
           </a:p>
           <a:p>
             <a:pPr lvl="2"/>
             <a:r>
-              <a:rPr lang="en-US" noProof="0" smtClean="0"/>
+              <a:rPr lang="en-US" noProof="0"/>
               <a:t>Third level</a:t>
             </a:r>
           </a:p>
           <a:p>
             <a:pPr lvl="3"/>
             <a:r>
-              <a:rPr lang="en-US" noProof="0" smtClean="0"/>
+              <a:rPr lang="en-US" noProof="0"/>
               <a:t>Fourth level</a:t>
             </a:r>
           </a:p>
           <a:p>
             <a:pPr lvl="4"/>
             <a:r>
-              <a:rPr lang="en-US" noProof="0" smtClean="0"/>
+              <a:rPr lang="en-US" noProof="0"/>
               <a:t>Fifth level</a:t>
             </a:r>
           </a:p>
@@ -923,7 +967,7 @@
               <a:pPr/>
               <a:t>1</a:t>
             </a:fld>
-            <a:endParaRPr lang="en-US" altLang="zh-TW" smtClean="0"/>
+            <a:endParaRPr lang="en-US" altLang="zh-TW"/>
           </a:p>
         </p:txBody>
       </p:sp>
@@ -960,7 +1004,7 @@
           <a:lstStyle/>
           <a:p>
             <a:pPr eaLnBrk="1" hangingPunct="1"/>
-            <a:endParaRPr lang="zh-TW" altLang="zh-TW" smtClean="0"/>
+            <a:endParaRPr lang="zh-TW" altLang="zh-TW"/>
           </a:p>
         </p:txBody>
       </p:sp>
@@ -1011,7 +1055,7 @@
               <a:pPr/>
               <a:t>10</a:t>
             </a:fld>
-            <a:endParaRPr lang="en-US" altLang="zh-TW" smtClean="0"/>
+            <a:endParaRPr lang="en-US" altLang="zh-TW"/>
           </a:p>
         </p:txBody>
       </p:sp>
@@ -1048,7 +1092,7 @@
           <a:lstStyle/>
           <a:p>
             <a:pPr eaLnBrk="1" hangingPunct="1"/>
-            <a:endParaRPr lang="zh-TW" altLang="zh-TW" smtClean="0"/>
+            <a:endParaRPr lang="zh-TW" altLang="zh-TW"/>
           </a:p>
         </p:txBody>
       </p:sp>
@@ -1099,7 +1143,7 @@
               <a:pPr/>
               <a:t>11</a:t>
             </a:fld>
-            <a:endParaRPr lang="en-US" altLang="zh-TW" smtClean="0"/>
+            <a:endParaRPr lang="en-US" altLang="zh-TW"/>
           </a:p>
         </p:txBody>
       </p:sp>
@@ -1136,7 +1180,7 @@
           <a:lstStyle/>
           <a:p>
             <a:pPr eaLnBrk="1" hangingPunct="1"/>
-            <a:endParaRPr lang="zh-TW" altLang="zh-TW" smtClean="0"/>
+            <a:endParaRPr lang="zh-TW" altLang="zh-TW"/>
           </a:p>
         </p:txBody>
       </p:sp>
@@ -1187,7 +1231,7 @@
               <a:pPr/>
               <a:t>12</a:t>
             </a:fld>
-            <a:endParaRPr lang="en-US" altLang="zh-TW" smtClean="0"/>
+            <a:endParaRPr lang="en-US" altLang="zh-TW"/>
           </a:p>
         </p:txBody>
       </p:sp>
@@ -1224,7 +1268,7 @@
           <a:lstStyle/>
           <a:p>
             <a:pPr eaLnBrk="1" hangingPunct="1"/>
-            <a:endParaRPr lang="zh-TW" altLang="zh-TW" smtClean="0"/>
+            <a:endParaRPr lang="zh-TW" altLang="zh-TW"/>
           </a:p>
         </p:txBody>
       </p:sp>
@@ -1275,7 +1319,7 @@
               <a:pPr/>
               <a:t>13</a:t>
             </a:fld>
-            <a:endParaRPr lang="en-US" altLang="zh-TW" smtClean="0"/>
+            <a:endParaRPr lang="en-US" altLang="zh-TW"/>
           </a:p>
         </p:txBody>
       </p:sp>
@@ -1312,7 +1356,7 @@
           <a:lstStyle/>
           <a:p>
             <a:pPr eaLnBrk="1" hangingPunct="1"/>
-            <a:endParaRPr lang="zh-TW" altLang="zh-TW" smtClean="0"/>
+            <a:endParaRPr lang="zh-TW" altLang="zh-TW"/>
           </a:p>
         </p:txBody>
       </p:sp>
@@ -1363,7 +1407,7 @@
               <a:pPr/>
               <a:t>14</a:t>
             </a:fld>
-            <a:endParaRPr lang="en-US" altLang="zh-TW" smtClean="0"/>
+            <a:endParaRPr lang="en-US" altLang="zh-TW"/>
           </a:p>
         </p:txBody>
       </p:sp>
@@ -1400,7 +1444,7 @@
           <a:lstStyle/>
           <a:p>
             <a:pPr eaLnBrk="1" hangingPunct="1"/>
-            <a:endParaRPr lang="zh-TW" altLang="zh-TW" smtClean="0"/>
+            <a:endParaRPr lang="zh-TW" altLang="zh-TW"/>
           </a:p>
         </p:txBody>
       </p:sp>
@@ -1451,7 +1495,7 @@
               <a:pPr/>
               <a:t>15</a:t>
             </a:fld>
-            <a:endParaRPr lang="en-US" altLang="zh-TW" smtClean="0"/>
+            <a:endParaRPr lang="en-US" altLang="zh-TW"/>
           </a:p>
         </p:txBody>
       </p:sp>
@@ -1488,7 +1532,7 @@
           <a:lstStyle/>
           <a:p>
             <a:pPr eaLnBrk="1" hangingPunct="1"/>
-            <a:endParaRPr lang="zh-TW" altLang="zh-TW" smtClean="0"/>
+            <a:endParaRPr lang="zh-TW" altLang="zh-TW"/>
           </a:p>
         </p:txBody>
       </p:sp>
@@ -1539,7 +1583,7 @@
               <a:pPr/>
               <a:t>16</a:t>
             </a:fld>
-            <a:endParaRPr lang="en-US" altLang="zh-TW" smtClean="0"/>
+            <a:endParaRPr lang="en-US" altLang="zh-TW"/>
           </a:p>
         </p:txBody>
       </p:sp>
@@ -1576,7 +1620,7 @@
           <a:lstStyle/>
           <a:p>
             <a:pPr eaLnBrk="1" hangingPunct="1"/>
-            <a:endParaRPr lang="zh-TW" altLang="zh-TW" smtClean="0"/>
+            <a:endParaRPr lang="zh-TW" altLang="zh-TW"/>
           </a:p>
         </p:txBody>
       </p:sp>
@@ -1627,7 +1671,7 @@
               <a:pPr/>
               <a:t>17</a:t>
             </a:fld>
-            <a:endParaRPr lang="en-US" altLang="zh-TW" smtClean="0"/>
+            <a:endParaRPr lang="en-US" altLang="zh-TW"/>
           </a:p>
         </p:txBody>
       </p:sp>
@@ -1664,7 +1708,7 @@
           <a:lstStyle/>
           <a:p>
             <a:pPr eaLnBrk="1" hangingPunct="1"/>
-            <a:endParaRPr lang="zh-TW" altLang="zh-TW" smtClean="0"/>
+            <a:endParaRPr lang="zh-TW" altLang="zh-TW"/>
           </a:p>
         </p:txBody>
       </p:sp>
@@ -1715,7 +1759,7 @@
               <a:pPr/>
               <a:t>18</a:t>
             </a:fld>
-            <a:endParaRPr lang="en-US" altLang="zh-TW" smtClean="0"/>
+            <a:endParaRPr lang="en-US" altLang="zh-TW"/>
           </a:p>
         </p:txBody>
       </p:sp>
@@ -1752,7 +1796,7 @@
           <a:lstStyle/>
           <a:p>
             <a:pPr eaLnBrk="1" hangingPunct="1"/>
-            <a:endParaRPr lang="zh-TW" altLang="zh-TW" smtClean="0"/>
+            <a:endParaRPr lang="zh-TW" altLang="zh-TW"/>
           </a:p>
         </p:txBody>
       </p:sp>
@@ -1803,7 +1847,7 @@
               <a:pPr/>
               <a:t>19</a:t>
             </a:fld>
-            <a:endParaRPr lang="en-US" altLang="zh-TW" smtClean="0"/>
+            <a:endParaRPr lang="en-US" altLang="zh-TW"/>
           </a:p>
         </p:txBody>
       </p:sp>
@@ -1840,7 +1884,7 @@
           <a:lstStyle/>
           <a:p>
             <a:pPr eaLnBrk="1" hangingPunct="1"/>
-            <a:endParaRPr lang="zh-TW" altLang="zh-TW" smtClean="0"/>
+            <a:endParaRPr lang="zh-TW" altLang="zh-TW"/>
           </a:p>
         </p:txBody>
       </p:sp>
@@ -1891,7 +1935,7 @@
               <a:pPr/>
               <a:t>2</a:t>
             </a:fld>
-            <a:endParaRPr lang="en-US" altLang="zh-TW" smtClean="0"/>
+            <a:endParaRPr lang="en-US" altLang="zh-TW"/>
           </a:p>
         </p:txBody>
       </p:sp>
@@ -1928,7 +1972,7 @@
           <a:lstStyle/>
           <a:p>
             <a:pPr eaLnBrk="1" hangingPunct="1"/>
-            <a:endParaRPr lang="zh-TW" altLang="zh-TW" smtClean="0"/>
+            <a:endParaRPr lang="zh-TW" altLang="zh-TW"/>
           </a:p>
         </p:txBody>
       </p:sp>
@@ -1979,7 +2023,7 @@
               <a:pPr/>
               <a:t>20</a:t>
             </a:fld>
-            <a:endParaRPr lang="en-US" altLang="zh-TW" smtClean="0"/>
+            <a:endParaRPr lang="en-US" altLang="zh-TW"/>
           </a:p>
         </p:txBody>
       </p:sp>
@@ -2016,7 +2060,7 @@
           <a:lstStyle/>
           <a:p>
             <a:pPr eaLnBrk="1" hangingPunct="1"/>
-            <a:endParaRPr lang="zh-TW" altLang="zh-TW" smtClean="0"/>
+            <a:endParaRPr lang="zh-TW" altLang="zh-TW"/>
           </a:p>
         </p:txBody>
       </p:sp>
@@ -2067,7 +2111,7 @@
               <a:pPr/>
               <a:t>21</a:t>
             </a:fld>
-            <a:endParaRPr lang="en-US" altLang="zh-TW" smtClean="0"/>
+            <a:endParaRPr lang="en-US" altLang="zh-TW"/>
           </a:p>
         </p:txBody>
       </p:sp>
@@ -2104,7 +2148,7 @@
           <a:lstStyle/>
           <a:p>
             <a:pPr eaLnBrk="1" hangingPunct="1"/>
-            <a:endParaRPr lang="zh-TW" altLang="zh-TW" smtClean="0"/>
+            <a:endParaRPr lang="zh-TW" altLang="zh-TW"/>
           </a:p>
         </p:txBody>
       </p:sp>
@@ -2155,7 +2199,7 @@
               <a:pPr/>
               <a:t>22</a:t>
             </a:fld>
-            <a:endParaRPr lang="en-US" altLang="zh-TW" smtClean="0"/>
+            <a:endParaRPr lang="en-US" altLang="zh-TW"/>
           </a:p>
         </p:txBody>
       </p:sp>
@@ -2192,7 +2236,7 @@
           <a:lstStyle/>
           <a:p>
             <a:pPr eaLnBrk="1" hangingPunct="1"/>
-            <a:endParaRPr lang="zh-TW" altLang="zh-TW" smtClean="0"/>
+            <a:endParaRPr lang="zh-TW" altLang="zh-TW"/>
           </a:p>
         </p:txBody>
       </p:sp>
@@ -2243,7 +2287,7 @@
               <a:pPr/>
               <a:t>23</a:t>
             </a:fld>
-            <a:endParaRPr lang="en-US" altLang="zh-TW" smtClean="0"/>
+            <a:endParaRPr lang="en-US" altLang="zh-TW"/>
           </a:p>
         </p:txBody>
       </p:sp>
@@ -2280,7 +2324,7 @@
           <a:lstStyle/>
           <a:p>
             <a:pPr eaLnBrk="1" hangingPunct="1"/>
-            <a:endParaRPr lang="zh-TW" altLang="zh-TW" smtClean="0"/>
+            <a:endParaRPr lang="zh-TW" altLang="zh-TW"/>
           </a:p>
         </p:txBody>
       </p:sp>
@@ -2331,7 +2375,7 @@
               <a:pPr/>
               <a:t>24</a:t>
             </a:fld>
-            <a:endParaRPr lang="en-US" altLang="zh-TW" smtClean="0"/>
+            <a:endParaRPr lang="en-US" altLang="zh-TW"/>
           </a:p>
         </p:txBody>
       </p:sp>
@@ -2368,7 +2412,7 @@
           <a:lstStyle/>
           <a:p>
             <a:pPr eaLnBrk="1" hangingPunct="1"/>
-            <a:endParaRPr lang="zh-TW" altLang="zh-TW" smtClean="0"/>
+            <a:endParaRPr lang="zh-TW" altLang="zh-TW"/>
           </a:p>
         </p:txBody>
       </p:sp>
@@ -2419,7 +2463,7 @@
               <a:pPr/>
               <a:t>26</a:t>
             </a:fld>
-            <a:endParaRPr lang="en-US" altLang="zh-TW" smtClean="0"/>
+            <a:endParaRPr lang="en-US" altLang="zh-TW"/>
           </a:p>
         </p:txBody>
       </p:sp>
@@ -2456,7 +2500,7 @@
           <a:lstStyle/>
           <a:p>
             <a:pPr eaLnBrk="1" hangingPunct="1"/>
-            <a:endParaRPr lang="zh-TW" altLang="zh-TW" smtClean="0"/>
+            <a:endParaRPr lang="zh-TW" altLang="zh-TW"/>
           </a:p>
         </p:txBody>
       </p:sp>
@@ -2507,7 +2551,7 @@
               <a:pPr/>
               <a:t>27</a:t>
             </a:fld>
-            <a:endParaRPr lang="en-US" altLang="zh-TW" smtClean="0"/>
+            <a:endParaRPr lang="en-US" altLang="zh-TW"/>
           </a:p>
         </p:txBody>
       </p:sp>
@@ -2544,7 +2588,7 @@
           <a:lstStyle/>
           <a:p>
             <a:pPr eaLnBrk="1" hangingPunct="1"/>
-            <a:endParaRPr lang="zh-TW" altLang="zh-TW" smtClean="0"/>
+            <a:endParaRPr lang="zh-TW" altLang="zh-TW"/>
           </a:p>
         </p:txBody>
       </p:sp>
@@ -2595,7 +2639,7 @@
               <a:pPr/>
               <a:t>29</a:t>
             </a:fld>
-            <a:endParaRPr lang="en-US" altLang="zh-TW" smtClean="0"/>
+            <a:endParaRPr lang="en-US" altLang="zh-TW"/>
           </a:p>
         </p:txBody>
       </p:sp>
@@ -2632,7 +2676,7 @@
           <a:lstStyle/>
           <a:p>
             <a:pPr eaLnBrk="1" hangingPunct="1"/>
-            <a:endParaRPr lang="zh-TW" altLang="zh-TW" smtClean="0"/>
+            <a:endParaRPr lang="zh-TW" altLang="zh-TW"/>
           </a:p>
         </p:txBody>
       </p:sp>
@@ -2683,7 +2727,7 @@
               <a:pPr/>
               <a:t>30</a:t>
             </a:fld>
-            <a:endParaRPr lang="en-US" altLang="zh-TW" smtClean="0"/>
+            <a:endParaRPr lang="en-US" altLang="zh-TW"/>
           </a:p>
         </p:txBody>
       </p:sp>
@@ -2720,7 +2764,7 @@
           <a:lstStyle/>
           <a:p>
             <a:pPr eaLnBrk="1" hangingPunct="1"/>
-            <a:endParaRPr lang="zh-TW" altLang="zh-TW" smtClean="0"/>
+            <a:endParaRPr lang="zh-TW" altLang="zh-TW"/>
           </a:p>
         </p:txBody>
       </p:sp>
@@ -2771,7 +2815,7 @@
               <a:pPr/>
               <a:t>31</a:t>
             </a:fld>
-            <a:endParaRPr lang="en-US" altLang="zh-TW" smtClean="0"/>
+            <a:endParaRPr lang="en-US" altLang="zh-TW"/>
           </a:p>
         </p:txBody>
       </p:sp>
@@ -2808,7 +2852,7 @@
           <a:lstStyle/>
           <a:p>
             <a:pPr eaLnBrk="1" hangingPunct="1"/>
-            <a:endParaRPr lang="zh-TW" altLang="zh-TW" smtClean="0"/>
+            <a:endParaRPr lang="zh-TW" altLang="zh-TW"/>
           </a:p>
         </p:txBody>
       </p:sp>
@@ -2859,7 +2903,7 @@
               <a:pPr/>
               <a:t>3</a:t>
             </a:fld>
-            <a:endParaRPr lang="en-US" altLang="zh-TW" smtClean="0"/>
+            <a:endParaRPr lang="en-US" altLang="zh-TW"/>
           </a:p>
         </p:txBody>
       </p:sp>
@@ -2896,7 +2940,7 @@
           <a:lstStyle/>
           <a:p>
             <a:pPr eaLnBrk="1" hangingPunct="1"/>
-            <a:endParaRPr lang="zh-TW" altLang="zh-TW" smtClean="0"/>
+            <a:endParaRPr lang="zh-TW" altLang="zh-TW"/>
           </a:p>
         </p:txBody>
       </p:sp>
@@ -2947,7 +2991,7 @@
               <a:pPr/>
               <a:t>32</a:t>
             </a:fld>
-            <a:endParaRPr lang="en-US" altLang="zh-TW" smtClean="0"/>
+            <a:endParaRPr lang="en-US" altLang="zh-TW"/>
           </a:p>
         </p:txBody>
       </p:sp>
@@ -2984,7 +3028,7 @@
           <a:lstStyle/>
           <a:p>
             <a:pPr eaLnBrk="1" hangingPunct="1"/>
-            <a:endParaRPr lang="zh-TW" altLang="zh-TW" smtClean="0"/>
+            <a:endParaRPr lang="zh-TW" altLang="zh-TW"/>
           </a:p>
         </p:txBody>
       </p:sp>
@@ -3035,7 +3079,7 @@
               <a:pPr/>
               <a:t>33</a:t>
             </a:fld>
-            <a:endParaRPr lang="en-US" altLang="zh-TW" smtClean="0"/>
+            <a:endParaRPr lang="en-US" altLang="zh-TW"/>
           </a:p>
         </p:txBody>
       </p:sp>
@@ -3072,7 +3116,7 @@
           <a:lstStyle/>
           <a:p>
             <a:pPr eaLnBrk="1" hangingPunct="1"/>
-            <a:endParaRPr lang="zh-TW" altLang="zh-TW" smtClean="0"/>
+            <a:endParaRPr lang="zh-TW" altLang="zh-TW"/>
           </a:p>
         </p:txBody>
       </p:sp>
@@ -3123,7 +3167,7 @@
               <a:pPr/>
               <a:t>34</a:t>
             </a:fld>
-            <a:endParaRPr lang="en-US" altLang="zh-TW" smtClean="0"/>
+            <a:endParaRPr lang="en-US" altLang="zh-TW"/>
           </a:p>
         </p:txBody>
       </p:sp>
@@ -3160,7 +3204,7 @@
           <a:lstStyle/>
           <a:p>
             <a:pPr eaLnBrk="1" hangingPunct="1"/>
-            <a:endParaRPr lang="zh-TW" altLang="zh-TW" smtClean="0"/>
+            <a:endParaRPr lang="zh-TW" altLang="zh-TW"/>
           </a:p>
         </p:txBody>
       </p:sp>
@@ -3211,7 +3255,7 @@
               <a:pPr/>
               <a:t>35</a:t>
             </a:fld>
-            <a:endParaRPr lang="en-US" altLang="zh-TW" smtClean="0"/>
+            <a:endParaRPr lang="en-US" altLang="zh-TW"/>
           </a:p>
         </p:txBody>
       </p:sp>
@@ -3248,7 +3292,7 @@
           <a:lstStyle/>
           <a:p>
             <a:pPr eaLnBrk="1" hangingPunct="1"/>
-            <a:endParaRPr lang="zh-TW" altLang="zh-TW" smtClean="0"/>
+            <a:endParaRPr lang="zh-TW" altLang="zh-TW"/>
           </a:p>
         </p:txBody>
       </p:sp>
@@ -3299,7 +3343,7 @@
               <a:pPr/>
               <a:t>36</a:t>
             </a:fld>
-            <a:endParaRPr lang="en-US" altLang="zh-TW" smtClean="0"/>
+            <a:endParaRPr lang="en-US" altLang="zh-TW"/>
           </a:p>
         </p:txBody>
       </p:sp>
@@ -3336,7 +3380,7 @@
           <a:lstStyle/>
           <a:p>
             <a:pPr eaLnBrk="1" hangingPunct="1"/>
-            <a:endParaRPr lang="zh-TW" altLang="zh-TW" smtClean="0"/>
+            <a:endParaRPr lang="zh-TW" altLang="zh-TW"/>
           </a:p>
         </p:txBody>
       </p:sp>
@@ -3387,7 +3431,7 @@
               <a:pPr/>
               <a:t>38</a:t>
             </a:fld>
-            <a:endParaRPr lang="en-US" altLang="zh-TW" smtClean="0"/>
+            <a:endParaRPr lang="en-US" altLang="zh-TW"/>
           </a:p>
         </p:txBody>
       </p:sp>
@@ -3424,7 +3468,7 @@
           <a:lstStyle/>
           <a:p>
             <a:pPr eaLnBrk="1" hangingPunct="1"/>
-            <a:endParaRPr lang="zh-TW" altLang="zh-TW" smtClean="0"/>
+            <a:endParaRPr lang="zh-TW" altLang="zh-TW"/>
           </a:p>
         </p:txBody>
       </p:sp>
@@ -3475,7 +3519,7 @@
               <a:pPr/>
               <a:t>40</a:t>
             </a:fld>
-            <a:endParaRPr lang="en-US" altLang="zh-TW" smtClean="0"/>
+            <a:endParaRPr lang="en-US" altLang="zh-TW"/>
           </a:p>
         </p:txBody>
       </p:sp>
@@ -3512,7 +3556,7 @@
           <a:lstStyle/>
           <a:p>
             <a:pPr eaLnBrk="1" hangingPunct="1"/>
-            <a:endParaRPr lang="zh-TW" altLang="zh-TW" smtClean="0"/>
+            <a:endParaRPr lang="zh-TW" altLang="zh-TW"/>
           </a:p>
         </p:txBody>
       </p:sp>
@@ -3563,7 +3607,7 @@
               <a:pPr/>
               <a:t>41</a:t>
             </a:fld>
-            <a:endParaRPr lang="en-US" altLang="zh-TW" smtClean="0"/>
+            <a:endParaRPr lang="en-US" altLang="zh-TW"/>
           </a:p>
         </p:txBody>
       </p:sp>
@@ -3600,7 +3644,7 @@
           <a:lstStyle/>
           <a:p>
             <a:pPr eaLnBrk="1" hangingPunct="1"/>
-            <a:endParaRPr lang="zh-TW" altLang="zh-TW" smtClean="0"/>
+            <a:endParaRPr lang="zh-TW" altLang="zh-TW"/>
           </a:p>
         </p:txBody>
       </p:sp>
@@ -3651,7 +3695,7 @@
               <a:pPr/>
               <a:t>42</a:t>
             </a:fld>
-            <a:endParaRPr lang="en-US" altLang="zh-TW" smtClean="0"/>
+            <a:endParaRPr lang="en-US" altLang="zh-TW"/>
           </a:p>
         </p:txBody>
       </p:sp>
@@ -3688,7 +3732,7 @@
           <a:lstStyle/>
           <a:p>
             <a:pPr eaLnBrk="1" hangingPunct="1"/>
-            <a:endParaRPr lang="zh-TW" altLang="zh-TW" smtClean="0"/>
+            <a:endParaRPr lang="zh-TW" altLang="zh-TW"/>
           </a:p>
         </p:txBody>
       </p:sp>
@@ -3739,7 +3783,7 @@
               <a:pPr/>
               <a:t>43</a:t>
             </a:fld>
-            <a:endParaRPr lang="en-US" altLang="zh-TW" smtClean="0"/>
+            <a:endParaRPr lang="en-US" altLang="zh-TW"/>
           </a:p>
         </p:txBody>
       </p:sp>
@@ -3776,7 +3820,7 @@
           <a:lstStyle/>
           <a:p>
             <a:pPr eaLnBrk="1" hangingPunct="1"/>
-            <a:endParaRPr lang="zh-TW" altLang="zh-TW" smtClean="0"/>
+            <a:endParaRPr lang="zh-TW" altLang="zh-TW"/>
           </a:p>
         </p:txBody>
       </p:sp>
@@ -3827,7 +3871,7 @@
               <a:pPr/>
               <a:t>4</a:t>
             </a:fld>
-            <a:endParaRPr lang="en-US" altLang="zh-TW" smtClean="0"/>
+            <a:endParaRPr lang="en-US" altLang="zh-TW"/>
           </a:p>
         </p:txBody>
       </p:sp>
@@ -3864,7 +3908,7 @@
           <a:lstStyle/>
           <a:p>
             <a:pPr eaLnBrk="1" hangingPunct="1"/>
-            <a:endParaRPr lang="zh-TW" altLang="zh-TW" smtClean="0"/>
+            <a:endParaRPr lang="zh-TW" altLang="zh-TW"/>
           </a:p>
         </p:txBody>
       </p:sp>
@@ -3915,7 +3959,7 @@
               <a:pPr/>
               <a:t>44</a:t>
             </a:fld>
-            <a:endParaRPr lang="en-US" altLang="zh-TW" smtClean="0"/>
+            <a:endParaRPr lang="en-US" altLang="zh-TW"/>
           </a:p>
         </p:txBody>
       </p:sp>
@@ -3952,7 +3996,7 @@
           <a:lstStyle/>
           <a:p>
             <a:pPr eaLnBrk="1" hangingPunct="1"/>
-            <a:endParaRPr lang="zh-TW" altLang="zh-TW" smtClean="0"/>
+            <a:endParaRPr lang="zh-TW" altLang="zh-TW"/>
           </a:p>
         </p:txBody>
       </p:sp>
@@ -4003,7 +4047,7 @@
               <a:pPr/>
               <a:t>45</a:t>
             </a:fld>
-            <a:endParaRPr lang="en-US" altLang="zh-TW" smtClean="0"/>
+            <a:endParaRPr lang="en-US" altLang="zh-TW"/>
           </a:p>
         </p:txBody>
       </p:sp>
@@ -4040,7 +4084,7 @@
           <a:lstStyle/>
           <a:p>
             <a:pPr eaLnBrk="1" hangingPunct="1"/>
-            <a:endParaRPr lang="zh-TW" altLang="zh-TW" smtClean="0"/>
+            <a:endParaRPr lang="zh-TW" altLang="zh-TW"/>
           </a:p>
         </p:txBody>
       </p:sp>
@@ -4091,7 +4135,7 @@
               <a:pPr/>
               <a:t>46</a:t>
             </a:fld>
-            <a:endParaRPr lang="en-US" altLang="zh-TW" smtClean="0"/>
+            <a:endParaRPr lang="en-US" altLang="zh-TW"/>
           </a:p>
         </p:txBody>
       </p:sp>
@@ -4128,7 +4172,7 @@
           <a:lstStyle/>
           <a:p>
             <a:pPr eaLnBrk="1" hangingPunct="1"/>
-            <a:endParaRPr lang="zh-TW" altLang="zh-TW" smtClean="0"/>
+            <a:endParaRPr lang="zh-TW" altLang="zh-TW"/>
           </a:p>
         </p:txBody>
       </p:sp>
@@ -4179,7 +4223,7 @@
               <a:pPr/>
               <a:t>47</a:t>
             </a:fld>
-            <a:endParaRPr lang="en-US" altLang="zh-TW" smtClean="0"/>
+            <a:endParaRPr lang="en-US" altLang="zh-TW"/>
           </a:p>
         </p:txBody>
       </p:sp>
@@ -4216,7 +4260,7 @@
           <a:lstStyle/>
           <a:p>
             <a:pPr eaLnBrk="1" hangingPunct="1"/>
-            <a:endParaRPr lang="zh-TW" altLang="zh-TW" smtClean="0"/>
+            <a:endParaRPr lang="zh-TW" altLang="zh-TW"/>
           </a:p>
         </p:txBody>
       </p:sp>
@@ -4267,7 +4311,7 @@
               <a:pPr/>
               <a:t>48</a:t>
             </a:fld>
-            <a:endParaRPr lang="en-US" altLang="zh-TW" smtClean="0"/>
+            <a:endParaRPr lang="en-US" altLang="zh-TW"/>
           </a:p>
         </p:txBody>
       </p:sp>
@@ -4304,7 +4348,7 @@
           <a:lstStyle/>
           <a:p>
             <a:pPr eaLnBrk="1" hangingPunct="1"/>
-            <a:endParaRPr lang="zh-TW" altLang="zh-TW" smtClean="0"/>
+            <a:endParaRPr lang="zh-TW" altLang="zh-TW"/>
           </a:p>
         </p:txBody>
       </p:sp>
@@ -4355,7 +4399,7 @@
               <a:pPr/>
               <a:t>49</a:t>
             </a:fld>
-            <a:endParaRPr lang="en-US" altLang="zh-TW" smtClean="0"/>
+            <a:endParaRPr lang="en-US" altLang="zh-TW"/>
           </a:p>
         </p:txBody>
       </p:sp>
@@ -4392,7 +4436,7 @@
           <a:lstStyle/>
           <a:p>
             <a:pPr eaLnBrk="1" hangingPunct="1"/>
-            <a:endParaRPr lang="zh-TW" altLang="zh-TW" smtClean="0"/>
+            <a:endParaRPr lang="zh-TW" altLang="zh-TW"/>
           </a:p>
         </p:txBody>
       </p:sp>
@@ -4443,7 +4487,7 @@
               <a:pPr/>
               <a:t>50</a:t>
             </a:fld>
-            <a:endParaRPr lang="en-US" altLang="zh-TW" smtClean="0"/>
+            <a:endParaRPr lang="en-US" altLang="zh-TW"/>
           </a:p>
         </p:txBody>
       </p:sp>
@@ -4480,7 +4524,7 @@
           <a:lstStyle/>
           <a:p>
             <a:pPr eaLnBrk="1" hangingPunct="1"/>
-            <a:endParaRPr lang="zh-TW" altLang="zh-TW" smtClean="0"/>
+            <a:endParaRPr lang="zh-TW" altLang="zh-TW"/>
           </a:p>
         </p:txBody>
       </p:sp>
@@ -4531,7 +4575,7 @@
               <a:pPr/>
               <a:t>51</a:t>
             </a:fld>
-            <a:endParaRPr lang="en-US" altLang="zh-TW" smtClean="0"/>
+            <a:endParaRPr lang="en-US" altLang="zh-TW"/>
           </a:p>
         </p:txBody>
       </p:sp>
@@ -4568,7 +4612,7 @@
           <a:lstStyle/>
           <a:p>
             <a:pPr eaLnBrk="1" hangingPunct="1"/>
-            <a:endParaRPr lang="zh-TW" altLang="zh-TW" smtClean="0"/>
+            <a:endParaRPr lang="zh-TW" altLang="zh-TW"/>
           </a:p>
         </p:txBody>
       </p:sp>
@@ -4619,7 +4663,7 @@
               <a:pPr/>
               <a:t>52</a:t>
             </a:fld>
-            <a:endParaRPr lang="en-US" altLang="zh-TW" smtClean="0"/>
+            <a:endParaRPr lang="en-US" altLang="zh-TW"/>
           </a:p>
         </p:txBody>
       </p:sp>
@@ -4656,7 +4700,7 @@
           <a:lstStyle/>
           <a:p>
             <a:pPr eaLnBrk="1" hangingPunct="1"/>
-            <a:endParaRPr lang="zh-TW" altLang="zh-TW" smtClean="0"/>
+            <a:endParaRPr lang="zh-TW" altLang="zh-TW"/>
           </a:p>
         </p:txBody>
       </p:sp>
@@ -4707,7 +4751,7 @@
               <a:pPr/>
               <a:t>53</a:t>
             </a:fld>
-            <a:endParaRPr lang="en-US" altLang="zh-TW" smtClean="0"/>
+            <a:endParaRPr lang="en-US" altLang="zh-TW"/>
           </a:p>
         </p:txBody>
       </p:sp>
@@ -4744,7 +4788,7 @@
           <a:lstStyle/>
           <a:p>
             <a:pPr eaLnBrk="1" hangingPunct="1"/>
-            <a:endParaRPr lang="zh-TW" altLang="zh-TW" smtClean="0"/>
+            <a:endParaRPr lang="zh-TW" altLang="zh-TW"/>
           </a:p>
         </p:txBody>
       </p:sp>
@@ -4795,7 +4839,7 @@
               <a:pPr/>
               <a:t>5</a:t>
             </a:fld>
-            <a:endParaRPr lang="en-US" altLang="zh-TW" smtClean="0"/>
+            <a:endParaRPr lang="en-US" altLang="zh-TW"/>
           </a:p>
         </p:txBody>
       </p:sp>
@@ -4832,7 +4876,7 @@
           <a:lstStyle/>
           <a:p>
             <a:pPr eaLnBrk="1" hangingPunct="1"/>
-            <a:endParaRPr lang="zh-TW" altLang="zh-TW" smtClean="0"/>
+            <a:endParaRPr lang="zh-TW" altLang="zh-TW"/>
           </a:p>
         </p:txBody>
       </p:sp>
@@ -4883,7 +4927,7 @@
               <a:pPr/>
               <a:t>54</a:t>
             </a:fld>
-            <a:endParaRPr lang="en-US" altLang="zh-TW" smtClean="0"/>
+            <a:endParaRPr lang="en-US" altLang="zh-TW"/>
           </a:p>
         </p:txBody>
       </p:sp>
@@ -4920,7 +4964,7 @@
           <a:lstStyle/>
           <a:p>
             <a:pPr eaLnBrk="1" hangingPunct="1"/>
-            <a:endParaRPr lang="zh-TW" altLang="zh-TW" smtClean="0"/>
+            <a:endParaRPr lang="zh-TW" altLang="zh-TW"/>
           </a:p>
         </p:txBody>
       </p:sp>
@@ -4971,7 +5015,7 @@
               <a:pPr/>
               <a:t>55</a:t>
             </a:fld>
-            <a:endParaRPr lang="en-US" altLang="zh-TW" smtClean="0"/>
+            <a:endParaRPr lang="en-US" altLang="zh-TW"/>
           </a:p>
         </p:txBody>
       </p:sp>
@@ -5008,7 +5052,7 @@
           <a:lstStyle/>
           <a:p>
             <a:pPr eaLnBrk="1" hangingPunct="1"/>
-            <a:endParaRPr lang="zh-TW" altLang="zh-TW" smtClean="0"/>
+            <a:endParaRPr lang="zh-TW" altLang="zh-TW"/>
           </a:p>
         </p:txBody>
       </p:sp>
@@ -5059,7 +5103,7 @@
               <a:pPr/>
               <a:t>56</a:t>
             </a:fld>
-            <a:endParaRPr lang="en-US" altLang="zh-TW" smtClean="0"/>
+            <a:endParaRPr lang="en-US" altLang="zh-TW"/>
           </a:p>
         </p:txBody>
       </p:sp>
@@ -5096,7 +5140,7 @@
           <a:lstStyle/>
           <a:p>
             <a:pPr eaLnBrk="1" hangingPunct="1"/>
-            <a:endParaRPr lang="zh-TW" altLang="zh-TW" smtClean="0"/>
+            <a:endParaRPr lang="zh-TW" altLang="zh-TW"/>
           </a:p>
         </p:txBody>
       </p:sp>
@@ -5147,7 +5191,7 @@
               <a:pPr/>
               <a:t>57</a:t>
             </a:fld>
-            <a:endParaRPr lang="en-US" altLang="zh-TW" smtClean="0"/>
+            <a:endParaRPr lang="en-US" altLang="zh-TW"/>
           </a:p>
         </p:txBody>
       </p:sp>
@@ -5184,7 +5228,7 @@
           <a:lstStyle/>
           <a:p>
             <a:pPr eaLnBrk="1" hangingPunct="1"/>
-            <a:endParaRPr lang="zh-TW" altLang="zh-TW" smtClean="0"/>
+            <a:endParaRPr lang="zh-TW" altLang="zh-TW"/>
           </a:p>
         </p:txBody>
       </p:sp>
@@ -5235,7 +5279,7 @@
               <a:pPr/>
               <a:t>58</a:t>
             </a:fld>
-            <a:endParaRPr lang="en-US" altLang="zh-TW" smtClean="0"/>
+            <a:endParaRPr lang="en-US" altLang="zh-TW"/>
           </a:p>
         </p:txBody>
       </p:sp>
@@ -5272,7 +5316,7 @@
           <a:lstStyle/>
           <a:p>
             <a:pPr eaLnBrk="1" hangingPunct="1"/>
-            <a:endParaRPr lang="zh-TW" altLang="zh-TW" smtClean="0"/>
+            <a:endParaRPr lang="zh-TW" altLang="zh-TW"/>
           </a:p>
         </p:txBody>
       </p:sp>
@@ -5323,7 +5367,7 @@
               <a:pPr/>
               <a:t>59</a:t>
             </a:fld>
-            <a:endParaRPr lang="en-US" altLang="zh-TW" smtClean="0"/>
+            <a:endParaRPr lang="en-US" altLang="zh-TW"/>
           </a:p>
         </p:txBody>
       </p:sp>
@@ -5360,7 +5404,7 @@
           <a:lstStyle/>
           <a:p>
             <a:pPr eaLnBrk="1" hangingPunct="1"/>
-            <a:endParaRPr lang="zh-TW" altLang="zh-TW" smtClean="0"/>
+            <a:endParaRPr lang="zh-TW" altLang="zh-TW"/>
           </a:p>
         </p:txBody>
       </p:sp>
@@ -5411,7 +5455,7 @@
               <a:pPr/>
               <a:t>6</a:t>
             </a:fld>
-            <a:endParaRPr lang="en-US" altLang="zh-TW" smtClean="0"/>
+            <a:endParaRPr lang="en-US" altLang="zh-TW"/>
           </a:p>
         </p:txBody>
       </p:sp>
@@ -5448,7 +5492,7 @@
           <a:lstStyle/>
           <a:p>
             <a:pPr eaLnBrk="1" hangingPunct="1"/>
-            <a:endParaRPr lang="zh-TW" altLang="zh-TW" smtClean="0"/>
+            <a:endParaRPr lang="zh-TW" altLang="zh-TW"/>
           </a:p>
         </p:txBody>
       </p:sp>
@@ -5499,7 +5543,7 @@
               <a:pPr/>
               <a:t>7</a:t>
             </a:fld>
-            <a:endParaRPr lang="en-US" altLang="zh-TW" smtClean="0"/>
+            <a:endParaRPr lang="en-US" altLang="zh-TW"/>
           </a:p>
         </p:txBody>
       </p:sp>
@@ -5536,7 +5580,7 @@
           <a:lstStyle/>
           <a:p>
             <a:pPr eaLnBrk="1" hangingPunct="1"/>
-            <a:endParaRPr lang="zh-TW" altLang="zh-TW" smtClean="0"/>
+            <a:endParaRPr lang="zh-TW" altLang="zh-TW"/>
           </a:p>
         </p:txBody>
       </p:sp>
@@ -5587,7 +5631,7 @@
               <a:pPr/>
               <a:t>8</a:t>
             </a:fld>
-            <a:endParaRPr lang="en-US" altLang="zh-TW" smtClean="0"/>
+            <a:endParaRPr lang="en-US" altLang="zh-TW"/>
           </a:p>
         </p:txBody>
       </p:sp>
@@ -5624,7 +5668,7 @@
           <a:lstStyle/>
           <a:p>
             <a:pPr eaLnBrk="1" hangingPunct="1"/>
-            <a:endParaRPr lang="zh-TW" altLang="zh-TW" smtClean="0"/>
+            <a:endParaRPr lang="zh-TW" altLang="zh-TW"/>
           </a:p>
         </p:txBody>
       </p:sp>
@@ -5675,7 +5719,7 @@
               <a:pPr/>
               <a:t>9</a:t>
             </a:fld>
-            <a:endParaRPr lang="en-US" altLang="zh-TW" smtClean="0"/>
+            <a:endParaRPr lang="en-US" altLang="zh-TW"/>
           </a:p>
         </p:txBody>
       </p:sp>
@@ -5712,7 +5756,7 @@
           <a:lstStyle/>
           <a:p>
             <a:pPr eaLnBrk="1" hangingPunct="1"/>
-            <a:endParaRPr lang="zh-TW" altLang="zh-TW" smtClean="0"/>
+            <a:endParaRPr lang="zh-TW" altLang="zh-TW"/>
           </a:p>
         </p:txBody>
       </p:sp>
@@ -5980,13 +6024,6 @@
   <p:clrMapOvr>
     <a:masterClrMapping/>
   </p:clrMapOvr>
-  <p:timing>
-    <p:tnLst>
-      <p:par>
-        <p:cTn id="1" dur="indefinite" restart="never" nodeType="tmRoot"/>
-      </p:par>
-    </p:tnLst>
-  </p:timing>
 </p:sldLayout>
 </file>
 
@@ -6023,10 +6060,9 @@
           <a:lstStyle/>
           <a:p>
             <a:r>
-              <a:rPr lang="en-US" smtClean="0"/>
+              <a:rPr lang="en-US"/>
               <a:t>Click to edit Master title style</a:t>
             </a:r>
-            <a:endParaRPr lang="en-US"/>
           </a:p>
         </p:txBody>
       </p:sp>
@@ -6047,38 +6083,37 @@
           <a:p>
             <a:pPr lvl="0"/>
             <a:r>
-              <a:rPr lang="en-US" smtClean="0"/>
+              <a:rPr lang="en-US"/>
               <a:t>Click to edit Master text styles</a:t>
             </a:r>
           </a:p>
           <a:p>
             <a:pPr lvl="1"/>
             <a:r>
-              <a:rPr lang="en-US" smtClean="0"/>
+              <a:rPr lang="en-US"/>
               <a:t>Second level</a:t>
             </a:r>
           </a:p>
           <a:p>
             <a:pPr lvl="2"/>
             <a:r>
-              <a:rPr lang="en-US" smtClean="0"/>
+              <a:rPr lang="en-US"/>
               <a:t>Third level</a:t>
             </a:r>
           </a:p>
           <a:p>
             <a:pPr lvl="3"/>
             <a:r>
-              <a:rPr lang="en-US" smtClean="0"/>
+              <a:rPr lang="en-US"/>
               <a:t>Fourth level</a:t>
             </a:r>
           </a:p>
           <a:p>
             <a:pPr lvl="4"/>
             <a:r>
-              <a:rPr lang="en-US" smtClean="0"/>
+              <a:rPr lang="en-US"/>
               <a:t>Fifth level</a:t>
             </a:r>
-            <a:endParaRPr lang="en-US"/>
           </a:p>
         </p:txBody>
       </p:sp>
@@ -6128,10 +6163,9 @@
           <a:lstStyle/>
           <a:p>
             <a:r>
-              <a:rPr lang="en-US" smtClean="0"/>
+              <a:rPr lang="en-US"/>
               <a:t>Click to edit Master title style</a:t>
             </a:r>
-            <a:endParaRPr lang="en-US"/>
           </a:p>
         </p:txBody>
       </p:sp>
@@ -6157,38 +6191,37 @@
           <a:p>
             <a:pPr lvl="0"/>
             <a:r>
-              <a:rPr lang="en-US" smtClean="0"/>
+              <a:rPr lang="en-US"/>
               <a:t>Click to edit Master text styles</a:t>
             </a:r>
           </a:p>
           <a:p>
             <a:pPr lvl="1"/>
             <a:r>
-              <a:rPr lang="en-US" smtClean="0"/>
+              <a:rPr lang="en-US"/>
               <a:t>Second level</a:t>
             </a:r>
           </a:p>
           <a:p>
             <a:pPr lvl="2"/>
             <a:r>
-              <a:rPr lang="en-US" smtClean="0"/>
+              <a:rPr lang="en-US"/>
               <a:t>Third level</a:t>
             </a:r>
           </a:p>
           <a:p>
             <a:pPr lvl="3"/>
             <a:r>
-              <a:rPr lang="en-US" smtClean="0"/>
+              <a:rPr lang="en-US"/>
               <a:t>Fourth level</a:t>
             </a:r>
           </a:p>
           <a:p>
             <a:pPr lvl="4"/>
             <a:r>
-              <a:rPr lang="en-US" smtClean="0"/>
+              <a:rPr lang="en-US"/>
               <a:t>Fifth level</a:t>
             </a:r>
-            <a:endParaRPr lang="en-US"/>
           </a:p>
         </p:txBody>
       </p:sp>
@@ -6233,10 +6266,9 @@
           <a:lstStyle/>
           <a:p>
             <a:r>
-              <a:rPr lang="en-US" smtClean="0"/>
+              <a:rPr lang="en-US"/>
               <a:t>Click to edit Master title style</a:t>
             </a:r>
-            <a:endParaRPr lang="en-US"/>
           </a:p>
         </p:txBody>
       </p:sp>
@@ -6257,38 +6289,37 @@
           <a:p>
             <a:pPr lvl="0"/>
             <a:r>
-              <a:rPr lang="en-US" smtClean="0"/>
+              <a:rPr lang="en-US"/>
               <a:t>Click to edit Master text styles</a:t>
             </a:r>
           </a:p>
           <a:p>
             <a:pPr lvl="1"/>
             <a:r>
-              <a:rPr lang="en-US" smtClean="0"/>
+              <a:rPr lang="en-US"/>
               <a:t>Second level</a:t>
             </a:r>
           </a:p>
           <a:p>
             <a:pPr lvl="2"/>
             <a:r>
-              <a:rPr lang="en-US" smtClean="0"/>
+              <a:rPr lang="en-US"/>
               <a:t>Third level</a:t>
             </a:r>
           </a:p>
           <a:p>
             <a:pPr lvl="3"/>
             <a:r>
-              <a:rPr lang="en-US" smtClean="0"/>
+              <a:rPr lang="en-US"/>
               <a:t>Fourth level</a:t>
             </a:r>
           </a:p>
           <a:p>
             <a:pPr lvl="4"/>
             <a:r>
-              <a:rPr lang="en-US" smtClean="0"/>
+              <a:rPr lang="en-US"/>
               <a:t>Fifth level</a:t>
             </a:r>
-            <a:endParaRPr lang="en-US"/>
           </a:p>
         </p:txBody>
       </p:sp>
@@ -6297,13 +6328,6 @@
   <p:clrMapOvr>
     <a:masterClrMapping/>
   </p:clrMapOvr>
-  <p:timing>
-    <p:tnLst>
-      <p:par>
-        <p:cTn id="1" dur="indefinite" restart="never" nodeType="tmRoot"/>
-      </p:par>
-    </p:tnLst>
-  </p:timing>
 </p:sldLayout>
 </file>
 
@@ -6349,10 +6373,9 @@
           </a:lstStyle>
           <a:p>
             <a:r>
-              <a:rPr lang="en-US" smtClean="0"/>
+              <a:rPr lang="en-US"/>
               <a:t>Click to edit Master title style</a:t>
             </a:r>
-            <a:endParaRPr lang="en-US"/>
           </a:p>
         </p:txBody>
       </p:sp>
@@ -6415,7 +6438,7 @@
           <a:p>
             <a:pPr lvl="0"/>
             <a:r>
-              <a:rPr lang="en-US" smtClean="0"/>
+              <a:rPr lang="en-US"/>
               <a:t>Click to edit Master text styles</a:t>
             </a:r>
           </a:p>
@@ -6462,10 +6485,9 @@
           <a:lstStyle/>
           <a:p>
             <a:r>
-              <a:rPr lang="en-US" smtClean="0"/>
+              <a:rPr lang="en-US"/>
               <a:t>Click to edit Master title style</a:t>
             </a:r>
-            <a:endParaRPr lang="en-US"/>
           </a:p>
         </p:txBody>
       </p:sp>
@@ -6519,38 +6541,37 @@
           <a:p>
             <a:pPr lvl="0"/>
             <a:r>
-              <a:rPr lang="en-US" smtClean="0"/>
+              <a:rPr lang="en-US"/>
               <a:t>Click to edit Master text styles</a:t>
             </a:r>
           </a:p>
           <a:p>
             <a:pPr lvl="1"/>
             <a:r>
-              <a:rPr lang="en-US" smtClean="0"/>
+              <a:rPr lang="en-US"/>
               <a:t>Second level</a:t>
             </a:r>
           </a:p>
           <a:p>
             <a:pPr lvl="2"/>
             <a:r>
-              <a:rPr lang="en-US" smtClean="0"/>
+              <a:rPr lang="en-US"/>
               <a:t>Third level</a:t>
             </a:r>
           </a:p>
           <a:p>
             <a:pPr lvl="3"/>
             <a:r>
-              <a:rPr lang="en-US" smtClean="0"/>
+              <a:rPr lang="en-US"/>
               <a:t>Fourth level</a:t>
             </a:r>
           </a:p>
           <a:p>
             <a:pPr lvl="4"/>
             <a:r>
-              <a:rPr lang="en-US" smtClean="0"/>
+              <a:rPr lang="en-US"/>
               <a:t>Fifth level</a:t>
             </a:r>
-            <a:endParaRPr lang="en-US"/>
           </a:p>
         </p:txBody>
       </p:sp>
@@ -6604,38 +6625,37 @@
           <a:p>
             <a:pPr lvl="0"/>
             <a:r>
-              <a:rPr lang="en-US" smtClean="0"/>
+              <a:rPr lang="en-US"/>
               <a:t>Click to edit Master text styles</a:t>
             </a:r>
           </a:p>
           <a:p>
             <a:pPr lvl="1"/>
             <a:r>
-              <a:rPr lang="en-US" smtClean="0"/>
+              <a:rPr lang="en-US"/>
               <a:t>Second level</a:t>
             </a:r>
           </a:p>
           <a:p>
             <a:pPr lvl="2"/>
             <a:r>
-              <a:rPr lang="en-US" smtClean="0"/>
+              <a:rPr lang="en-US"/>
               <a:t>Third level</a:t>
             </a:r>
           </a:p>
           <a:p>
             <a:pPr lvl="3"/>
             <a:r>
-              <a:rPr lang="en-US" smtClean="0"/>
+              <a:rPr lang="en-US"/>
               <a:t>Fourth level</a:t>
             </a:r>
           </a:p>
           <a:p>
             <a:pPr lvl="4"/>
             <a:r>
-              <a:rPr lang="en-US" smtClean="0"/>
+              <a:rPr lang="en-US"/>
               <a:t>Fifth level</a:t>
             </a:r>
-            <a:endParaRPr lang="en-US"/>
           </a:p>
         </p:txBody>
       </p:sp>
@@ -6689,10 +6709,9 @@
           </a:lstStyle>
           <a:p>
             <a:r>
-              <a:rPr lang="en-US" smtClean="0"/>
+              <a:rPr lang="en-US"/>
               <a:t>Click to edit Master title style</a:t>
             </a:r>
-            <a:endParaRPr lang="en-US"/>
           </a:p>
         </p:txBody>
       </p:sp>
@@ -6755,7 +6774,7 @@
           <a:p>
             <a:pPr lvl="0"/>
             <a:r>
-              <a:rPr lang="en-US" smtClean="0"/>
+              <a:rPr lang="en-US"/>
               <a:t>Click to edit Master text styles</a:t>
             </a:r>
           </a:p>
@@ -6811,38 +6830,37 @@
           <a:p>
             <a:pPr lvl="0"/>
             <a:r>
-              <a:rPr lang="en-US" smtClean="0"/>
+              <a:rPr lang="en-US"/>
               <a:t>Click to edit Master text styles</a:t>
             </a:r>
           </a:p>
           <a:p>
             <a:pPr lvl="1"/>
             <a:r>
-              <a:rPr lang="en-US" smtClean="0"/>
+              <a:rPr lang="en-US"/>
               <a:t>Second level</a:t>
             </a:r>
           </a:p>
           <a:p>
             <a:pPr lvl="2"/>
             <a:r>
-              <a:rPr lang="en-US" smtClean="0"/>
+              <a:rPr lang="en-US"/>
               <a:t>Third level</a:t>
             </a:r>
           </a:p>
           <a:p>
             <a:pPr lvl="3"/>
             <a:r>
-              <a:rPr lang="en-US" smtClean="0"/>
+              <a:rPr lang="en-US"/>
               <a:t>Fourth level</a:t>
             </a:r>
           </a:p>
           <a:p>
             <a:pPr lvl="4"/>
             <a:r>
-              <a:rPr lang="en-US" smtClean="0"/>
+              <a:rPr lang="en-US"/>
               <a:t>Fifth level</a:t>
             </a:r>
-            <a:endParaRPr lang="en-US"/>
           </a:p>
         </p:txBody>
       </p:sp>
@@ -6905,7 +6923,7 @@
           <a:p>
             <a:pPr lvl="0"/>
             <a:r>
-              <a:rPr lang="en-US" smtClean="0"/>
+              <a:rPr lang="en-US"/>
               <a:t>Click to edit Master text styles</a:t>
             </a:r>
           </a:p>
@@ -6961,38 +6979,37 @@
           <a:p>
             <a:pPr lvl="0"/>
             <a:r>
-              <a:rPr lang="en-US" smtClean="0"/>
+              <a:rPr lang="en-US"/>
               <a:t>Click to edit Master text styles</a:t>
             </a:r>
           </a:p>
           <a:p>
             <a:pPr lvl="1"/>
             <a:r>
-              <a:rPr lang="en-US" smtClean="0"/>
+              <a:rPr lang="en-US"/>
               <a:t>Second level</a:t>
             </a:r>
           </a:p>
           <a:p>
             <a:pPr lvl="2"/>
             <a:r>
-              <a:rPr lang="en-US" smtClean="0"/>
+              <a:rPr lang="en-US"/>
               <a:t>Third level</a:t>
             </a:r>
           </a:p>
           <a:p>
             <a:pPr lvl="3"/>
             <a:r>
-              <a:rPr lang="en-US" smtClean="0"/>
+              <a:rPr lang="en-US"/>
               <a:t>Fourth level</a:t>
             </a:r>
           </a:p>
           <a:p>
             <a:pPr lvl="4"/>
             <a:r>
-              <a:rPr lang="en-US" smtClean="0"/>
+              <a:rPr lang="en-US"/>
               <a:t>Fifth level</a:t>
             </a:r>
-            <a:endParaRPr lang="en-US"/>
           </a:p>
         </p:txBody>
       </p:sp>
@@ -7037,10 +7054,9 @@
           <a:lstStyle/>
           <a:p>
             <a:r>
-              <a:rPr lang="en-US" smtClean="0"/>
+              <a:rPr lang="en-US"/>
               <a:t>Click to edit Master title style</a:t>
             </a:r>
-            <a:endParaRPr lang="en-US"/>
           </a:p>
         </p:txBody>
       </p:sp>
@@ -7049,13 +7065,6 @@
   <p:clrMapOvr>
     <a:masterClrMapping/>
   </p:clrMapOvr>
-  <p:timing>
-    <p:tnLst>
-      <p:par>
-        <p:cTn id="1" dur="indefinite" restart="never" nodeType="tmRoot"/>
-      </p:par>
-    </p:tnLst>
-  </p:timing>
 </p:sldLayout>
 </file>
 
@@ -7126,10 +7135,9 @@
           </a:lstStyle>
           <a:p>
             <a:r>
-              <a:rPr lang="en-US" smtClean="0"/>
+              <a:rPr lang="en-US"/>
               <a:t>Click to edit Master title style</a:t>
             </a:r>
-            <a:endParaRPr lang="en-US"/>
           </a:p>
         </p:txBody>
       </p:sp>
@@ -7183,38 +7191,37 @@
           <a:p>
             <a:pPr lvl="0"/>
             <a:r>
-              <a:rPr lang="en-US" smtClean="0"/>
+              <a:rPr lang="en-US"/>
               <a:t>Click to edit Master text styles</a:t>
             </a:r>
           </a:p>
           <a:p>
             <a:pPr lvl="1"/>
             <a:r>
-              <a:rPr lang="en-US" smtClean="0"/>
+              <a:rPr lang="en-US"/>
               <a:t>Second level</a:t>
             </a:r>
           </a:p>
           <a:p>
             <a:pPr lvl="2"/>
             <a:r>
-              <a:rPr lang="en-US" smtClean="0"/>
+              <a:rPr lang="en-US"/>
               <a:t>Third level</a:t>
             </a:r>
           </a:p>
           <a:p>
             <a:pPr lvl="3"/>
             <a:r>
-              <a:rPr lang="en-US" smtClean="0"/>
+              <a:rPr lang="en-US"/>
               <a:t>Fourth level</a:t>
             </a:r>
           </a:p>
           <a:p>
             <a:pPr lvl="4"/>
             <a:r>
-              <a:rPr lang="en-US" smtClean="0"/>
+              <a:rPr lang="en-US"/>
               <a:t>Fifth level</a:t>
             </a:r>
-            <a:endParaRPr lang="en-US"/>
           </a:p>
         </p:txBody>
       </p:sp>
@@ -7277,7 +7284,7 @@
           <a:p>
             <a:pPr lvl="0"/>
             <a:r>
-              <a:rPr lang="en-US" smtClean="0"/>
+              <a:rPr lang="en-US"/>
               <a:t>Click to edit Master text styles</a:t>
             </a:r>
           </a:p>
@@ -7333,10 +7340,9 @@
           </a:lstStyle>
           <a:p>
             <a:r>
-              <a:rPr lang="en-US" smtClean="0"/>
+              <a:rPr lang="en-US"/>
               <a:t>Click to edit Master title style</a:t>
             </a:r>
-            <a:endParaRPr lang="en-US"/>
           </a:p>
         </p:txBody>
       </p:sp>
@@ -7398,7 +7404,7 @@
           </a:lstStyle>
           <a:p>
             <a:pPr lvl="0"/>
-            <a:endParaRPr lang="en-US" noProof="0" smtClean="0"/>
+            <a:endParaRPr lang="en-US" noProof="0"/>
           </a:p>
         </p:txBody>
       </p:sp>
@@ -7461,7 +7467,7 @@
           <a:p>
             <a:pPr lvl="0"/>
             <a:r>
-              <a:rPr lang="en-US" smtClean="0"/>
+              <a:rPr lang="en-US"/>
               <a:t>Click to edit Master text styles</a:t>
             </a:r>
           </a:p>
@@ -7536,7 +7542,7 @@
           <a:p>
             <a:pPr lvl="0"/>
             <a:r>
-              <a:rPr lang="en-US" altLang="zh-TW" dirty="0" smtClean="0"/>
+              <a:rPr lang="en-US" altLang="zh-TW" dirty="0"/>
               <a:t>Click to edit Master title style</a:t>
             </a:r>
           </a:p>
@@ -7578,35 +7584,35 @@
           <a:p>
             <a:pPr lvl="0"/>
             <a:r>
-              <a:rPr lang="en-US" altLang="zh-TW" smtClean="0"/>
+              <a:rPr lang="en-US" altLang="zh-TW"/>
               <a:t>Click to edit Master text styles</a:t>
             </a:r>
           </a:p>
           <a:p>
             <a:pPr lvl="1"/>
             <a:r>
-              <a:rPr lang="en-US" altLang="zh-TW" smtClean="0"/>
+              <a:rPr lang="en-US" altLang="zh-TW"/>
               <a:t>Second level</a:t>
             </a:r>
           </a:p>
           <a:p>
             <a:pPr lvl="2"/>
             <a:r>
-              <a:rPr lang="en-US" altLang="zh-TW" smtClean="0"/>
+              <a:rPr lang="en-US" altLang="zh-TW"/>
               <a:t>Third level</a:t>
             </a:r>
           </a:p>
           <a:p>
             <a:pPr lvl="3"/>
             <a:r>
-              <a:rPr lang="en-US" altLang="zh-TW" smtClean="0"/>
+              <a:rPr lang="en-US" altLang="zh-TW"/>
               <a:t>Fourth level</a:t>
             </a:r>
           </a:p>
           <a:p>
             <a:pPr lvl="4"/>
             <a:r>
-              <a:rPr lang="en-US" altLang="zh-TW" smtClean="0"/>
+              <a:rPr lang="en-US" altLang="zh-TW"/>
               <a:t>Fifth level</a:t>
             </a:r>
           </a:p>
@@ -7811,7 +7817,7 @@
               <a:defRPr/>
             </a:pPr>
             <a:r>
-              <a:rPr lang="en-US" altLang="zh-TW" sz="1400" b="1" dirty="0" smtClean="0">
+              <a:rPr lang="en-US" altLang="zh-TW" sz="1400" b="1" dirty="0">
                 <a:solidFill>
                   <a:schemeClr val="tx1"/>
                 </a:solidFill>
@@ -7859,13 +7865,6 @@
     <p:sldLayoutId id="2147483851" r:id="rId10"/>
     <p:sldLayoutId id="2147483852" r:id="rId11"/>
   </p:sldLayoutIdLst>
-  <p:timing>
-    <p:tnLst>
-      <p:par>
-        <p:cTn id="1" dur="indefinite" restart="never" nodeType="tmRoot"/>
-      </p:par>
-    </p:tnLst>
-  </p:timing>
   <p:txStyles>
     <p:titleStyle>
       <a:lvl1pPr algn="ctr" rtl="0" eaLnBrk="0" fontAlgn="base" hangingPunct="0">
@@ -8329,28 +8328,28 @@
           <a:p>
             <a:pPr eaLnBrk="1" hangingPunct="1"/>
             <a:r>
-              <a:rPr lang="en-US" altLang="zh-TW" sz="4800" dirty="0" smtClean="0">
+              <a:rPr lang="en-US" altLang="zh-TW" sz="4800" dirty="0">
                 <a:ea typeface="新細明體" charset="-120"/>
               </a:rPr>
               <a:t>Chapter 12  </a:t>
             </a:r>
             <a:br>
-              <a:rPr lang="en-US" altLang="zh-TW" sz="4800" dirty="0" smtClean="0">
+              <a:rPr lang="en-US" altLang="zh-TW" sz="4800" dirty="0">
                 <a:ea typeface="新細明體" charset="-120"/>
               </a:rPr>
             </a:br>
             <a:r>
-              <a:rPr lang="en-US" altLang="zh-TW" sz="4800" dirty="0" smtClean="0">
+              <a:rPr lang="en-US" altLang="zh-TW" sz="4800" dirty="0">
                 <a:ea typeface="新細明體" charset="-120"/>
               </a:rPr>
               <a:t>Secondary-Storage Structure</a:t>
             </a:r>
             <a:br>
-              <a:rPr lang="en-US" altLang="zh-TW" sz="4800" dirty="0" smtClean="0">
+              <a:rPr lang="en-US" altLang="zh-TW" sz="4800" dirty="0">
                 <a:ea typeface="新細明體" charset="-120"/>
               </a:rPr>
             </a:br>
-            <a:endParaRPr lang="en-US" altLang="zh-TW" sz="4800" dirty="0" smtClean="0">
+            <a:endParaRPr lang="en-US" altLang="zh-TW" sz="4800" dirty="0">
               <a:ea typeface="新細明體" charset="-120"/>
             </a:endParaRPr>
           </a:p>
@@ -8361,13 +8360,6 @@
   <p:clrMapOvr>
     <a:masterClrMapping/>
   </p:clrMapOvr>
-  <p:timing>
-    <p:tnLst>
-      <p:par>
-        <p:cTn id="1" dur="indefinite" restart="never" nodeType="tmRoot"/>
-      </p:par>
-    </p:tnLst>
-  </p:timing>
 </p:sld>
 </file>
 
@@ -8405,19 +8397,19 @@
           <a:p>
             <a:pPr eaLnBrk="1" hangingPunct="1"/>
             <a:r>
-              <a:rPr lang="en-US" altLang="zh-TW" smtClean="0">
+              <a:rPr lang="en-US" altLang="zh-TW">
                 <a:ea typeface="新細明體" charset="-120"/>
               </a:rPr>
               <a:t>Network-Attached Storage</a:t>
             </a:r>
             <a:r>
-              <a:rPr lang="zh-TW" altLang="en-US" smtClean="0">
+              <a:rPr lang="zh-TW" altLang="en-US">
                 <a:ea typeface="新細明體" charset="-120"/>
               </a:rPr>
               <a:t> </a:t>
             </a:r>
             <a:r>
-              <a:rPr lang="en-US" altLang="zh-TW" smtClean="0">
+              <a:rPr lang="en-US" altLang="zh-TW">
                 <a:ea typeface="新細明體" charset="-120"/>
               </a:rPr>
               <a:t>(NAS)</a:t>
@@ -8446,7 +8438,7 @@
           <a:lstStyle/>
           <a:p>
             <a:r>
-              <a:rPr lang="en-US" altLang="zh-TW" sz="2400" b="1" dirty="0" smtClean="0">
+              <a:rPr lang="en-US" altLang="zh-TW" sz="2400" b="1" dirty="0">
                 <a:solidFill>
                   <a:srgbClr val="FF0000"/>
                 </a:solidFill>
@@ -8455,7 +8447,7 @@
               <a:t>Network-attached storage </a:t>
             </a:r>
             <a:r>
-              <a:rPr lang="en-US" altLang="zh-TW" sz="2400" dirty="0" smtClean="0">
+              <a:rPr lang="en-US" altLang="zh-TW" sz="2400" dirty="0">
                 <a:solidFill>
                   <a:srgbClr val="FF0000"/>
                 </a:solidFill>
@@ -8464,7 +8456,7 @@
               <a:t>(</a:t>
             </a:r>
             <a:r>
-              <a:rPr lang="en-US" altLang="zh-TW" sz="2400" b="1" dirty="0" smtClean="0">
+              <a:rPr lang="en-US" altLang="zh-TW" sz="2400" b="1" dirty="0">
                 <a:solidFill>
                   <a:srgbClr val="FF0000"/>
                 </a:solidFill>
@@ -8473,7 +8465,7 @@
               <a:t>NAS</a:t>
             </a:r>
             <a:r>
-              <a:rPr lang="en-US" altLang="zh-TW" sz="2400" dirty="0" smtClean="0">
+              <a:rPr lang="en-US" altLang="zh-TW" sz="2400" dirty="0">
                 <a:solidFill>
                   <a:srgbClr val="FF0000"/>
                 </a:solidFill>
@@ -8482,7 +8474,7 @@
               <a:t>) </a:t>
             </a:r>
             <a:r>
-              <a:rPr lang="en-US" altLang="zh-TW" sz="2400" dirty="0" smtClean="0">
+              <a:rPr lang="en-US" altLang="zh-TW" sz="2400" dirty="0">
                 <a:ea typeface="新細明體" charset="-120"/>
               </a:rPr>
               <a:t>is storage made available over a network rather than over a local connection (such as a bus)</a:t>
@@ -8490,7 +8482,7 @@
           </a:p>
           <a:p>
             <a:r>
-              <a:rPr lang="en-US" altLang="zh-TW" sz="2400" dirty="0" smtClean="0">
+              <a:rPr lang="en-US" altLang="zh-TW" sz="2400" dirty="0">
                 <a:ea typeface="新細明體" charset="-120"/>
               </a:rPr>
               <a:t>NFS and CIFS are common protocols</a:t>
@@ -8498,7 +8490,7 @@
           </a:p>
           <a:p>
             <a:r>
-              <a:rPr lang="en-US" altLang="zh-TW" sz="2400" dirty="0" smtClean="0">
+              <a:rPr lang="en-US" altLang="zh-TW" sz="2400" dirty="0">
                 <a:ea typeface="新細明體" charset="-120"/>
               </a:rPr>
               <a:t>Implemented via remote procedure calls (RPCs) between host and storage</a:t>
@@ -8506,19 +8498,19 @@
           </a:p>
           <a:p>
             <a:r>
-              <a:rPr lang="en-US" altLang="zh-TW" sz="2400" dirty="0" smtClean="0">
+              <a:rPr lang="en-US" altLang="zh-TW" sz="2400" dirty="0">
                 <a:ea typeface="新細明體" charset="-120"/>
               </a:rPr>
               <a:t>New </a:t>
             </a:r>
             <a:r>
-              <a:rPr lang="en-US" altLang="zh-TW" sz="2400" dirty="0" err="1" smtClean="0">
+              <a:rPr lang="en-US" altLang="zh-TW" sz="2400" dirty="0" err="1">
                 <a:ea typeface="新細明體" charset="-120"/>
               </a:rPr>
               <a:t>iSCSI</a:t>
             </a:r>
             <a:r>
-              <a:rPr lang="en-US" altLang="zh-TW" sz="2400" dirty="0" smtClean="0">
+              <a:rPr lang="en-US" altLang="zh-TW" sz="2400" dirty="0">
                 <a:ea typeface="新細明體" charset="-120"/>
               </a:rPr>
               <a:t> protocol uses IP network to carry the SCSI protocol</a:t>
@@ -8877,19 +8869,19 @@
           <a:p>
             <a:pPr eaLnBrk="1" hangingPunct="1"/>
             <a:r>
-              <a:rPr lang="en-US" altLang="zh-TW" smtClean="0">
+              <a:rPr lang="en-US" altLang="zh-TW">
                 <a:ea typeface="新細明體" charset="-120"/>
               </a:rPr>
               <a:t>Storage Area Network</a:t>
             </a:r>
             <a:r>
-              <a:rPr lang="zh-TW" altLang="en-US" smtClean="0">
+              <a:rPr lang="zh-TW" altLang="en-US">
                 <a:ea typeface="新細明體" charset="-120"/>
               </a:rPr>
               <a:t> </a:t>
             </a:r>
             <a:r>
-              <a:rPr lang="en-US" altLang="zh-TW" smtClean="0">
+              <a:rPr lang="en-US" altLang="zh-TW">
                 <a:ea typeface="新細明體" charset="-120"/>
               </a:rPr>
               <a:t>(SAN)</a:t>
@@ -8918,7 +8910,7 @@
           <a:lstStyle/>
           <a:p>
             <a:r>
-              <a:rPr lang="en-US" altLang="zh-TW" sz="2400" dirty="0" smtClean="0">
+              <a:rPr lang="en-US" altLang="zh-TW" sz="2400" dirty="0">
                 <a:ea typeface="新細明體" charset="-120"/>
               </a:rPr>
               <a:t>Common in large storage environments (and becoming more common)</a:t>
@@ -8926,7 +8918,7 @@
           </a:p>
           <a:p>
             <a:r>
-              <a:rPr lang="en-US" altLang="zh-TW" sz="2400" b="1" dirty="0" smtClean="0">
+              <a:rPr lang="en-US" altLang="zh-TW" sz="2400" b="1" dirty="0">
                 <a:solidFill>
                   <a:srgbClr val="FF0000"/>
                 </a:solidFill>
@@ -8935,7 +8927,7 @@
               <a:t>Multiple hosts attached to multiple storage arrays </a:t>
             </a:r>
             <a:r>
-              <a:rPr lang="en-US" altLang="zh-TW" sz="2400" dirty="0" smtClean="0">
+              <a:rPr lang="en-US" altLang="zh-TW" sz="2400" dirty="0">
                 <a:ea typeface="新細明體" charset="-120"/>
               </a:rPr>
               <a:t>- flexible</a:t>
@@ -9172,7 +9164,7 @@
           <a:p>
             <a:pPr eaLnBrk="1" hangingPunct="1"/>
             <a:r>
-              <a:rPr lang="en-US" altLang="zh-TW" dirty="0" smtClean="0">
+              <a:rPr lang="en-US" altLang="zh-TW" dirty="0">
                 <a:ea typeface="新細明體" charset="-120"/>
               </a:rPr>
               <a:t>12.4 Disk Scheduling</a:t>
@@ -9201,13 +9193,13 @@
           <a:lstStyle/>
           <a:p>
             <a:r>
-              <a:rPr lang="en-US" altLang="zh-TW" sz="2400" dirty="0" smtClean="0">
+              <a:rPr lang="en-US" altLang="zh-TW" sz="2400" dirty="0">
                 <a:ea typeface="新細明體" charset="-120"/>
               </a:rPr>
               <a:t>The operating system is responsible for using hardware efficiently — for the disk drives, this means having a </a:t>
             </a:r>
             <a:r>
-              <a:rPr lang="en-US" altLang="zh-TW" sz="2400" b="1" dirty="0" smtClean="0">
+              <a:rPr lang="en-US" altLang="zh-TW" sz="2400" b="1" dirty="0">
                 <a:solidFill>
                   <a:srgbClr val="FF0000"/>
                 </a:solidFill>
@@ -9216,7 +9208,7 @@
               <a:t>fast access time and disk bandwidth</a:t>
             </a:r>
             <a:r>
-              <a:rPr lang="en-US" altLang="zh-TW" sz="2400" dirty="0" smtClean="0">
+              <a:rPr lang="en-US" altLang="zh-TW" sz="2400" dirty="0">
                 <a:ea typeface="新細明體" charset="-120"/>
               </a:rPr>
               <a:t>.</a:t>
@@ -9224,7 +9216,7 @@
           </a:p>
           <a:p>
             <a:r>
-              <a:rPr lang="en-US" altLang="zh-TW" sz="2400" dirty="0" smtClean="0">
+              <a:rPr lang="en-US" altLang="zh-TW" sz="2400" dirty="0">
                 <a:ea typeface="新細明體" charset="-120"/>
               </a:rPr>
               <a:t>Access time has two major components</a:t>
@@ -9233,7 +9225,7 @@
           <a:p>
             <a:pPr lvl="1"/>
             <a:r>
-              <a:rPr lang="en-US" altLang="zh-TW" sz="2400" b="1" i="1" dirty="0" smtClean="0">
+              <a:rPr lang="en-US" altLang="zh-TW" sz="2400" b="1" i="1" dirty="0">
                 <a:solidFill>
                   <a:srgbClr val="FF0000"/>
                 </a:solidFill>
@@ -9242,7 +9234,7 @@
               <a:t>Seek time</a:t>
             </a:r>
             <a:r>
-              <a:rPr lang="en-US" altLang="zh-TW" sz="2400" b="1" dirty="0" smtClean="0">
+              <a:rPr lang="en-US" altLang="zh-TW" sz="2400" b="1" dirty="0">
                 <a:solidFill>
                   <a:srgbClr val="FF0000"/>
                 </a:solidFill>
@@ -9251,7 +9243,7 @@
               <a:t> </a:t>
             </a:r>
             <a:r>
-              <a:rPr lang="en-US" altLang="zh-TW" sz="2400" dirty="0" smtClean="0">
+              <a:rPr lang="en-US" altLang="zh-TW" sz="2400" dirty="0">
                 <a:ea typeface="新細明體" charset="-120"/>
               </a:rPr>
               <a:t>is the time for the disk arm to move the heads to the cylinder containing the desired sector.</a:t>
@@ -9260,7 +9252,7 @@
           <a:p>
             <a:pPr lvl="1"/>
             <a:r>
-              <a:rPr lang="en-US" altLang="zh-TW" sz="2400" b="1" i="1" dirty="0" smtClean="0">
+              <a:rPr lang="en-US" altLang="zh-TW" sz="2400" b="1" i="1" dirty="0">
                 <a:solidFill>
                   <a:srgbClr val="FF0000"/>
                 </a:solidFill>
@@ -9269,7 +9261,7 @@
               <a:t>Rotational latency</a:t>
             </a:r>
             <a:r>
-              <a:rPr lang="en-US" altLang="zh-TW" sz="2400" b="1" dirty="0" smtClean="0">
+              <a:rPr lang="en-US" altLang="zh-TW" sz="2400" b="1" dirty="0">
                 <a:solidFill>
                   <a:srgbClr val="FF0000"/>
                 </a:solidFill>
@@ -9278,7 +9270,7 @@
               <a:t> </a:t>
             </a:r>
             <a:r>
-              <a:rPr lang="en-US" altLang="zh-TW" sz="2400" dirty="0" smtClean="0">
+              <a:rPr lang="en-US" altLang="zh-TW" sz="2400" dirty="0">
                 <a:ea typeface="新細明體" charset="-120"/>
               </a:rPr>
               <a:t>is the additional time waiting for the disk to rotate the desired sector to the disk head.</a:t>
@@ -9286,7 +9278,7 @@
           </a:p>
           <a:p>
             <a:r>
-              <a:rPr lang="en-US" altLang="zh-TW" sz="2400" dirty="0" smtClean="0">
+              <a:rPr lang="en-US" altLang="zh-TW" sz="2400" dirty="0">
                 <a:ea typeface="新細明體" charset="-120"/>
               </a:rPr>
               <a:t>Minimize seek time</a:t>
@@ -9294,13 +9286,13 @@
           </a:p>
           <a:p>
             <a:r>
-              <a:rPr lang="en-US" altLang="zh-TW" sz="2400" dirty="0" smtClean="0">
+              <a:rPr lang="en-US" altLang="zh-TW" sz="2400" dirty="0">
                 <a:ea typeface="新細明體" charset="-120"/>
               </a:rPr>
               <a:t>Seek time </a:t>
             </a:r>
             <a:r>
-              <a:rPr lang="en-US" altLang="zh-TW" sz="2400" dirty="0" smtClean="0">
+              <a:rPr lang="en-US" altLang="zh-TW" sz="2400" dirty="0">
                 <a:ea typeface="新細明體" charset="-120"/>
                 <a:sym typeface="Symbol" charset="2"/>
               </a:rPr>
@@ -9309,7 +9301,7 @@
           </a:p>
           <a:p>
             <a:r>
-              <a:rPr lang="en-US" altLang="zh-TW" sz="2400" b="1" dirty="0" smtClean="0">
+              <a:rPr lang="en-US" altLang="zh-TW" sz="2400" b="1" dirty="0">
                 <a:solidFill>
                   <a:srgbClr val="FF0000"/>
                 </a:solidFill>
@@ -9319,13 +9311,13 @@
               <a:t>Disk bandwidth </a:t>
             </a:r>
             <a:r>
-              <a:rPr lang="en-US" altLang="zh-TW" sz="2400" dirty="0" smtClean="0">
+              <a:rPr lang="en-US" altLang="zh-TW" sz="2400" dirty="0">
                 <a:ea typeface="新細明體" charset="-120"/>
                 <a:sym typeface="Symbol" charset="2"/>
               </a:rPr>
               <a:t>is the total number of bytes transferred, divided by the total time between the first request for service and the completion of the last transfer.</a:t>
             </a:r>
-            <a:endParaRPr lang="en-US" altLang="zh-TW" sz="2400" dirty="0" smtClean="0">
+            <a:endParaRPr lang="en-US" altLang="zh-TW" sz="2400" dirty="0">
               <a:ea typeface="新細明體" charset="-120"/>
             </a:endParaRPr>
           </a:p>
@@ -9797,7 +9789,7 @@
           <a:p>
             <a:pPr eaLnBrk="1" hangingPunct="1"/>
             <a:r>
-              <a:rPr lang="en-US" altLang="zh-TW" smtClean="0">
+              <a:rPr lang="en-US" altLang="zh-TW">
                 <a:ea typeface="新細明體" charset="-120"/>
               </a:rPr>
               <a:t>Disk Scheduling (Cont.)</a:t>
@@ -9831,7 +9823,7 @@
               </a:tabLst>
             </a:pPr>
             <a:r>
-              <a:rPr lang="en-US" altLang="zh-TW" sz="2400" dirty="0" smtClean="0">
+              <a:rPr lang="en-US" altLang="zh-TW" sz="2400" dirty="0">
                 <a:ea typeface="新細明體" charset="-120"/>
               </a:rPr>
               <a:t>Several algorithms exist to schedule the servicing of disk I/O requests. </a:t>
@@ -9844,7 +9836,7 @@
               </a:tabLst>
             </a:pPr>
             <a:r>
-              <a:rPr lang="en-US" altLang="zh-TW" sz="2400" dirty="0" smtClean="0">
+              <a:rPr lang="en-US" altLang="zh-TW" sz="2400" dirty="0">
                 <a:ea typeface="新細明體" charset="-120"/>
               </a:rPr>
               <a:t>We illustrate them with a request queue (0-199 cylinders).</a:t>
@@ -9859,24 +9851,24 @@
               </a:tabLst>
             </a:pPr>
             <a:r>
-              <a:rPr lang="en-US" altLang="zh-TW" sz="2400" dirty="0" smtClean="0">
+              <a:rPr lang="en-US" altLang="zh-TW" sz="2400" dirty="0">
                 <a:ea typeface="新細明體" charset="-120"/>
               </a:rPr>
               <a:t>		</a:t>
             </a:r>
             <a:br>
-              <a:rPr lang="en-US" altLang="zh-TW" sz="2400" dirty="0" smtClean="0">
+              <a:rPr lang="en-US" altLang="zh-TW" sz="2400" dirty="0">
                 <a:ea typeface="新細明體" charset="-120"/>
               </a:rPr>
             </a:br>
             <a:r>
-              <a:rPr lang="en-US" altLang="zh-TW" sz="2400" dirty="0" smtClean="0">
+              <a:rPr lang="en-US" altLang="zh-TW" sz="2400" dirty="0">
                 <a:ea typeface="新細明體" charset="-120"/>
               </a:rPr>
               <a:t>	</a:t>
             </a:r>
             <a:r>
-              <a:rPr lang="en-US" altLang="zh-TW" sz="2400" dirty="0" smtClean="0">
+              <a:rPr lang="en-US" altLang="zh-TW" sz="2400" dirty="0">
                 <a:solidFill>
                   <a:srgbClr val="FF0000"/>
                 </a:solidFill>
@@ -9893,7 +9885,7 @@
                 <a:tab pos="1711325" algn="l"/>
               </a:tabLst>
             </a:pPr>
-            <a:endParaRPr lang="en-US" altLang="zh-TW" sz="2400" dirty="0" smtClean="0">
+            <a:endParaRPr lang="en-US" altLang="zh-TW" sz="2400" dirty="0">
               <a:ea typeface="新細明體" charset="-120"/>
             </a:endParaRPr>
           </a:p>
@@ -9906,13 +9898,13 @@
               </a:tabLst>
             </a:pPr>
             <a:r>
-              <a:rPr lang="en-US" altLang="zh-TW" sz="2400" dirty="0" smtClean="0">
+              <a:rPr lang="en-US" altLang="zh-TW" sz="2400" dirty="0">
                 <a:ea typeface="新細明體" charset="-120"/>
               </a:rPr>
               <a:t>	</a:t>
             </a:r>
             <a:r>
-              <a:rPr lang="en-US" altLang="zh-TW" sz="2400" dirty="0" smtClean="0">
+              <a:rPr lang="en-US" altLang="zh-TW" sz="2400" dirty="0">
                 <a:solidFill>
                   <a:srgbClr val="FF0000"/>
                 </a:solidFill>
@@ -9928,13 +9920,6 @@
   <p:clrMapOvr>
     <a:masterClrMapping/>
   </p:clrMapOvr>
-  <p:timing>
-    <p:tnLst>
-      <p:par>
-        <p:cTn id="1" dur="indefinite" restart="never" nodeType="tmRoot"/>
-      </p:par>
-    </p:tnLst>
-  </p:timing>
 </p:sld>
 </file>
 
@@ -9977,7 +9962,7 @@
           <a:p>
             <a:pPr eaLnBrk="1" hangingPunct="1"/>
             <a:r>
-              <a:rPr lang="en-US" altLang="zh-TW" smtClean="0">
+              <a:rPr lang="en-US" altLang="zh-TW">
                 <a:ea typeface="新細明體" charset="-120"/>
               </a:rPr>
               <a:t>FCFS (First Come First Service)</a:t>
@@ -10084,13 +10069,6 @@
   <p:clrMapOvr>
     <a:masterClrMapping/>
   </p:clrMapOvr>
-  <p:timing>
-    <p:tnLst>
-      <p:par>
-        <p:cTn id="1" dur="indefinite" restart="never" nodeType="tmRoot"/>
-      </p:par>
-    </p:tnLst>
-  </p:timing>
 </p:sld>
 </file>
 
@@ -10133,7 +10111,7 @@
           <a:p>
             <a:pPr eaLnBrk="1" hangingPunct="1"/>
             <a:r>
-              <a:rPr lang="en-US" altLang="zh-TW" smtClean="0">
+              <a:rPr lang="en-US" altLang="zh-TW">
                 <a:ea typeface="新細明體" charset="-120"/>
               </a:rPr>
               <a:t>SSTF (Shortest Seek Time First)</a:t>
@@ -10162,13 +10140,13 @@
           <a:lstStyle/>
           <a:p>
             <a:r>
-              <a:rPr lang="en-US" altLang="zh-TW" sz="2400" dirty="0" smtClean="0">
+              <a:rPr lang="en-US" altLang="zh-TW" sz="2400" dirty="0">
                 <a:ea typeface="新細明體" charset="-120"/>
               </a:rPr>
               <a:t>Selects the request with the </a:t>
             </a:r>
             <a:r>
-              <a:rPr lang="en-US" altLang="zh-TW" sz="2400" b="1" dirty="0" smtClean="0">
+              <a:rPr lang="en-US" altLang="zh-TW" sz="2400" b="1" dirty="0">
                 <a:solidFill>
                   <a:srgbClr val="FF0000"/>
                 </a:solidFill>
@@ -10177,7 +10155,7 @@
               <a:t>minimum seek time </a:t>
             </a:r>
             <a:r>
-              <a:rPr lang="en-US" altLang="zh-TW" sz="2400" dirty="0" smtClean="0">
+              <a:rPr lang="en-US" altLang="zh-TW" sz="2400" dirty="0">
                 <a:ea typeface="新細明體" charset="-120"/>
               </a:rPr>
               <a:t>from the current head position.</a:t>
@@ -10185,13 +10163,13 @@
           </a:p>
           <a:p>
             <a:r>
-              <a:rPr lang="en-US" altLang="zh-TW" sz="2400" dirty="0" smtClean="0">
+              <a:rPr lang="en-US" altLang="zh-TW" sz="2400" dirty="0">
                 <a:ea typeface="新細明體" charset="-120"/>
               </a:rPr>
               <a:t>SSTF scheduling is a form of SJF scheduling; may cause </a:t>
             </a:r>
             <a:r>
-              <a:rPr lang="en-US" altLang="zh-TW" sz="2400" dirty="0" smtClean="0">
+              <a:rPr lang="en-US" altLang="zh-TW" sz="2400" dirty="0">
                 <a:solidFill>
                   <a:srgbClr val="FF0000"/>
                 </a:solidFill>
@@ -10200,7 +10178,7 @@
               <a:t>starvation</a:t>
             </a:r>
             <a:r>
-              <a:rPr lang="en-US" altLang="zh-TW" sz="2400" dirty="0" smtClean="0">
+              <a:rPr lang="en-US" altLang="zh-TW" sz="2400" dirty="0">
                 <a:ea typeface="新細明體" charset="-120"/>
               </a:rPr>
               <a:t> of some requests.</a:t>
@@ -10208,13 +10186,13 @@
           </a:p>
           <a:p>
             <a:r>
-              <a:rPr lang="en-US" altLang="zh-TW" sz="2400" dirty="0" smtClean="0">
+              <a:rPr lang="en-US" altLang="zh-TW" sz="2400" dirty="0">
                 <a:ea typeface="新細明體" charset="-120"/>
               </a:rPr>
               <a:t>Illustration shows total head movement of </a:t>
             </a:r>
             <a:r>
-              <a:rPr lang="en-US" altLang="zh-TW" sz="2400" dirty="0" smtClean="0">
+              <a:rPr lang="en-US" altLang="zh-TW" sz="2400" dirty="0">
                 <a:solidFill>
                   <a:srgbClr val="FF0000"/>
                 </a:solidFill>
@@ -10223,7 +10201,7 @@
               <a:t>236 cylinders</a:t>
             </a:r>
             <a:r>
-              <a:rPr lang="en-US" altLang="zh-TW" sz="2400" dirty="0" smtClean="0">
+              <a:rPr lang="en-US" altLang="zh-TW" sz="2400" dirty="0">
                 <a:ea typeface="新細明體" charset="-120"/>
               </a:rPr>
               <a:t>.</a:t>
@@ -10489,7 +10467,7 @@
           <a:p>
             <a:pPr eaLnBrk="1" hangingPunct="1"/>
             <a:r>
-              <a:rPr lang="en-US" altLang="zh-TW" smtClean="0">
+              <a:rPr lang="en-US" altLang="zh-TW">
                 <a:ea typeface="新細明體" charset="-120"/>
               </a:rPr>
               <a:t>SSTF (Cont.)</a:t>
@@ -10534,13 +10512,6 @@
   <p:clrMapOvr>
     <a:masterClrMapping/>
   </p:clrMapOvr>
-  <p:timing>
-    <p:tnLst>
-      <p:par>
-        <p:cTn id="1" dur="indefinite" restart="never" nodeType="tmRoot"/>
-      </p:par>
-    </p:tnLst>
-  </p:timing>
 </p:sld>
 </file>
 
@@ -10578,7 +10549,7 @@
           <a:p>
             <a:pPr eaLnBrk="1" hangingPunct="1"/>
             <a:r>
-              <a:rPr lang="en-US" altLang="zh-TW" smtClean="0">
+              <a:rPr lang="en-US" altLang="zh-TW">
                 <a:ea typeface="新細明體" charset="-120"/>
               </a:rPr>
               <a:t>SCAN</a:t>
@@ -10607,13 +10578,13 @@
           <a:lstStyle/>
           <a:p>
             <a:r>
-              <a:rPr lang="en-US" altLang="zh-TW" sz="2400" dirty="0" smtClean="0">
+              <a:rPr lang="en-US" altLang="zh-TW" sz="2400" dirty="0">
                 <a:ea typeface="新細明體" charset="-120"/>
               </a:rPr>
               <a:t>The disk arm starts at one end of the disk, and moves toward the other end, servicing requests until it gets to the other end of the disk, where </a:t>
             </a:r>
             <a:r>
-              <a:rPr lang="en-US" altLang="zh-TW" sz="2400" b="1" dirty="0" smtClean="0">
+              <a:rPr lang="en-US" altLang="zh-TW" sz="2400" b="1" dirty="0">
                 <a:solidFill>
                   <a:srgbClr val="FF0000"/>
                 </a:solidFill>
@@ -10622,7 +10593,7 @@
               <a:t>the head movement is reversed and servicing continues</a:t>
             </a:r>
             <a:r>
-              <a:rPr lang="en-US" altLang="zh-TW" sz="2400" dirty="0" smtClean="0">
+              <a:rPr lang="en-US" altLang="zh-TW" sz="2400" dirty="0">
                 <a:ea typeface="新細明體" charset="-120"/>
               </a:rPr>
               <a:t>.</a:t>
@@ -10630,13 +10601,13 @@
           </a:p>
           <a:p>
             <a:r>
-              <a:rPr lang="en-US" altLang="zh-TW" sz="2400" dirty="0" smtClean="0">
+              <a:rPr lang="en-US" altLang="zh-TW" sz="2400" dirty="0">
                 <a:ea typeface="新細明體" charset="-120"/>
               </a:rPr>
               <a:t>Sometimes called the </a:t>
             </a:r>
             <a:r>
-              <a:rPr lang="en-US" altLang="zh-TW" sz="2400" b="1" i="1" dirty="0" smtClean="0">
+              <a:rPr lang="en-US" altLang="zh-TW" sz="2400" b="1" i="1" dirty="0">
                 <a:solidFill>
                   <a:srgbClr val="FF0000"/>
                 </a:solidFill>
@@ -10645,7 +10616,7 @@
               <a:t>elevator algorithm</a:t>
             </a:r>
             <a:r>
-              <a:rPr lang="en-US" altLang="zh-TW" sz="2400" dirty="0" smtClean="0">
+              <a:rPr lang="en-US" altLang="zh-TW" sz="2400" dirty="0">
                 <a:ea typeface="新細明體" charset="-120"/>
               </a:rPr>
               <a:t>.</a:t>
@@ -10653,13 +10624,13 @@
           </a:p>
           <a:p>
             <a:r>
-              <a:rPr lang="en-US" altLang="zh-TW" sz="2400" dirty="0" smtClean="0">
+              <a:rPr lang="en-US" altLang="zh-TW" sz="2400" dirty="0">
                 <a:ea typeface="新細明體" charset="-120"/>
               </a:rPr>
               <a:t>Illustration shows total head movement of </a:t>
             </a:r>
             <a:r>
-              <a:rPr lang="en-US" altLang="zh-TW" sz="2400" dirty="0" smtClean="0">
+              <a:rPr lang="en-US" altLang="zh-TW" sz="2400" dirty="0">
                 <a:solidFill>
                   <a:srgbClr val="FF0000"/>
                 </a:solidFill>
@@ -10668,7 +10639,7 @@
               <a:t>208 cylinders</a:t>
             </a:r>
             <a:r>
-              <a:rPr lang="en-US" altLang="zh-TW" sz="2400" dirty="0" smtClean="0">
+              <a:rPr lang="en-US" altLang="zh-TW" sz="2400" dirty="0">
                 <a:ea typeface="新細明體" charset="-120"/>
               </a:rPr>
               <a:t>.</a:t>
@@ -10934,7 +10905,7 @@
           <a:p>
             <a:pPr eaLnBrk="1" hangingPunct="1"/>
             <a:r>
-              <a:rPr lang="en-US" altLang="zh-TW" smtClean="0">
+              <a:rPr lang="en-US" altLang="zh-TW">
                 <a:ea typeface="新細明體" charset="-120"/>
               </a:rPr>
               <a:t>SCAN (Cont.)</a:t>
@@ -10979,13 +10950,6 @@
   <p:clrMapOvr>
     <a:masterClrMapping/>
   </p:clrMapOvr>
-  <p:timing>
-    <p:tnLst>
-      <p:par>
-        <p:cTn id="1" dur="indefinite" restart="never" nodeType="tmRoot"/>
-      </p:par>
-    </p:tnLst>
-  </p:timing>
 </p:sld>
 </file>
 
@@ -11023,7 +10987,7 @@
           <a:p>
             <a:pPr eaLnBrk="1" hangingPunct="1"/>
             <a:r>
-              <a:rPr lang="en-US" altLang="zh-TW" smtClean="0">
+              <a:rPr lang="en-US" altLang="zh-TW">
                 <a:ea typeface="新細明體" charset="-120"/>
               </a:rPr>
               <a:t>C-SCAN</a:t>
@@ -11052,13 +11016,13 @@
           <a:lstStyle/>
           <a:p>
             <a:r>
-              <a:rPr lang="en-US" altLang="zh-TW" sz="2400" dirty="0" smtClean="0">
+              <a:rPr lang="en-US" altLang="zh-TW" sz="2400" dirty="0">
                 <a:ea typeface="新細明體" charset="-120"/>
               </a:rPr>
               <a:t>Provides a </a:t>
             </a:r>
             <a:r>
-              <a:rPr lang="en-US" altLang="zh-TW" sz="2400" dirty="0" smtClean="0">
+              <a:rPr lang="en-US" altLang="zh-TW" sz="2400" dirty="0">
                 <a:solidFill>
                   <a:srgbClr val="FF0000"/>
                 </a:solidFill>
@@ -11067,7 +11031,7 @@
               <a:t>more uniform wait time than SCAN</a:t>
             </a:r>
             <a:r>
-              <a:rPr lang="en-US" altLang="zh-TW" sz="2400" dirty="0" smtClean="0">
+              <a:rPr lang="en-US" altLang="zh-TW" sz="2400" dirty="0">
                 <a:ea typeface="新細明體" charset="-120"/>
               </a:rPr>
               <a:t>.</a:t>
@@ -11075,7 +11039,7 @@
           </a:p>
           <a:p>
             <a:r>
-              <a:rPr lang="en-US" altLang="zh-TW" sz="2400" dirty="0" smtClean="0">
+              <a:rPr lang="en-US" altLang="zh-TW" sz="2400" dirty="0">
                 <a:ea typeface="新細明體" charset="-120"/>
               </a:rPr>
               <a:t>The head moves from one end of the disk to the other. servicing requests as it goes.  </a:t>
@@ -11083,13 +11047,13 @@
           </a:p>
           <a:p>
             <a:r>
-              <a:rPr lang="en-US" altLang="zh-TW" sz="2400" dirty="0" smtClean="0">
+              <a:rPr lang="en-US" altLang="zh-TW" sz="2400" dirty="0">
                 <a:ea typeface="新細明體" charset="-120"/>
               </a:rPr>
               <a:t>When it reaches the other end, however, it immediately returns to the beginning of the disk</a:t>
             </a:r>
             <a:r>
-              <a:rPr lang="en-US" altLang="zh-TW" sz="2400" b="1" dirty="0" smtClean="0">
+              <a:rPr lang="en-US" altLang="zh-TW" sz="2400" b="1" dirty="0">
                 <a:solidFill>
                   <a:srgbClr val="FF0000"/>
                 </a:solidFill>
@@ -11098,7 +11062,7 @@
               <a:t>, without servicing any requests on the return trip</a:t>
             </a:r>
             <a:r>
-              <a:rPr lang="en-US" altLang="zh-TW" sz="2400" dirty="0" smtClean="0">
+              <a:rPr lang="en-US" altLang="zh-TW" sz="2400" dirty="0">
                 <a:ea typeface="新細明體" charset="-120"/>
               </a:rPr>
               <a:t>.</a:t>
@@ -11106,7 +11070,7 @@
           </a:p>
           <a:p>
             <a:r>
-              <a:rPr lang="en-US" altLang="zh-TW" sz="2400" dirty="0" smtClean="0">
+              <a:rPr lang="en-US" altLang="zh-TW" sz="2400" dirty="0">
                 <a:ea typeface="新細明體" charset="-120"/>
               </a:rPr>
               <a:t>Treats the cylinders as a circular list that wraps around from the last cylinder to the first one.</a:t>
@@ -11438,7 +11402,7 @@
           <a:p>
             <a:pPr eaLnBrk="1" hangingPunct="1"/>
             <a:r>
-              <a:rPr lang="en-US" altLang="zh-TW" dirty="0" smtClean="0">
+              <a:rPr lang="en-US" altLang="zh-TW" dirty="0">
                 <a:ea typeface="新細明體" charset="-120"/>
               </a:rPr>
               <a:t>Chapter 12:  Secondary-Storage Structure</a:t>
@@ -11467,7 +11431,7 @@
           <a:lstStyle/>
           <a:p>
             <a:r>
-              <a:rPr lang="en-US" altLang="zh-TW" dirty="0" smtClean="0">
+              <a:rPr lang="en-US" altLang="zh-TW" dirty="0">
                 <a:ea typeface="新細明體" charset="-120"/>
               </a:rPr>
               <a:t>Overview of Mass Storage Structure</a:t>
@@ -11475,7 +11439,7 @@
           </a:p>
           <a:p>
             <a:r>
-              <a:rPr lang="en-US" altLang="zh-TW" dirty="0" smtClean="0">
+              <a:rPr lang="en-US" altLang="zh-TW" dirty="0">
                 <a:ea typeface="新細明體" charset="-120"/>
               </a:rPr>
               <a:t>Disk Structure</a:t>
@@ -11483,7 +11447,7 @@
           </a:p>
           <a:p>
             <a:r>
-              <a:rPr lang="en-US" altLang="zh-TW" dirty="0" smtClean="0">
+              <a:rPr lang="en-US" altLang="zh-TW" dirty="0">
                 <a:ea typeface="新細明體" charset="-120"/>
               </a:rPr>
               <a:t>Disk Attachment</a:t>
@@ -11491,7 +11455,7 @@
           </a:p>
           <a:p>
             <a:r>
-              <a:rPr lang="en-US" altLang="zh-TW" dirty="0" smtClean="0">
+              <a:rPr lang="en-US" altLang="zh-TW" dirty="0">
                 <a:ea typeface="新細明體" charset="-120"/>
               </a:rPr>
               <a:t>Disk Scheduling</a:t>
@@ -11499,7 +11463,7 @@
           </a:p>
           <a:p>
             <a:r>
-              <a:rPr lang="en-US" altLang="zh-TW" dirty="0" smtClean="0">
+              <a:rPr lang="en-US" altLang="zh-TW" dirty="0">
                 <a:ea typeface="新細明體" charset="-120"/>
               </a:rPr>
               <a:t>Disk Management</a:t>
@@ -11507,7 +11471,7 @@
           </a:p>
           <a:p>
             <a:r>
-              <a:rPr lang="en-US" altLang="zh-TW" dirty="0" smtClean="0">
+              <a:rPr lang="en-US" altLang="zh-TW" dirty="0">
                 <a:ea typeface="新細明體" charset="-120"/>
               </a:rPr>
               <a:t>Swap-Space Management</a:t>
@@ -11515,7 +11479,7 @@
           </a:p>
           <a:p>
             <a:r>
-              <a:rPr lang="en-US" altLang="zh-TW" dirty="0" smtClean="0">
+              <a:rPr lang="en-US" altLang="zh-TW" dirty="0">
                 <a:ea typeface="新細明體" charset="-120"/>
               </a:rPr>
               <a:t>RAID Structure</a:t>
@@ -11523,7 +11487,7 @@
           </a:p>
           <a:p>
             <a:r>
-              <a:rPr lang="en-US" altLang="zh-TW" dirty="0" smtClean="0">
+              <a:rPr lang="en-US" altLang="zh-TW" dirty="0">
                 <a:ea typeface="新細明體" charset="-120"/>
               </a:rPr>
               <a:t>Stable-Storage Implementation</a:t>
@@ -11531,7 +11495,7 @@
           </a:p>
           <a:p>
             <a:r>
-              <a:rPr lang="en-US" altLang="zh-TW" dirty="0" smtClean="0">
+              <a:rPr lang="en-US" altLang="zh-TW" dirty="0">
                 <a:ea typeface="新細明體" charset="-120"/>
               </a:rPr>
               <a:t>Tertiary Storage Devices</a:t>
@@ -11541,7 +11505,7 @@
             <a:pPr>
               <a:buNone/>
             </a:pPr>
-            <a:endParaRPr lang="en-US" altLang="zh-TW" dirty="0" smtClean="0">
+            <a:endParaRPr lang="en-US" altLang="zh-TW" dirty="0">
               <a:ea typeface="新細明體" charset="-120"/>
             </a:endParaRPr>
           </a:p>
@@ -11552,13 +11516,6 @@
   <p:clrMapOvr>
     <a:masterClrMapping/>
   </p:clrMapOvr>
-  <p:timing>
-    <p:tnLst>
-      <p:par>
-        <p:cTn id="1" dur="indefinite" restart="never" nodeType="tmRoot"/>
-      </p:par>
-    </p:tnLst>
-  </p:timing>
 </p:sld>
 </file>
 
@@ -11596,7 +11553,7 @@
           <a:p>
             <a:pPr eaLnBrk="1" hangingPunct="1"/>
             <a:r>
-              <a:rPr lang="en-US" altLang="zh-TW" smtClean="0">
+              <a:rPr lang="en-US" altLang="zh-TW">
                 <a:ea typeface="新細明體" charset="-120"/>
               </a:rPr>
               <a:t>C-SCAN (Cont.)</a:t>
@@ -11658,7 +11615,7 @@
           <a:lstStyle/>
           <a:p>
             <a:r>
-              <a:rPr lang="en-US" altLang="zh-TW" b="1" dirty="0" smtClean="0">
+              <a:rPr lang="en-US" altLang="zh-TW" b="1" dirty="0">
                 <a:solidFill>
                   <a:srgbClr val="FF0000"/>
                 </a:solidFill>
@@ -11675,13 +11632,6 @@
   <p:clrMapOvr>
     <a:masterClrMapping/>
   </p:clrMapOvr>
-  <p:timing>
-    <p:tnLst>
-      <p:par>
-        <p:cTn id="1" dur="indefinite" restart="never" nodeType="tmRoot"/>
-      </p:par>
-    </p:tnLst>
-  </p:timing>
 </p:sld>
 </file>
 
@@ -11719,7 +11669,7 @@
           <a:p>
             <a:pPr eaLnBrk="1" hangingPunct="1"/>
             <a:r>
-              <a:rPr lang="en-US" altLang="zh-TW" dirty="0" smtClean="0">
+              <a:rPr lang="en-US" altLang="zh-TW" dirty="0">
                 <a:ea typeface="新細明體" charset="-120"/>
               </a:rPr>
               <a:t>C-LOOK (or LOOK)</a:t>
@@ -11748,7 +11698,7 @@
           <a:lstStyle/>
           <a:p>
             <a:r>
-              <a:rPr lang="en-US" altLang="zh-TW" sz="2800" dirty="0" smtClean="0">
+              <a:rPr lang="en-US" altLang="zh-TW" sz="2800" dirty="0">
                 <a:ea typeface="新細明體" charset="-120"/>
               </a:rPr>
               <a:t>Versions of SACN and C-SCAN</a:t>
@@ -11756,13 +11706,13 @@
           </a:p>
           <a:p>
             <a:r>
-              <a:rPr lang="en-US" altLang="zh-TW" sz="2800" dirty="0" smtClean="0">
+              <a:rPr lang="en-US" altLang="zh-TW" sz="2800" dirty="0">
                 <a:ea typeface="新細明體" charset="-120"/>
               </a:rPr>
               <a:t>Arm only goes </a:t>
             </a:r>
             <a:r>
-              <a:rPr lang="en-US" altLang="zh-TW" sz="2800" b="1" dirty="0" smtClean="0">
+              <a:rPr lang="en-US" altLang="zh-TW" sz="2800" b="1" dirty="0">
                 <a:solidFill>
                   <a:srgbClr val="FF0000"/>
                 </a:solidFill>
@@ -11771,7 +11721,7 @@
               <a:t>as far as the last request in each direction</a:t>
             </a:r>
             <a:r>
-              <a:rPr lang="en-US" altLang="zh-TW" sz="2800" dirty="0" smtClean="0">
+              <a:rPr lang="en-US" altLang="zh-TW" sz="2800" dirty="0">
                 <a:ea typeface="新細明體" charset="-120"/>
               </a:rPr>
               <a:t>, then reverses direction immediately, without first going all the way to the end of the disk. </a:t>
@@ -11779,13 +11729,13 @@
           </a:p>
           <a:p>
             <a:r>
-              <a:rPr lang="en-US" altLang="zh-TW" sz="2800" dirty="0" smtClean="0">
+              <a:rPr lang="en-US" altLang="zh-TW" sz="2800" dirty="0">
                 <a:ea typeface="新細明體" charset="-120"/>
               </a:rPr>
               <a:t>They </a:t>
             </a:r>
             <a:r>
-              <a:rPr lang="en-US" altLang="zh-TW" sz="2800" dirty="0" smtClean="0">
+              <a:rPr lang="en-US" altLang="zh-TW" sz="2800" dirty="0">
                 <a:solidFill>
                   <a:srgbClr val="FF0000"/>
                 </a:solidFill>
@@ -11794,7 +11744,7 @@
               <a:t>look </a:t>
             </a:r>
             <a:r>
-              <a:rPr lang="en-US" altLang="zh-TW" sz="2800" dirty="0" smtClean="0">
+              <a:rPr lang="en-US" altLang="zh-TW" sz="2800" dirty="0">
                 <a:ea typeface="新細明體" charset="-120"/>
               </a:rPr>
               <a:t>for a request before continuing to move in a given direction.</a:t>
@@ -12060,7 +12010,7 @@
           <a:p>
             <a:pPr eaLnBrk="1" hangingPunct="1"/>
             <a:r>
-              <a:rPr lang="en-US" altLang="zh-TW" smtClean="0">
+              <a:rPr lang="en-US" altLang="zh-TW">
                 <a:ea typeface="新細明體" charset="-120"/>
               </a:rPr>
               <a:t>C-LOOK (Cont.)</a:t>
@@ -12177,13 +12127,6 @@
   <p:clrMapOvr>
     <a:masterClrMapping/>
   </p:clrMapOvr>
-  <p:timing>
-    <p:tnLst>
-      <p:par>
-        <p:cTn id="1" dur="indefinite" restart="never" nodeType="tmRoot"/>
-      </p:par>
-    </p:tnLst>
-  </p:timing>
 </p:sld>
 </file>
 
@@ -12226,7 +12169,7 @@
           <a:p>
             <a:pPr eaLnBrk="1" hangingPunct="1"/>
             <a:r>
-              <a:rPr lang="en-US" altLang="zh-TW" dirty="0" smtClean="0">
+              <a:rPr lang="en-US" altLang="zh-TW" dirty="0">
                 <a:ea typeface="新細明體" charset="-120"/>
               </a:rPr>
               <a:t>Selecting a Disk-Scheduling Algorithm</a:t>
@@ -12255,7 +12198,7 @@
           <a:lstStyle/>
           <a:p>
             <a:r>
-              <a:rPr lang="en-US" altLang="zh-TW" sz="2400" dirty="0" smtClean="0">
+              <a:rPr lang="en-US" altLang="zh-TW" sz="2400" dirty="0">
                 <a:ea typeface="新細明體" charset="-120"/>
               </a:rPr>
               <a:t>SSTF is common and has a natural appeal</a:t>
@@ -12263,7 +12206,7 @@
           </a:p>
           <a:p>
             <a:r>
-              <a:rPr lang="en-US" altLang="zh-TW" sz="2400" dirty="0" smtClean="0">
+              <a:rPr lang="en-US" altLang="zh-TW" sz="2400" dirty="0">
                 <a:ea typeface="新細明體" charset="-120"/>
               </a:rPr>
               <a:t>SCAN and C-SCAN perform better for systems that place a heavy load on the disk.</a:t>
@@ -12271,7 +12214,7 @@
           </a:p>
           <a:p>
             <a:r>
-              <a:rPr lang="en-US" altLang="zh-TW" sz="2400" dirty="0" smtClean="0">
+              <a:rPr lang="en-US" altLang="zh-TW" sz="2400" dirty="0">
                 <a:ea typeface="新細明體" charset="-120"/>
               </a:rPr>
               <a:t>Performance depends on the number and types of requests.</a:t>
@@ -12279,13 +12222,13 @@
           </a:p>
           <a:p>
             <a:r>
-              <a:rPr lang="en-US" altLang="zh-TW" sz="2400" dirty="0" smtClean="0">
+              <a:rPr lang="en-US" altLang="zh-TW" sz="2400" dirty="0">
                 <a:ea typeface="新細明體" charset="-120"/>
               </a:rPr>
               <a:t>Requests for disk service can be </a:t>
             </a:r>
             <a:r>
-              <a:rPr lang="en-US" altLang="zh-TW" sz="2400" dirty="0" smtClean="0">
+              <a:rPr lang="en-US" altLang="zh-TW" sz="2400" dirty="0">
                 <a:solidFill>
                   <a:srgbClr val="FF0000"/>
                 </a:solidFill>
@@ -12294,7 +12237,7 @@
               <a:t>influenced by the file-allocation method</a:t>
             </a:r>
             <a:r>
-              <a:rPr lang="en-US" altLang="zh-TW" sz="2400" dirty="0" smtClean="0">
+              <a:rPr lang="en-US" altLang="zh-TW" sz="2400" dirty="0">
                 <a:ea typeface="新細明體" charset="-120"/>
               </a:rPr>
               <a:t>.</a:t>
@@ -12302,13 +12245,13 @@
           </a:p>
           <a:p>
             <a:r>
-              <a:rPr lang="en-US" altLang="zh-TW" sz="2400" dirty="0" smtClean="0">
+              <a:rPr lang="en-US" altLang="zh-TW" sz="2400" dirty="0">
                 <a:ea typeface="新細明體" charset="-120"/>
               </a:rPr>
               <a:t>The disk-scheduling algorithm should be written as a </a:t>
             </a:r>
             <a:r>
-              <a:rPr lang="en-US" altLang="zh-TW" sz="2400" dirty="0" smtClean="0">
+              <a:rPr lang="en-US" altLang="zh-TW" sz="2400" dirty="0">
                 <a:solidFill>
                   <a:srgbClr val="FF0000"/>
                 </a:solidFill>
@@ -12317,7 +12260,7 @@
               <a:t>separate module </a:t>
             </a:r>
             <a:r>
-              <a:rPr lang="en-US" altLang="zh-TW" sz="2400" dirty="0" smtClean="0">
+              <a:rPr lang="en-US" altLang="zh-TW" sz="2400" dirty="0">
                 <a:ea typeface="新細明體" charset="-120"/>
               </a:rPr>
               <a:t>of the operating system, allowing it to be replaced with a different algorithm if necessary.</a:t>
@@ -12325,7 +12268,7 @@
           </a:p>
           <a:p>
             <a:r>
-              <a:rPr lang="en-US" altLang="zh-TW" sz="2400" dirty="0" smtClean="0">
+              <a:rPr lang="en-US" altLang="zh-TW" sz="2400" dirty="0">
                 <a:ea typeface="新細明體" charset="-120"/>
               </a:rPr>
               <a:t>Either SSTF or LOOK is a reasonable choice for the default algorithm.</a:t>
@@ -12713,7 +12656,7 @@
           <a:p>
             <a:pPr eaLnBrk="1" hangingPunct="1"/>
             <a:r>
-              <a:rPr lang="en-US" altLang="zh-TW" dirty="0" smtClean="0">
+              <a:rPr lang="en-US" altLang="zh-TW" dirty="0">
                 <a:ea typeface="新細明體" charset="-120"/>
               </a:rPr>
               <a:t>12.5 Disk Management</a:t>
@@ -12742,7 +12685,7 @@
           <a:lstStyle/>
           <a:p>
             <a:r>
-              <a:rPr lang="en-US" altLang="zh-TW" sz="2400" b="1" i="1" dirty="0" smtClean="0">
+              <a:rPr lang="en-US" altLang="zh-TW" sz="2400" b="1" i="1" dirty="0">
                 <a:solidFill>
                   <a:srgbClr val="FF0000"/>
                 </a:solidFill>
@@ -12751,13 +12694,13 @@
               <a:t>Low-level formatting</a:t>
             </a:r>
             <a:r>
-              <a:rPr lang="en-US" altLang="zh-TW" sz="2400" dirty="0" smtClean="0">
+              <a:rPr lang="en-US" altLang="zh-TW" sz="2400" dirty="0">
                 <a:ea typeface="新細明體" charset="-120"/>
               </a:rPr>
               <a:t>, or </a:t>
             </a:r>
             <a:r>
-              <a:rPr lang="en-US" altLang="zh-TW" sz="2400" b="1" i="1" dirty="0" smtClean="0">
+              <a:rPr lang="en-US" altLang="zh-TW" sz="2400" b="1" i="1" dirty="0">
                 <a:solidFill>
                   <a:srgbClr val="FF0000"/>
                 </a:solidFill>
@@ -12766,7 +12709,7 @@
               <a:t>physical formatting</a:t>
             </a:r>
             <a:r>
-              <a:rPr lang="en-US" altLang="zh-TW" sz="2400" b="1" dirty="0" smtClean="0">
+              <a:rPr lang="en-US" altLang="zh-TW" sz="2400" b="1" dirty="0">
                 <a:solidFill>
                   <a:srgbClr val="FF0000"/>
                 </a:solidFill>
@@ -12775,7 +12718,7 @@
               <a:t> </a:t>
             </a:r>
             <a:r>
-              <a:rPr lang="en-US" altLang="zh-TW" sz="2400" dirty="0" smtClean="0">
+              <a:rPr lang="en-US" altLang="zh-TW" sz="2400" dirty="0">
                 <a:ea typeface="新細明體" charset="-120"/>
               </a:rPr>
               <a:t>— Dividing a disk into sectors that the disk controller can read and write.</a:t>
@@ -12783,7 +12726,7 @@
           </a:p>
           <a:p>
             <a:r>
-              <a:rPr lang="en-US" altLang="zh-TW" sz="2400" dirty="0" smtClean="0">
+              <a:rPr lang="en-US" altLang="zh-TW" sz="2400" dirty="0">
                 <a:ea typeface="新細明體" charset="-120"/>
               </a:rPr>
               <a:t>To use a disk to hold files, the operating system still needs to record its own data structures on the disk.</a:t>
@@ -12792,7 +12735,7 @@
           <a:p>
             <a:pPr lvl="1"/>
             <a:r>
-              <a:rPr lang="en-US" altLang="zh-TW" sz="2400" b="1" i="1" dirty="0" smtClean="0">
+              <a:rPr lang="en-US" altLang="zh-TW" sz="2400" b="1" i="1" dirty="0">
                 <a:solidFill>
                   <a:srgbClr val="FF0000"/>
                 </a:solidFill>
@@ -12801,7 +12744,7 @@
               <a:t>Partition</a:t>
             </a:r>
             <a:r>
-              <a:rPr lang="en-US" altLang="zh-TW" sz="2400" dirty="0" smtClean="0">
+              <a:rPr lang="en-US" altLang="zh-TW" sz="2400" dirty="0">
                 <a:ea typeface="新細明體" charset="-120"/>
               </a:rPr>
               <a:t> the disk into one or more groups of cylinders.</a:t>
@@ -12810,7 +12753,7 @@
           <a:p>
             <a:pPr lvl="1"/>
             <a:r>
-              <a:rPr lang="en-US" altLang="zh-TW" sz="2400" b="1" i="1" dirty="0" smtClean="0">
+              <a:rPr lang="en-US" altLang="zh-TW" sz="2400" b="1" i="1" dirty="0">
                 <a:solidFill>
                   <a:srgbClr val="FF0000"/>
                 </a:solidFill>
@@ -12819,7 +12762,7 @@
               <a:t>Logical formatting</a:t>
             </a:r>
             <a:r>
-              <a:rPr lang="en-US" altLang="zh-TW" sz="2400" b="1" dirty="0" smtClean="0">
+              <a:rPr lang="en-US" altLang="zh-TW" sz="2400" b="1" dirty="0">
                 <a:solidFill>
                   <a:srgbClr val="FF0000"/>
                 </a:solidFill>
@@ -12828,7 +12771,7 @@
               <a:t> </a:t>
             </a:r>
             <a:r>
-              <a:rPr lang="en-US" altLang="zh-TW" sz="2400" dirty="0" smtClean="0">
+              <a:rPr lang="en-US" altLang="zh-TW" sz="2400" dirty="0">
                 <a:ea typeface="新細明體" charset="-120"/>
               </a:rPr>
               <a:t>or “making a file system”.</a:t>
@@ -12836,7 +12779,7 @@
           </a:p>
           <a:p>
             <a:r>
-              <a:rPr lang="en-US" altLang="zh-TW" sz="2400" dirty="0" smtClean="0">
+              <a:rPr lang="en-US" altLang="zh-TW" sz="2400" dirty="0">
                 <a:ea typeface="新細明體" charset="-120"/>
               </a:rPr>
               <a:t>Boot block initializes system.</a:t>
@@ -12845,7 +12788,7 @@
           <a:p>
             <a:pPr lvl="1"/>
             <a:r>
-              <a:rPr lang="en-US" altLang="zh-TW" sz="2400" dirty="0" smtClean="0">
+              <a:rPr lang="en-US" altLang="zh-TW" sz="2400" dirty="0">
                 <a:ea typeface="新細明體" charset="-120"/>
               </a:rPr>
               <a:t>The bootstrap is stored in ROM.</a:t>
@@ -12854,7 +12797,7 @@
           <a:p>
             <a:pPr lvl="1"/>
             <a:r>
-              <a:rPr lang="en-US" altLang="zh-TW" sz="2400" b="1" i="1" dirty="0" smtClean="0">
+              <a:rPr lang="en-US" altLang="zh-TW" sz="2400" b="1" i="1" dirty="0">
                 <a:solidFill>
                   <a:srgbClr val="FF0000"/>
                 </a:solidFill>
@@ -12863,7 +12806,7 @@
               <a:t>Bootstrap loader</a:t>
             </a:r>
             <a:r>
-              <a:rPr lang="en-US" altLang="zh-TW" sz="2400" b="1" dirty="0" smtClean="0">
+              <a:rPr lang="en-US" altLang="zh-TW" sz="2400" b="1" dirty="0">
                 <a:solidFill>
                   <a:srgbClr val="FF0000"/>
                 </a:solidFill>
@@ -12872,7 +12815,7 @@
               <a:t> </a:t>
             </a:r>
             <a:r>
-              <a:rPr lang="en-US" altLang="zh-TW" sz="2400" dirty="0" smtClean="0">
+              <a:rPr lang="en-US" altLang="zh-TW" sz="2400" dirty="0">
                 <a:ea typeface="新細明體" charset="-120"/>
               </a:rPr>
               <a:t>program.</a:t>
@@ -12880,13 +12823,13 @@
           </a:p>
           <a:p>
             <a:r>
-              <a:rPr lang="en-US" altLang="zh-TW" sz="2400" dirty="0" smtClean="0">
+              <a:rPr lang="en-US" altLang="zh-TW" sz="2400" dirty="0">
                 <a:ea typeface="新細明體" charset="-120"/>
               </a:rPr>
               <a:t>Methods such as </a:t>
             </a:r>
             <a:r>
-              <a:rPr lang="en-US" altLang="zh-TW" sz="2400" b="1" i="1" dirty="0" smtClean="0">
+              <a:rPr lang="en-US" altLang="zh-TW" sz="2400" b="1" i="1" dirty="0">
                 <a:solidFill>
                   <a:srgbClr val="FF0000"/>
                 </a:solidFill>
@@ -12895,7 +12838,7 @@
               <a:t>sector sparing</a:t>
             </a:r>
             <a:r>
-              <a:rPr lang="en-US" altLang="zh-TW" sz="2400" b="1" dirty="0" smtClean="0">
+              <a:rPr lang="en-US" altLang="zh-TW" sz="2400" b="1" dirty="0">
                 <a:solidFill>
                   <a:srgbClr val="FF0000"/>
                 </a:solidFill>
@@ -12904,7 +12847,7 @@
               <a:t> </a:t>
             </a:r>
             <a:r>
-              <a:rPr lang="en-US" altLang="zh-TW" sz="2400" dirty="0" smtClean="0">
+              <a:rPr lang="en-US" altLang="zh-TW" sz="2400" dirty="0">
                 <a:ea typeface="新細明體" charset="-120"/>
               </a:rPr>
               <a:t>used to handle bad blocks.</a:t>
@@ -13346,11 +13289,11 @@
           <a:lstStyle/>
           <a:p>
             <a:r>
-              <a:rPr lang="en-US" altLang="zh-TW" dirty="0" smtClean="0"/>
+              <a:rPr lang="en-US" altLang="zh-TW" dirty="0"/>
               <a:t>The Windows 2000 system places it boot code in the first sector on the hard disk (</a:t>
             </a:r>
             <a:r>
-              <a:rPr lang="en-US" altLang="zh-TW" dirty="0" smtClean="0">
+              <a:rPr lang="en-US" altLang="zh-TW" dirty="0">
                 <a:solidFill>
                   <a:srgbClr val="FF0000"/>
                 </a:solidFill>
@@ -13358,17 +13301,17 @@
               <a:t>Master boot record, MBR</a:t>
             </a:r>
             <a:r>
-              <a:rPr lang="en-US" altLang="zh-TW" dirty="0" smtClean="0"/>
+              <a:rPr lang="en-US" altLang="zh-TW" dirty="0"/>
               <a:t>).</a:t>
             </a:r>
           </a:p>
           <a:p>
             <a:r>
-              <a:rPr lang="en-US" altLang="zh-TW" dirty="0" smtClean="0"/>
+              <a:rPr lang="en-US" altLang="zh-TW" dirty="0"/>
               <a:t>Windows 2000 allows a hard disk to be divided into one or more partitions; one partition, identified as the </a:t>
             </a:r>
             <a:r>
-              <a:rPr lang="en-US" altLang="zh-TW" dirty="0" smtClean="0">
+              <a:rPr lang="en-US" altLang="zh-TW" dirty="0">
                 <a:solidFill>
                   <a:srgbClr val="FF0000"/>
                 </a:solidFill>
@@ -13376,17 +13319,17 @@
               <a:t>boot partition</a:t>
             </a:r>
             <a:r>
-              <a:rPr lang="en-US" altLang="zh-TW" dirty="0" smtClean="0"/>
+              <a:rPr lang="en-US" altLang="zh-TW" dirty="0"/>
               <a:t>, contains the OS ad device drivers.</a:t>
             </a:r>
           </a:p>
           <a:p>
             <a:r>
-              <a:rPr lang="en-US" altLang="zh-TW" dirty="0" smtClean="0"/>
+              <a:rPr lang="en-US" altLang="zh-TW" dirty="0"/>
               <a:t>Once the system identifies the boot partition, it reads the first sector from that partition (which is called the </a:t>
             </a:r>
             <a:r>
-              <a:rPr lang="en-US" altLang="zh-TW" dirty="0" smtClean="0">
+              <a:rPr lang="en-US" altLang="zh-TW" dirty="0">
                 <a:solidFill>
                   <a:srgbClr val="FF0000"/>
                 </a:solidFill>
@@ -13394,7 +13337,7 @@
               <a:t>boot sector</a:t>
             </a:r>
             <a:r>
-              <a:rPr lang="en-US" altLang="zh-TW" dirty="0" smtClean="0"/>
+              <a:rPr lang="en-US" altLang="zh-TW" dirty="0"/>
               <a:t>) and continues with the remainder of the boot process.</a:t>
             </a:r>
           </a:p>
@@ -13420,12 +13363,12 @@
           <a:p>
             <a:pPr eaLnBrk="1" hangingPunct="1"/>
             <a:r>
-              <a:rPr lang="en-US" altLang="zh-TW" dirty="0" smtClean="0">
+              <a:rPr lang="en-US" altLang="zh-TW" dirty="0">
                 <a:ea typeface="新細明體" charset="-120"/>
               </a:rPr>
               <a:t>Booting from a Disk in Windows 2000</a:t>
             </a:r>
-            <a:endParaRPr lang="en-US" altLang="zh-TW" sz="2400" dirty="0" smtClean="0">
+            <a:endParaRPr lang="en-US" altLang="zh-TW" sz="2400" dirty="0">
               <a:ea typeface="新細明體" charset="-120"/>
             </a:endParaRPr>
           </a:p>
@@ -13633,12 +13576,12 @@
           <a:p>
             <a:pPr eaLnBrk="1" hangingPunct="1"/>
             <a:r>
-              <a:rPr lang="en-US" altLang="zh-TW" dirty="0" smtClean="0">
+              <a:rPr lang="en-US" altLang="zh-TW" dirty="0">
                 <a:ea typeface="新細明體" charset="-120"/>
               </a:rPr>
               <a:t>Booting from a Disk in Windows 2000</a:t>
             </a:r>
-            <a:endParaRPr lang="en-US" altLang="zh-TW" sz="2400" dirty="0" smtClean="0">
+            <a:endParaRPr lang="en-US" altLang="zh-TW" sz="2400" dirty="0">
               <a:ea typeface="新細明體" charset="-120"/>
             </a:endParaRPr>
           </a:p>
@@ -13763,7 +13706,7 @@
           <a:lstStyle/>
           <a:p>
             <a:r>
-              <a:rPr lang="en-US" altLang="zh-TW" b="1" dirty="0" smtClean="0">
+              <a:rPr lang="en-US" altLang="zh-TW" b="1" dirty="0">
                 <a:solidFill>
                   <a:srgbClr val="FF0000"/>
                 </a:solidFill>
@@ -13808,13 +13751,6 @@
   <p:clrMapOvr>
     <a:masterClrMapping/>
   </p:clrMapOvr>
-  <p:timing>
-    <p:tnLst>
-      <p:par>
-        <p:cTn id="1" dur="indefinite" restart="never" nodeType="tmRoot"/>
-      </p:par>
-    </p:tnLst>
-  </p:timing>
 </p:sld>
 </file>
 
@@ -13852,7 +13788,7 @@
           <a:p>
             <a:pPr eaLnBrk="1" hangingPunct="1"/>
             <a:r>
-              <a:rPr lang="en-US" altLang="zh-TW" dirty="0" smtClean="0">
+              <a:rPr lang="en-US" altLang="zh-TW" dirty="0">
                 <a:ea typeface="新細明體" charset="-120"/>
               </a:rPr>
               <a:t>12.6 Swap-Space Management</a:t>
@@ -13881,7 +13817,7 @@
           <a:lstStyle/>
           <a:p>
             <a:r>
-              <a:rPr lang="en-US" altLang="zh-TW" sz="2400" b="1" dirty="0" smtClean="0">
+              <a:rPr lang="en-US" altLang="zh-TW" sz="2400" b="1" dirty="0">
                 <a:solidFill>
                   <a:srgbClr val="FF0000"/>
                 </a:solidFill>
@@ -13890,7 +13826,7 @@
               <a:t>Swap-space</a:t>
             </a:r>
             <a:r>
-              <a:rPr lang="en-US" altLang="zh-TW" sz="2400" dirty="0" smtClean="0">
+              <a:rPr lang="en-US" altLang="zh-TW" sz="2400" dirty="0">
                 <a:ea typeface="新細明體" charset="-120"/>
               </a:rPr>
               <a:t> — Virtual memory uses disk space as an extension of main memory.</a:t>
@@ -13898,7 +13834,7 @@
           </a:p>
           <a:p>
             <a:r>
-              <a:rPr lang="en-US" altLang="zh-TW" sz="2400" dirty="0" smtClean="0">
+              <a:rPr lang="en-US" altLang="zh-TW" sz="2400" dirty="0">
                 <a:ea typeface="新細明體" charset="-120"/>
               </a:rPr>
               <a:t>Swap-space can be carved out of the normal file system or, more commonly, it can be in a separate disk partition.</a:t>
@@ -13906,7 +13842,7 @@
           </a:p>
           <a:p>
             <a:r>
-              <a:rPr lang="en-US" altLang="zh-TW" sz="2400" dirty="0" smtClean="0">
+              <a:rPr lang="en-US" altLang="zh-TW" sz="2400" dirty="0">
                 <a:ea typeface="新細明體" charset="-120"/>
               </a:rPr>
               <a:t>Swap-space management</a:t>
@@ -13915,13 +13851,13 @@
           <a:p>
             <a:pPr lvl="1"/>
             <a:r>
-              <a:rPr lang="en-US" altLang="zh-TW" sz="2400" dirty="0" smtClean="0">
+              <a:rPr lang="en-US" altLang="zh-TW" sz="2400" dirty="0">
                 <a:ea typeface="新細明體" charset="-120"/>
               </a:rPr>
               <a:t>4.3BSD allocates swap space when process starts; holds </a:t>
             </a:r>
             <a:r>
-              <a:rPr lang="en-US" altLang="zh-TW" sz="2400" i="1" dirty="0" smtClean="0">
+              <a:rPr lang="en-US" altLang="zh-TW" sz="2400" i="1" dirty="0">
                 <a:solidFill>
                   <a:srgbClr val="FF0000"/>
                 </a:solidFill>
@@ -13930,7 +13866,7 @@
               <a:t>text segment</a:t>
             </a:r>
             <a:r>
-              <a:rPr lang="en-US" altLang="zh-TW" sz="2400" dirty="0" smtClean="0">
+              <a:rPr lang="en-US" altLang="zh-TW" sz="2400" dirty="0">
                 <a:solidFill>
                   <a:srgbClr val="FF0000"/>
                 </a:solidFill>
@@ -13939,13 +13875,13 @@
               <a:t> </a:t>
             </a:r>
             <a:r>
-              <a:rPr lang="en-US" altLang="zh-TW" sz="2400" dirty="0" smtClean="0">
+              <a:rPr lang="en-US" altLang="zh-TW" sz="2400" dirty="0">
                 <a:ea typeface="新細明體" charset="-120"/>
               </a:rPr>
               <a:t>(the program) and </a:t>
             </a:r>
             <a:r>
-              <a:rPr lang="en-US" altLang="zh-TW" sz="2400" i="1" dirty="0" smtClean="0">
+              <a:rPr lang="en-US" altLang="zh-TW" sz="2400" i="1" dirty="0">
                 <a:solidFill>
                   <a:srgbClr val="FF0000"/>
                 </a:solidFill>
@@ -13954,7 +13890,7 @@
               <a:t>data segment</a:t>
             </a:r>
             <a:r>
-              <a:rPr lang="en-US" altLang="zh-TW" sz="2400" i="1" dirty="0" smtClean="0">
+              <a:rPr lang="en-US" altLang="zh-TW" sz="2400" i="1" dirty="0">
                 <a:ea typeface="新細明體" charset="-120"/>
               </a:rPr>
               <a:t>.</a:t>
@@ -13963,13 +13899,13 @@
           <a:p>
             <a:pPr lvl="1"/>
             <a:r>
-              <a:rPr lang="en-US" altLang="zh-TW" sz="2400" dirty="0" smtClean="0">
+              <a:rPr lang="en-US" altLang="zh-TW" sz="2400" dirty="0">
                 <a:ea typeface="新細明體" charset="-120"/>
               </a:rPr>
               <a:t>Kernel uses </a:t>
             </a:r>
             <a:r>
-              <a:rPr lang="en-US" altLang="zh-TW" sz="2400" i="1" dirty="0" smtClean="0">
+              <a:rPr lang="en-US" altLang="zh-TW" sz="2400" i="1" dirty="0">
                 <a:solidFill>
                   <a:srgbClr val="FF0000"/>
                 </a:solidFill>
@@ -13978,7 +13914,7 @@
               <a:t>swap maps</a:t>
             </a:r>
             <a:r>
-              <a:rPr lang="en-US" altLang="zh-TW" sz="2400" dirty="0" smtClean="0">
+              <a:rPr lang="en-US" altLang="zh-TW" sz="2400" dirty="0">
                 <a:solidFill>
                   <a:srgbClr val="FF0000"/>
                 </a:solidFill>
@@ -13987,7 +13923,7 @@
               <a:t> </a:t>
             </a:r>
             <a:r>
-              <a:rPr lang="en-US" altLang="zh-TW" sz="2400" dirty="0" smtClean="0">
+              <a:rPr lang="en-US" altLang="zh-TW" sz="2400" dirty="0">
                 <a:ea typeface="新細明體" charset="-120"/>
               </a:rPr>
               <a:t>to track swap-space use.</a:t>
@@ -13996,13 +13932,13 @@
           <a:p>
             <a:pPr lvl="1"/>
             <a:r>
-              <a:rPr lang="en-US" altLang="zh-TW" sz="2400" dirty="0" smtClean="0">
+              <a:rPr lang="en-US" altLang="zh-TW" sz="2400" dirty="0">
                 <a:ea typeface="新細明體" charset="-120"/>
               </a:rPr>
               <a:t>Solaris 2 allocates swap space </a:t>
             </a:r>
             <a:r>
-              <a:rPr lang="en-US" altLang="zh-TW" sz="2400" dirty="0" smtClean="0">
+              <a:rPr lang="en-US" altLang="zh-TW" sz="2400" dirty="0">
                 <a:solidFill>
                   <a:srgbClr val="FF0000"/>
                 </a:solidFill>
@@ -14011,7 +13947,7 @@
               <a:t>only when a page is forced out of physical memory</a:t>
             </a:r>
             <a:r>
-              <a:rPr lang="en-US" altLang="zh-TW" sz="2400" dirty="0" smtClean="0">
+              <a:rPr lang="en-US" altLang="zh-TW" sz="2400" dirty="0">
                 <a:ea typeface="新細明體" charset="-120"/>
               </a:rPr>
               <a:t>, not when the virtual memory page is first created.</a:t>
@@ -14410,7 +14346,7 @@
           <a:lstStyle/>
           <a:p>
             <a:r>
-              <a:rPr lang="en-US" altLang="zh-TW" dirty="0" smtClean="0">
+              <a:rPr lang="en-US" altLang="zh-TW" dirty="0">
                 <a:ea typeface="新細明體" charset="-120"/>
               </a:rPr>
               <a:t>Swapping on Linux Systems</a:t>
@@ -14440,11 +14376,11 @@
           <a:lstStyle/>
           <a:p>
             <a:r>
-              <a:rPr lang="en-US" altLang="zh-TW" dirty="0" smtClean="0"/>
+              <a:rPr lang="en-US" altLang="zh-TW" dirty="0"/>
               <a:t>Linux allows one or more </a:t>
             </a:r>
             <a:r>
-              <a:rPr lang="en-US" altLang="zh-TW" dirty="0" smtClean="0">
+              <a:rPr lang="en-US" altLang="zh-TW" dirty="0">
                 <a:solidFill>
                   <a:srgbClr val="FF0000"/>
                 </a:solidFill>
@@ -14452,17 +14388,17 @@
               <a:t>swap areas </a:t>
             </a:r>
             <a:r>
-              <a:rPr lang="en-US" altLang="zh-TW" dirty="0" smtClean="0"/>
+              <a:rPr lang="en-US" altLang="zh-TW" dirty="0"/>
               <a:t>to be established.</a:t>
             </a:r>
           </a:p>
           <a:p>
             <a:r>
-              <a:rPr lang="en-US" altLang="zh-TW" dirty="0" smtClean="0"/>
+              <a:rPr lang="en-US" altLang="zh-TW" dirty="0"/>
               <a:t>A </a:t>
             </a:r>
             <a:r>
-              <a:rPr lang="en-US" altLang="zh-TW" dirty="0" smtClean="0">
+              <a:rPr lang="en-US" altLang="zh-TW" dirty="0">
                 <a:solidFill>
                   <a:srgbClr val="FF0000"/>
                 </a:solidFill>
@@ -14470,17 +14406,17 @@
               <a:t>swap area </a:t>
             </a:r>
             <a:r>
-              <a:rPr lang="en-US" altLang="zh-TW" dirty="0" smtClean="0"/>
+              <a:rPr lang="en-US" altLang="zh-TW" dirty="0"/>
               <a:t>may be either a swap file on a regular file system or a raw-swap-space partition.</a:t>
             </a:r>
           </a:p>
           <a:p>
             <a:r>
-              <a:rPr lang="en-US" altLang="zh-TW" dirty="0" smtClean="0"/>
+              <a:rPr lang="en-US" altLang="zh-TW" dirty="0"/>
               <a:t>Each swap area consists of a series </a:t>
             </a:r>
             <a:r>
-              <a:rPr lang="en-US" altLang="zh-TW" dirty="0" smtClean="0">
+              <a:rPr lang="en-US" altLang="zh-TW" dirty="0">
                 <a:solidFill>
                   <a:srgbClr val="FF0000"/>
                 </a:solidFill>
@@ -14488,17 +14424,17 @@
               <a:t>of 4KB page slots</a:t>
             </a:r>
             <a:r>
-              <a:rPr lang="en-US" altLang="zh-TW" dirty="0" smtClean="0"/>
+              <a:rPr lang="en-US" altLang="zh-TW" dirty="0"/>
               <a:t>, which are used to hold swapped pages.</a:t>
             </a:r>
           </a:p>
           <a:p>
             <a:r>
-              <a:rPr lang="en-US" altLang="zh-TW" dirty="0" smtClean="0"/>
+              <a:rPr lang="en-US" altLang="zh-TW" dirty="0"/>
               <a:t>Each swap area is associated with a </a:t>
             </a:r>
             <a:r>
-              <a:rPr lang="en-US" altLang="zh-TW" dirty="0" smtClean="0">
+              <a:rPr lang="en-US" altLang="zh-TW" dirty="0">
                 <a:solidFill>
                   <a:srgbClr val="FF0000"/>
                 </a:solidFill>
@@ -14506,14 +14442,14 @@
               <a:t>swap map</a:t>
             </a:r>
             <a:r>
-              <a:rPr lang="en-US" altLang="zh-TW" dirty="0" smtClean="0"/>
+              <a:rPr lang="en-US" altLang="zh-TW" dirty="0"/>
               <a:t>.</a:t>
             </a:r>
           </a:p>
           <a:p>
             <a:pPr lvl="1"/>
             <a:r>
-              <a:rPr lang="en-US" altLang="zh-TW" dirty="0" smtClean="0">
+              <a:rPr lang="en-US" altLang="zh-TW" dirty="0">
                 <a:solidFill>
                   <a:srgbClr val="FF0000"/>
                 </a:solidFill>
@@ -14521,14 +14457,14 @@
               <a:t>Counter = 0</a:t>
             </a:r>
             <a:r>
-              <a:rPr lang="en-US" altLang="zh-TW" dirty="0" smtClean="0"/>
+              <a:rPr lang="en-US" altLang="zh-TW" dirty="0"/>
               <a:t>, the corresponding page slot is available.</a:t>
             </a:r>
           </a:p>
           <a:p>
             <a:pPr lvl="1"/>
             <a:r>
-              <a:rPr lang="en-US" altLang="zh-TW" dirty="0" smtClean="0">
+              <a:rPr lang="en-US" altLang="zh-TW" dirty="0">
                 <a:solidFill>
                   <a:srgbClr val="FF0000"/>
                 </a:solidFill>
@@ -14536,11 +14472,11 @@
               <a:t>Counter &gt;0</a:t>
             </a:r>
             <a:r>
-              <a:rPr lang="en-US" altLang="zh-TW" dirty="0" smtClean="0"/>
+              <a:rPr lang="en-US" altLang="zh-TW" dirty="0"/>
               <a:t>, the page slot is occupied by a swapped page. The value of the counter indicates </a:t>
             </a:r>
             <a:r>
-              <a:rPr lang="en-US" altLang="zh-TW" dirty="0" smtClean="0">
+              <a:rPr lang="en-US" altLang="zh-TW" dirty="0">
                 <a:solidFill>
                   <a:srgbClr val="FF0000"/>
                 </a:solidFill>
@@ -14548,7 +14484,7 @@
               <a:t>the number of mappings to the swapped page</a:t>
             </a:r>
             <a:r>
-              <a:rPr lang="en-US" altLang="zh-TW" dirty="0" smtClean="0"/>
+              <a:rPr lang="en-US" altLang="zh-TW" dirty="0"/>
               <a:t>. Counter =3, the swapped paged is storing a region of memory shared by three processes.</a:t>
             </a:r>
           </a:p>
@@ -14970,12 +14906,12 @@
           <a:p>
             <a:pPr eaLnBrk="1" hangingPunct="1"/>
             <a:r>
-              <a:rPr lang="en-US" altLang="zh-TW" sz="3200" dirty="0" smtClean="0">
+              <a:rPr lang="en-US" altLang="zh-TW" sz="3200" dirty="0">
                 <a:ea typeface="新細明體" charset="-120"/>
               </a:rPr>
               <a:t>Data Structures for Swapping on Linux Systems</a:t>
             </a:r>
-            <a:endParaRPr lang="en-US" altLang="zh-TW" sz="2400" dirty="0" smtClean="0">
+            <a:endParaRPr lang="en-US" altLang="zh-TW" sz="2400" dirty="0">
               <a:ea typeface="新細明體" charset="-120"/>
             </a:endParaRPr>
           </a:p>
@@ -15035,7 +14971,7 @@
           <a:lstStyle/>
           <a:p>
             <a:r>
-              <a:rPr lang="en-US" altLang="zh-TW" b="1" dirty="0" smtClean="0">
+              <a:rPr lang="en-US" altLang="zh-TW" b="1" dirty="0">
                 <a:solidFill>
                   <a:srgbClr val="FF0000"/>
                 </a:solidFill>
@@ -15068,13 +15004,13 @@
           <a:lstStyle/>
           <a:p>
             <a:r>
-              <a:rPr lang="en-US" altLang="zh-TW" sz="2400" b="1" dirty="0" smtClean="0">
+              <a:rPr lang="en-US" altLang="zh-TW" sz="2400" b="1" dirty="0">
                 <a:latin typeface="Candara" pitchFamily="34" charset="0"/>
               </a:rPr>
               <a:t>The value of the counter indicates </a:t>
             </a:r>
             <a:r>
-              <a:rPr lang="en-US" altLang="zh-TW" sz="2400" b="1" dirty="0" smtClean="0">
+              <a:rPr lang="en-US" altLang="zh-TW" sz="2400" b="1" dirty="0">
                 <a:solidFill>
                   <a:srgbClr val="FF0000"/>
                 </a:solidFill>
@@ -15280,7 +15216,7 @@
           <a:p>
             <a:pPr eaLnBrk="1" hangingPunct="1"/>
             <a:r>
-              <a:rPr lang="en-US" altLang="zh-TW" smtClean="0">
+              <a:rPr lang="en-US" altLang="zh-TW">
                 <a:ea typeface="新細明體" charset="-120"/>
               </a:rPr>
               <a:t>Objectives</a:t>
@@ -15309,13 +15245,13 @@
           <a:lstStyle/>
           <a:p>
             <a:r>
-              <a:rPr lang="en-US" altLang="zh-TW" sz="2800" dirty="0" smtClean="0">
+              <a:rPr lang="en-US" altLang="zh-TW" sz="2800" dirty="0">
                 <a:ea typeface="新細明體" charset="-120"/>
               </a:rPr>
               <a:t>Describe the </a:t>
             </a:r>
             <a:r>
-              <a:rPr lang="en-US" altLang="zh-TW" sz="2800" b="1" dirty="0" smtClean="0">
+              <a:rPr lang="en-US" altLang="zh-TW" sz="2800" b="1" dirty="0">
                 <a:solidFill>
                   <a:srgbClr val="FF0000"/>
                 </a:solidFill>
@@ -15324,7 +15260,7 @@
               <a:t>physical structure</a:t>
             </a:r>
             <a:r>
-              <a:rPr lang="en-US" altLang="zh-TW" sz="2800" dirty="0" smtClean="0">
+              <a:rPr lang="en-US" altLang="zh-TW" sz="2800" dirty="0">
                 <a:ea typeface="新細明體" charset="-120"/>
               </a:rPr>
               <a:t> of secondary and tertiary storage devices and the resulting effects on the uses of the devices</a:t>
@@ -15332,13 +15268,13 @@
           </a:p>
           <a:p>
             <a:r>
-              <a:rPr lang="en-US" altLang="zh-TW" sz="2800" dirty="0" smtClean="0">
+              <a:rPr lang="en-US" altLang="zh-TW" sz="2800" dirty="0">
                 <a:ea typeface="新細明體" charset="-120"/>
               </a:rPr>
               <a:t>Explain the </a:t>
             </a:r>
             <a:r>
-              <a:rPr lang="en-US" altLang="zh-TW" sz="2800" b="1" dirty="0" smtClean="0">
+              <a:rPr lang="en-US" altLang="zh-TW" sz="2800" b="1" dirty="0">
                 <a:solidFill>
                   <a:srgbClr val="FF0000"/>
                 </a:solidFill>
@@ -15347,7 +15283,7 @@
               <a:t>performance characteristics </a:t>
             </a:r>
             <a:r>
-              <a:rPr lang="en-US" altLang="zh-TW" sz="2800" dirty="0" smtClean="0">
+              <a:rPr lang="en-US" altLang="zh-TW" sz="2800" dirty="0">
                 <a:ea typeface="新細明體" charset="-120"/>
               </a:rPr>
               <a:t>of mass-storage devices</a:t>
@@ -15355,13 +15291,13 @@
           </a:p>
           <a:p>
             <a:r>
-              <a:rPr lang="en-US" altLang="zh-TW" sz="2800" dirty="0" smtClean="0">
+              <a:rPr lang="en-US" altLang="zh-TW" sz="2800" dirty="0">
                 <a:ea typeface="新細明體" charset="-120"/>
               </a:rPr>
               <a:t>Discuss operating-system services provided for mass storage, including </a:t>
             </a:r>
             <a:r>
-              <a:rPr lang="en-US" altLang="zh-TW" sz="2800" b="1" dirty="0" smtClean="0">
+              <a:rPr lang="en-US" altLang="zh-TW" sz="2800" b="1" dirty="0">
                 <a:solidFill>
                   <a:srgbClr val="FF0000"/>
                 </a:solidFill>
@@ -15370,13 +15306,13 @@
               <a:t>RAID</a:t>
             </a:r>
             <a:r>
-              <a:rPr lang="en-US" altLang="zh-TW" sz="2800" dirty="0" smtClean="0">
+              <a:rPr lang="en-US" altLang="zh-TW" sz="2800" dirty="0">
                 <a:ea typeface="新細明體" charset="-120"/>
               </a:rPr>
               <a:t> and </a:t>
             </a:r>
             <a:r>
-              <a:rPr lang="en-US" altLang="zh-TW" sz="2800" b="1" dirty="0" smtClean="0">
+              <a:rPr lang="en-US" altLang="zh-TW" sz="2800" b="1" dirty="0">
                 <a:solidFill>
                   <a:srgbClr val="FF0000"/>
                 </a:solidFill>
@@ -15385,14 +15321,14 @@
               <a:t>HSM</a:t>
             </a:r>
             <a:r>
-              <a:rPr lang="en-US" altLang="zh-TW" sz="2800" dirty="0" smtClean="0">
+              <a:rPr lang="en-US" altLang="zh-TW" sz="2800" dirty="0">
                 <a:ea typeface="新細明體" charset="-120"/>
               </a:rPr>
               <a:t> (Hierarchical Storage Management )</a:t>
             </a:r>
           </a:p>
           <a:p>
-            <a:endParaRPr lang="en-US" altLang="zh-TW" sz="2800" dirty="0" smtClean="0">
+            <a:endParaRPr lang="en-US" altLang="zh-TW" sz="2800" dirty="0">
               <a:ea typeface="新細明體" charset="-120"/>
             </a:endParaRPr>
           </a:p>
@@ -15656,7 +15592,7 @@
           <a:p>
             <a:pPr eaLnBrk="1" hangingPunct="1"/>
             <a:r>
-              <a:rPr lang="en-US" altLang="zh-TW" dirty="0" smtClean="0">
+              <a:rPr lang="en-US" altLang="zh-TW" dirty="0">
                 <a:ea typeface="新細明體" charset="-120"/>
               </a:rPr>
               <a:t>12.7 RAID Structure</a:t>
@@ -15685,7 +15621,7 @@
           <a:lstStyle/>
           <a:p>
             <a:r>
-              <a:rPr lang="en-US" altLang="zh-TW" sz="2400" b="1" dirty="0" smtClean="0">
+              <a:rPr lang="en-US" altLang="zh-TW" sz="2400" b="1" dirty="0">
                 <a:solidFill>
                   <a:srgbClr val="FF0000"/>
                 </a:solidFill>
@@ -15694,13 +15630,13 @@
               <a:t>RAID</a:t>
             </a:r>
             <a:r>
-              <a:rPr lang="en-US" altLang="zh-TW" sz="2400" dirty="0" smtClean="0">
+              <a:rPr lang="en-US" altLang="zh-TW" sz="2400" dirty="0">
                 <a:ea typeface="新細明體" charset="-120"/>
               </a:rPr>
               <a:t> (Redundant Arrays of Independent Disks) – multiple disk drives provides </a:t>
             </a:r>
             <a:r>
-              <a:rPr lang="en-US" altLang="zh-TW" sz="2400" b="1" dirty="0" smtClean="0">
+              <a:rPr lang="en-US" altLang="zh-TW" sz="2400" b="1" dirty="0">
                 <a:solidFill>
                   <a:srgbClr val="FF0000"/>
                 </a:solidFill>
@@ -15709,13 +15645,13 @@
               <a:t>reliability</a:t>
             </a:r>
             <a:r>
-              <a:rPr lang="en-US" altLang="zh-TW" sz="2400" dirty="0" smtClean="0">
+              <a:rPr lang="en-US" altLang="zh-TW" sz="2400" dirty="0">
                 <a:ea typeface="新細明體" charset="-120"/>
               </a:rPr>
               <a:t> via </a:t>
             </a:r>
             <a:r>
-              <a:rPr lang="en-US" altLang="zh-TW" sz="2400" b="1" dirty="0" smtClean="0">
+              <a:rPr lang="en-US" altLang="zh-TW" sz="2400" b="1" dirty="0">
                 <a:solidFill>
                   <a:srgbClr val="FF0000"/>
                 </a:solidFill>
@@ -15724,7 +15660,7 @@
               <a:t>redundancy</a:t>
             </a:r>
             <a:r>
-              <a:rPr lang="en-US" altLang="zh-TW" sz="2400" dirty="0" smtClean="0">
+              <a:rPr lang="en-US" altLang="zh-TW" sz="2400" dirty="0">
                 <a:ea typeface="新細明體" charset="-120"/>
               </a:rPr>
               <a:t>.</a:t>
@@ -15732,7 +15668,7 @@
           </a:p>
           <a:p>
             <a:r>
-              <a:rPr lang="en-US" altLang="zh-TW" sz="2400" dirty="0" smtClean="0">
+              <a:rPr lang="en-US" altLang="zh-TW" sz="2400" dirty="0">
                 <a:ea typeface="新細明體" charset="-120"/>
               </a:rPr>
               <a:t>RAID is arranged into seven different levels.</a:t>
@@ -15740,7 +15676,7 @@
           </a:p>
           <a:p>
             <a:r>
-              <a:rPr lang="en-US" altLang="zh-TW" sz="2400" dirty="0" smtClean="0">
+              <a:rPr lang="en-US" altLang="zh-TW" sz="2400" dirty="0">
                 <a:ea typeface="新細明體" charset="-120"/>
               </a:rPr>
               <a:t>With multiple disks, we can improve the transfer rate by striping data across the disks.</a:t>
@@ -15748,7 +15684,7 @@
           </a:p>
           <a:p>
             <a:r>
-              <a:rPr lang="en-US" altLang="zh-TW" sz="2400" b="1" dirty="0" smtClean="0">
+              <a:rPr lang="en-US" altLang="zh-TW" sz="2400" b="1" dirty="0">
                 <a:solidFill>
                   <a:srgbClr val="FF0000"/>
                 </a:solidFill>
@@ -15757,13 +15693,13 @@
               <a:t>Data striping </a:t>
             </a:r>
             <a:r>
-              <a:rPr lang="en-US" altLang="zh-TW" sz="2400" dirty="0" smtClean="0">
+              <a:rPr lang="en-US" altLang="zh-TW" sz="2400" dirty="0">
                 <a:ea typeface="新細明體" charset="-120"/>
               </a:rPr>
               <a:t>consists of splitting the bits of each byte across multiple disks – </a:t>
             </a:r>
             <a:r>
-              <a:rPr lang="en-US" altLang="zh-TW" sz="2400" b="1" dirty="0" smtClean="0">
+              <a:rPr lang="en-US" altLang="zh-TW" sz="2400" b="1" dirty="0">
                 <a:solidFill>
                   <a:srgbClr val="FF0000"/>
                 </a:solidFill>
@@ -15774,7 +15710,7 @@
           </a:p>
           <a:p>
             <a:r>
-              <a:rPr lang="en-US" altLang="zh-TW" sz="2400" b="1" dirty="0" smtClean="0">
+              <a:rPr lang="en-US" altLang="zh-TW" sz="2400" b="1" dirty="0">
                 <a:solidFill>
                   <a:srgbClr val="FF0000"/>
                 </a:solidFill>
@@ -15783,12 +15719,12 @@
               <a:t>Block-level striping </a:t>
             </a:r>
             <a:r>
-              <a:rPr lang="en-US" altLang="zh-TW" sz="2400" b="1" dirty="0" smtClean="0">
+              <a:rPr lang="en-US" altLang="zh-TW" sz="2400" b="1" dirty="0">
                 <a:ea typeface="新細明體" charset="-120"/>
               </a:rPr>
               <a:t>consists of splitting the blocks of each file across multiple disks.</a:t>
             </a:r>
-            <a:endParaRPr lang="en-US" altLang="zh-TW" sz="2400" b="1" dirty="0" smtClean="0">
+            <a:endParaRPr lang="en-US" altLang="zh-TW" sz="2400" b="1" dirty="0">
               <a:solidFill>
                 <a:srgbClr val="FF0000"/>
               </a:solidFill>
@@ -16177,7 +16113,7 @@
           <a:p>
             <a:pPr eaLnBrk="1" hangingPunct="1"/>
             <a:r>
-              <a:rPr lang="en-US" altLang="zh-TW" dirty="0" smtClean="0">
+              <a:rPr lang="en-US" altLang="zh-TW" dirty="0">
                 <a:ea typeface="新細明體" charset="-120"/>
               </a:rPr>
               <a:t>RAID (cont)</a:t>
@@ -16206,13 +16142,13 @@
           <a:lstStyle/>
           <a:p>
             <a:r>
-              <a:rPr lang="en-US" altLang="zh-TW" sz="2400" dirty="0" smtClean="0">
+              <a:rPr lang="en-US" altLang="zh-TW" sz="2400" dirty="0">
                 <a:ea typeface="新細明體" charset="-120"/>
               </a:rPr>
               <a:t>Several improvements in disk-use techniques involve the </a:t>
             </a:r>
             <a:r>
-              <a:rPr lang="en-US" altLang="zh-TW" sz="2400" dirty="0" smtClean="0">
+              <a:rPr lang="en-US" altLang="zh-TW" sz="2400" dirty="0">
                 <a:solidFill>
                   <a:srgbClr val="FF0000"/>
                 </a:solidFill>
@@ -16221,7 +16157,7 @@
               <a:t>use of multiple disks working cooperatively</a:t>
             </a:r>
             <a:r>
-              <a:rPr lang="en-US" altLang="zh-TW" sz="2400" dirty="0" smtClean="0">
+              <a:rPr lang="en-US" altLang="zh-TW" sz="2400" dirty="0">
                 <a:ea typeface="新細明體" charset="-120"/>
               </a:rPr>
               <a:t>.</a:t>
@@ -16229,7 +16165,7 @@
           </a:p>
           <a:p>
             <a:r>
-              <a:rPr lang="en-US" altLang="zh-TW" sz="2400" dirty="0" smtClean="0">
+              <a:rPr lang="en-US" altLang="zh-TW" sz="2400" dirty="0">
                 <a:ea typeface="新細明體" charset="-120"/>
               </a:rPr>
               <a:t>Disk striping uses a group of disks as one storage unit.</a:t>
@@ -16237,7 +16173,7 @@
           </a:p>
           <a:p>
             <a:r>
-              <a:rPr lang="en-US" altLang="zh-TW" sz="2400" dirty="0" smtClean="0">
+              <a:rPr lang="en-US" altLang="zh-TW" sz="2400" dirty="0">
                 <a:ea typeface="新細明體" charset="-120"/>
               </a:rPr>
               <a:t>RAID schemes improve performance and improve the reliability of the storage system by storing redundant data.</a:t>
@@ -16246,7 +16182,7 @@
           <a:p>
             <a:pPr lvl="1"/>
             <a:r>
-              <a:rPr lang="en-US" altLang="zh-TW" sz="2400" b="1" i="1" dirty="0" smtClean="0">
+              <a:rPr lang="en-US" altLang="zh-TW" sz="2400" b="1" i="1" dirty="0">
                 <a:solidFill>
                   <a:srgbClr val="FF0000"/>
                 </a:solidFill>
@@ -16255,7 +16191,7 @@
               <a:t>Mirroring</a:t>
             </a:r>
             <a:r>
-              <a:rPr lang="en-US" altLang="zh-TW" sz="2400" b="1" dirty="0" smtClean="0">
+              <a:rPr lang="en-US" altLang="zh-TW" sz="2400" b="1" dirty="0">
                 <a:solidFill>
                   <a:srgbClr val="FF0000"/>
                 </a:solidFill>
@@ -16264,7 +16200,7 @@
               <a:t> or </a:t>
             </a:r>
             <a:r>
-              <a:rPr lang="en-US" altLang="zh-TW" sz="2400" b="1" i="1" dirty="0" smtClean="0">
+              <a:rPr lang="en-US" altLang="zh-TW" sz="2400" b="1" i="1" dirty="0">
                 <a:solidFill>
                   <a:srgbClr val="FF0000"/>
                 </a:solidFill>
@@ -16273,7 +16209,7 @@
               <a:t>shadowing</a:t>
             </a:r>
             <a:r>
-              <a:rPr lang="en-US" altLang="zh-TW" sz="2400" b="1" dirty="0" smtClean="0">
+              <a:rPr lang="en-US" altLang="zh-TW" sz="2400" b="1" dirty="0">
                 <a:solidFill>
                   <a:srgbClr val="FF0000"/>
                 </a:solidFill>
@@ -16282,7 +16218,7 @@
               <a:t> </a:t>
             </a:r>
             <a:r>
-              <a:rPr lang="en-US" altLang="zh-TW" sz="2400" dirty="0" smtClean="0">
+              <a:rPr lang="en-US" altLang="zh-TW" sz="2400" dirty="0">
                 <a:ea typeface="新細明體" charset="-120"/>
               </a:rPr>
               <a:t>keeps duplicate of each disk.</a:t>
@@ -16291,7 +16227,7 @@
           <a:p>
             <a:pPr lvl="1"/>
             <a:r>
-              <a:rPr lang="en-US" altLang="zh-TW" sz="2400" b="1" i="1" dirty="0" smtClean="0">
+              <a:rPr lang="en-US" altLang="zh-TW" sz="2400" b="1" i="1" dirty="0">
                 <a:solidFill>
                   <a:srgbClr val="FF0000"/>
                 </a:solidFill>
@@ -16300,7 +16236,7 @@
               <a:t>Block interleaved parity</a:t>
             </a:r>
             <a:r>
-              <a:rPr lang="en-US" altLang="zh-TW" sz="2400" b="1" dirty="0" smtClean="0">
+              <a:rPr lang="en-US" altLang="zh-TW" sz="2400" b="1" dirty="0">
                 <a:solidFill>
                   <a:srgbClr val="FF0000"/>
                 </a:solidFill>
@@ -16309,7 +16245,7 @@
               <a:t> </a:t>
             </a:r>
             <a:r>
-              <a:rPr lang="en-US" altLang="zh-TW" sz="2400" dirty="0" smtClean="0">
+              <a:rPr lang="en-US" altLang="zh-TW" sz="2400" dirty="0">
                 <a:ea typeface="新細明體" charset="-120"/>
               </a:rPr>
               <a:t>uses much less redundancy.</a:t>
@@ -16661,7 +16597,7 @@
           <a:p>
             <a:pPr eaLnBrk="1" hangingPunct="1"/>
             <a:r>
-              <a:rPr lang="en-US" altLang="zh-TW" dirty="0" smtClean="0">
+              <a:rPr lang="en-US" altLang="zh-TW" dirty="0">
                 <a:ea typeface="新細明體" charset="-120"/>
               </a:rPr>
               <a:t>RAID (cont)</a:t>
@@ -16690,13 +16626,13 @@
           <a:lstStyle/>
           <a:p>
             <a:r>
-              <a:rPr lang="en-US" altLang="zh-TW" dirty="0" smtClean="0">
+              <a:rPr lang="en-US" altLang="zh-TW" dirty="0">
                 <a:ea typeface="新細明體" charset="-120"/>
               </a:rPr>
               <a:t>RAID level 0: RAID level 0 refers to disk arrays with </a:t>
             </a:r>
             <a:r>
-              <a:rPr lang="en-US" altLang="zh-TW" dirty="0" smtClean="0">
+              <a:rPr lang="en-US" altLang="zh-TW" dirty="0">
                 <a:solidFill>
                   <a:srgbClr val="FF0000"/>
                 </a:solidFill>
@@ -16705,36 +16641,36 @@
               <a:t>striping at the level of blocks </a:t>
             </a:r>
             <a:r>
-              <a:rPr lang="en-US" altLang="zh-TW" dirty="0" smtClean="0">
+              <a:rPr lang="en-US" altLang="zh-TW" dirty="0">
                 <a:ea typeface="新細明體" charset="-120"/>
               </a:rPr>
               <a:t>but without any redundancy.</a:t>
             </a:r>
           </a:p>
           <a:p>
-            <a:endParaRPr lang="en-US" altLang="zh-TW" dirty="0" smtClean="0">
+            <a:endParaRPr lang="en-US" altLang="zh-TW" dirty="0">
               <a:ea typeface="新細明體" charset="-120"/>
             </a:endParaRPr>
           </a:p>
           <a:p>
-            <a:endParaRPr lang="en-US" altLang="zh-TW" dirty="0" smtClean="0">
+            <a:endParaRPr lang="en-US" altLang="zh-TW" dirty="0">
               <a:ea typeface="新細明體" charset="-120"/>
             </a:endParaRPr>
           </a:p>
           <a:p>
-            <a:endParaRPr lang="en-US" altLang="zh-TW" dirty="0" smtClean="0">
+            <a:endParaRPr lang="en-US" altLang="zh-TW" dirty="0">
               <a:ea typeface="新細明體" charset="-120"/>
             </a:endParaRPr>
           </a:p>
           <a:p>
             <a:r>
-              <a:rPr lang="en-US" altLang="zh-TW" dirty="0" smtClean="0">
+              <a:rPr lang="en-US" altLang="zh-TW" dirty="0">
                 <a:ea typeface="新細明體" charset="-120"/>
               </a:rPr>
               <a:t>RAID level 1: RAID level 1 refers to </a:t>
             </a:r>
             <a:r>
-              <a:rPr lang="en-US" altLang="zh-TW" dirty="0" smtClean="0">
+              <a:rPr lang="en-US" altLang="zh-TW" dirty="0">
                 <a:solidFill>
                   <a:srgbClr val="FF0000"/>
                 </a:solidFill>
@@ -16743,12 +16679,12 @@
               <a:t>disk mirroring</a:t>
             </a:r>
             <a:r>
-              <a:rPr lang="en-US" altLang="zh-TW" dirty="0" smtClean="0">
+              <a:rPr lang="en-US" altLang="zh-TW" dirty="0">
                 <a:ea typeface="新細明體" charset="-120"/>
               </a:rPr>
               <a:t>.</a:t>
             </a:r>
-            <a:endParaRPr lang="en-US" altLang="zh-TW" sz="2400" dirty="0" smtClean="0">
+            <a:endParaRPr lang="en-US" altLang="zh-TW" sz="2400" dirty="0">
               <a:ea typeface="新細明體" charset="-120"/>
             </a:endParaRPr>
           </a:p>
@@ -17015,7 +16951,7 @@
           <a:p>
             <a:pPr eaLnBrk="1" hangingPunct="1"/>
             <a:r>
-              <a:rPr lang="en-US" altLang="zh-TW" dirty="0" smtClean="0">
+              <a:rPr lang="en-US" altLang="zh-TW" dirty="0">
                 <a:ea typeface="新細明體" charset="-120"/>
               </a:rPr>
               <a:t>RAID (cont)</a:t>
@@ -17044,37 +16980,37 @@
           <a:lstStyle/>
           <a:p>
             <a:r>
-              <a:rPr lang="en-US" altLang="zh-TW" dirty="0" smtClean="0">
+              <a:rPr lang="en-US" altLang="zh-TW" dirty="0">
                 <a:ea typeface="新細明體" charset="-120"/>
               </a:rPr>
               <a:t>RAID level 2:</a:t>
             </a:r>
             <a:r>
-              <a:rPr lang="zh-TW" altLang="en-US" dirty="0" smtClean="0">
+              <a:rPr lang="zh-TW" altLang="en-US" dirty="0">
                 <a:ea typeface="新細明體" charset="-120"/>
               </a:rPr>
               <a:t> </a:t>
             </a:r>
             <a:r>
-              <a:rPr lang="en-US" altLang="zh-TW" dirty="0" smtClean="0">
+              <a:rPr lang="en-US" altLang="zh-TW" dirty="0">
                 <a:ea typeface="新細明體" charset="-120"/>
               </a:rPr>
               <a:t>RAID</a:t>
             </a:r>
             <a:r>
-              <a:rPr lang="zh-TW" altLang="en-US" dirty="0" smtClean="0">
+              <a:rPr lang="zh-TW" altLang="en-US" dirty="0">
                 <a:ea typeface="新細明體" charset="-120"/>
               </a:rPr>
               <a:t> </a:t>
             </a:r>
             <a:r>
-              <a:rPr lang="en-US" altLang="zh-TW" dirty="0" smtClean="0">
+              <a:rPr lang="en-US" altLang="zh-TW" dirty="0">
                 <a:ea typeface="新細明體" charset="-120"/>
               </a:rPr>
               <a:t>level 2 also known as </a:t>
             </a:r>
             <a:r>
-              <a:rPr lang="en-US" altLang="zh-TW" dirty="0" smtClean="0">
+              <a:rPr lang="en-US" altLang="zh-TW" dirty="0">
                 <a:solidFill>
                   <a:srgbClr val="FF0000"/>
                 </a:solidFill>
@@ -17083,13 +17019,13 @@
               <a:t>memory-style error-correcting-code (ECC) organization</a:t>
             </a:r>
             <a:r>
-              <a:rPr lang="en-US" altLang="zh-TW" dirty="0" smtClean="0">
+              <a:rPr lang="en-US" altLang="zh-TW" dirty="0">
                 <a:ea typeface="新細明體" charset="-120"/>
               </a:rPr>
               <a:t>. The </a:t>
             </a:r>
             <a:r>
-              <a:rPr lang="en-US" altLang="zh-TW" dirty="0" smtClean="0">
+              <a:rPr lang="en-US" altLang="zh-TW" dirty="0">
                 <a:solidFill>
                   <a:srgbClr val="FF0000"/>
                 </a:solidFill>
@@ -17098,7 +17034,7 @@
               <a:t>parity bits </a:t>
             </a:r>
             <a:r>
-              <a:rPr lang="en-US" altLang="zh-TW" dirty="0" smtClean="0">
+              <a:rPr lang="en-US" altLang="zh-TW" dirty="0">
                 <a:ea typeface="新細明體" charset="-120"/>
               </a:rPr>
               <a:t>are used. The disks labeled P store the error-correction bits.</a:t>
@@ -17274,7 +17210,7 @@
           <a:p>
             <a:pPr eaLnBrk="1" hangingPunct="1"/>
             <a:r>
-              <a:rPr lang="en-US" altLang="zh-TW" dirty="0" smtClean="0">
+              <a:rPr lang="en-US" altLang="zh-TW" dirty="0">
                 <a:ea typeface="新細明體" charset="-120"/>
               </a:rPr>
               <a:t>RAID (cont)</a:t>
@@ -17303,13 +17239,13 @@
           <a:lstStyle/>
           <a:p>
             <a:r>
-              <a:rPr lang="en-US" altLang="zh-TW" sz="2400" dirty="0" smtClean="0">
+              <a:rPr lang="en-US" altLang="zh-TW" sz="2400" dirty="0">
                 <a:ea typeface="新細明體" charset="-120"/>
               </a:rPr>
               <a:t>RAID level 3: RAID level 3 refers to </a:t>
             </a:r>
             <a:r>
-              <a:rPr lang="en-US" altLang="zh-TW" sz="2400" dirty="0" smtClean="0">
+              <a:rPr lang="en-US" altLang="zh-TW" sz="2400" dirty="0">
                 <a:solidFill>
                   <a:srgbClr val="FF0000"/>
                 </a:solidFill>
@@ -17318,13 +17254,13 @@
               <a:t>bit-interleaved parity organization</a:t>
             </a:r>
             <a:r>
-              <a:rPr lang="en-US" altLang="zh-TW" sz="2400" dirty="0" smtClean="0">
+              <a:rPr lang="en-US" altLang="zh-TW" sz="2400" dirty="0">
                 <a:ea typeface="新細明體" charset="-120"/>
               </a:rPr>
               <a:t> improves on level 2 by taking into account the fact that, unlike memory systems, </a:t>
             </a:r>
             <a:r>
-              <a:rPr lang="en-US" altLang="zh-TW" sz="2400" dirty="0" smtClean="0">
+              <a:rPr lang="en-US" altLang="zh-TW" sz="2400" dirty="0">
                 <a:solidFill>
                   <a:srgbClr val="FF0000"/>
                 </a:solidFill>
@@ -17333,7 +17269,7 @@
               <a:t>disk controllers can detect whether a sector has been read correctly</a:t>
             </a:r>
             <a:r>
-              <a:rPr lang="en-US" altLang="zh-TW" sz="2400" dirty="0" smtClean="0">
+              <a:rPr lang="en-US" altLang="zh-TW" sz="2400" dirty="0">
                 <a:ea typeface="新細明體" charset="-120"/>
               </a:rPr>
               <a:t>, so a single parity bit can be used for error correction and for detection. </a:t>
@@ -17509,7 +17445,7 @@
           <a:p>
             <a:pPr eaLnBrk="1" hangingPunct="1"/>
             <a:r>
-              <a:rPr lang="en-US" altLang="zh-TW" dirty="0" smtClean="0">
+              <a:rPr lang="en-US" altLang="zh-TW" dirty="0">
                 <a:ea typeface="新細明體" charset="-120"/>
               </a:rPr>
               <a:t>RAID (cont)</a:t>
@@ -17538,13 +17474,13 @@
           <a:lstStyle/>
           <a:p>
             <a:r>
-              <a:rPr lang="en-US" altLang="zh-TW" dirty="0" smtClean="0">
+              <a:rPr lang="en-US" altLang="zh-TW" dirty="0">
                 <a:ea typeface="新細明體" charset="-120"/>
               </a:rPr>
               <a:t>RAID level 4: RAID level 0 refers to </a:t>
             </a:r>
             <a:r>
-              <a:rPr lang="en-US" altLang="zh-TW" dirty="0" smtClean="0">
+              <a:rPr lang="en-US" altLang="zh-TW" dirty="0">
                 <a:solidFill>
                   <a:srgbClr val="FF0000"/>
                 </a:solidFill>
@@ -17553,14 +17489,14 @@
               <a:t>block-interleaved parity organization, </a:t>
             </a:r>
             <a:r>
-              <a:rPr lang="en-US" altLang="zh-TW" dirty="0" smtClean="0">
+              <a:rPr lang="en-US" altLang="zh-TW" dirty="0">
                 <a:ea typeface="新細明體" charset="-120"/>
               </a:rPr>
               <a:t>uses block-level striping, as in RAID 0, and also keeps a parity block on a separate disk for corresponding blocks from N other disks.</a:t>
             </a:r>
           </a:p>
           <a:p>
-            <a:endParaRPr lang="en-US" altLang="zh-TW" dirty="0" smtClean="0">
+            <a:endParaRPr lang="en-US" altLang="zh-TW" dirty="0">
               <a:ea typeface="新細明體" charset="-120"/>
             </a:endParaRPr>
           </a:p>
@@ -17766,7 +17702,7 @@
           <a:p>
             <a:pPr eaLnBrk="1" hangingPunct="1"/>
             <a:r>
-              <a:rPr lang="en-US" altLang="zh-TW" dirty="0" smtClean="0">
+              <a:rPr lang="en-US" altLang="zh-TW" dirty="0">
                 <a:ea typeface="新細明體" charset="-120"/>
               </a:rPr>
               <a:t>RAID (cont)</a:t>
@@ -17795,13 +17731,13 @@
           <a:lstStyle/>
           <a:p>
             <a:r>
-              <a:rPr lang="en-US" altLang="zh-TW" dirty="0" smtClean="0">
+              <a:rPr lang="en-US" altLang="zh-TW" dirty="0">
                 <a:ea typeface="新細明體" charset="-120"/>
               </a:rPr>
               <a:t>RAID level 5: RAID level 5 refers to </a:t>
             </a:r>
             <a:r>
-              <a:rPr lang="en-US" altLang="zh-TW" dirty="0" smtClean="0">
+              <a:rPr lang="en-US" altLang="zh-TW" dirty="0">
                 <a:solidFill>
                   <a:srgbClr val="FF0000"/>
                 </a:solidFill>
@@ -17810,7 +17746,7 @@
               <a:t>block-interleaved distributed parity, </a:t>
             </a:r>
             <a:r>
-              <a:rPr lang="en-US" altLang="zh-TW" dirty="0" smtClean="0">
+              <a:rPr lang="en-US" altLang="zh-TW" dirty="0">
                 <a:ea typeface="新細明體" charset="-120"/>
               </a:rPr>
               <a:t>differs from level 4 by spreading data and parity among all N+1 disks, rather than storing data in N disks and parity in one disk. </a:t>
@@ -17819,27 +17755,27 @@
           <a:p>
             <a:pPr lvl="1"/>
             <a:r>
-              <a:rPr lang="en-US" altLang="zh-TW" dirty="0" smtClean="0"/>
+              <a:rPr lang="en-US" altLang="zh-TW" dirty="0"/>
               <a:t>For each block, one of the disks stores the parity, and the others store data.</a:t>
             </a:r>
-            <a:endParaRPr lang="zh-TW" altLang="zh-TW" dirty="0" smtClean="0"/>
+            <a:endParaRPr lang="zh-TW" altLang="zh-TW" dirty="0"/>
           </a:p>
           <a:p>
             <a:pPr lvl="1"/>
             <a:r>
-              <a:rPr lang="en-US" altLang="zh-TW" dirty="0" smtClean="0"/>
+              <a:rPr lang="en-US" altLang="zh-TW" dirty="0"/>
               <a:t>With an array of five disks, the parity for the </a:t>
             </a:r>
             <a:r>
-              <a:rPr lang="en-US" altLang="zh-TW" i="1" dirty="0" smtClean="0"/>
+              <a:rPr lang="en-US" altLang="zh-TW" i="1" dirty="0"/>
               <a:t>n</a:t>
             </a:r>
             <a:r>
-              <a:rPr lang="en-US" altLang="zh-TW" dirty="0" smtClean="0"/>
+              <a:rPr lang="en-US" altLang="zh-TW" dirty="0"/>
               <a:t>th block is stored in disk </a:t>
             </a:r>
             <a:r>
-              <a:rPr lang="en-US" altLang="zh-TW" dirty="0" smtClean="0">
+              <a:rPr lang="en-US" altLang="zh-TW" dirty="0">
                 <a:solidFill>
                   <a:srgbClr val="FF0000"/>
                 </a:solidFill>
@@ -17847,7 +17783,7 @@
               <a:t>(</a:t>
             </a:r>
             <a:r>
-              <a:rPr lang="en-US" altLang="zh-TW" i="1" dirty="0" smtClean="0">
+              <a:rPr lang="en-US" altLang="zh-TW" i="1" dirty="0">
                 <a:solidFill>
                   <a:srgbClr val="FF0000"/>
                 </a:solidFill>
@@ -17855,7 +17791,7 @@
               <a:t>n</a:t>
             </a:r>
             <a:r>
-              <a:rPr lang="en-US" altLang="zh-TW" dirty="0" smtClean="0">
+              <a:rPr lang="en-US" altLang="zh-TW" dirty="0">
                 <a:solidFill>
                   <a:srgbClr val="FF0000"/>
                 </a:solidFill>
@@ -17863,22 +17799,22 @@
               <a:t> mod 5)+1</a:t>
             </a:r>
             <a:r>
-              <a:rPr lang="en-US" altLang="zh-TW" dirty="0" smtClean="0"/>
+              <a:rPr lang="en-US" altLang="zh-TW" dirty="0"/>
               <a:t>; the </a:t>
             </a:r>
             <a:r>
-              <a:rPr lang="en-US" altLang="zh-TW" i="1" dirty="0" smtClean="0"/>
+              <a:rPr lang="en-US" altLang="zh-TW" i="1" dirty="0"/>
               <a:t>n</a:t>
             </a:r>
             <a:r>
-              <a:rPr lang="en-US" altLang="zh-TW" dirty="0" smtClean="0"/>
+              <a:rPr lang="en-US" altLang="zh-TW" dirty="0"/>
               <a:t>th blocks of the other four disks store actual data for the block.</a:t>
             </a:r>
           </a:p>
           <a:p>
             <a:pPr lvl="1"/>
             <a:r>
-              <a:rPr lang="en-US" altLang="zh-TW" dirty="0" smtClean="0">
+              <a:rPr lang="en-US" altLang="zh-TW" dirty="0">
                 <a:solidFill>
                   <a:srgbClr val="FF0000"/>
                 </a:solidFill>
@@ -17886,15 +17822,15 @@
               <a:t>A parity block cannot store parity for the blocks in the same disk</a:t>
             </a:r>
             <a:r>
-              <a:rPr lang="en-US" altLang="zh-TW" dirty="0" smtClean="0"/>
+              <a:rPr lang="en-US" altLang="zh-TW" dirty="0"/>
               <a:t>.</a:t>
             </a:r>
-            <a:endParaRPr lang="en-US" altLang="zh-TW" dirty="0" smtClean="0">
+            <a:endParaRPr lang="en-US" altLang="zh-TW" dirty="0">
               <a:ea typeface="新細明體" charset="-120"/>
             </a:endParaRPr>
           </a:p>
           <a:p>
-            <a:endParaRPr lang="en-US" altLang="zh-TW" dirty="0" smtClean="0">
+            <a:endParaRPr lang="en-US" altLang="zh-TW" dirty="0">
               <a:ea typeface="新細明體" charset="-120"/>
             </a:endParaRPr>
           </a:p>
@@ -18169,13 +18105,13 @@
           <a:lstStyle/>
           <a:p>
             <a:r>
-              <a:rPr lang="en-US" altLang="zh-TW" sz="2400" dirty="0" smtClean="0">
+              <a:rPr lang="en-US" altLang="zh-TW" sz="2400" dirty="0">
                 <a:ea typeface="新細明體" charset="-120"/>
               </a:rPr>
               <a:t>RAID level 6, </a:t>
             </a:r>
             <a:r>
-              <a:rPr lang="en-US" altLang="zh-TW" sz="2400" b="1" dirty="0" smtClean="0">
+              <a:rPr lang="en-US" altLang="zh-TW" sz="2400" b="1" dirty="0">
                 <a:solidFill>
                   <a:srgbClr val="FF0000"/>
                 </a:solidFill>
@@ -18184,13 +18120,13 @@
               <a:t>P+Q redundancy scheme</a:t>
             </a:r>
             <a:r>
-              <a:rPr lang="en-US" altLang="zh-TW" sz="2400" dirty="0" smtClean="0">
+              <a:rPr lang="en-US" altLang="zh-TW" sz="2400" dirty="0">
                 <a:ea typeface="新細明體" charset="-120"/>
               </a:rPr>
               <a:t>, is much like RAID 5 but stores </a:t>
             </a:r>
             <a:r>
-              <a:rPr lang="en-US" altLang="zh-TW" sz="2400" dirty="0" smtClean="0">
+              <a:rPr lang="en-US" altLang="zh-TW" sz="2400" dirty="0">
                 <a:solidFill>
                   <a:srgbClr val="FF0000"/>
                 </a:solidFill>
@@ -18199,7 +18135,7 @@
               <a:t>extra redundant information </a:t>
             </a:r>
             <a:r>
-              <a:rPr lang="en-US" altLang="zh-TW" sz="2400" dirty="0" smtClean="0">
+              <a:rPr lang="en-US" altLang="zh-TW" sz="2400" dirty="0">
                 <a:ea typeface="新細明體" charset="-120"/>
               </a:rPr>
               <a:t>to guard against multiple disk failures.</a:t>
@@ -18208,13 +18144,13 @@
           <a:p>
             <a:pPr lvl="1"/>
             <a:r>
-              <a:rPr lang="en-US" altLang="zh-TW" dirty="0" smtClean="0">
+              <a:rPr lang="en-US" altLang="zh-TW" dirty="0">
                 <a:ea typeface="新細明體" charset="-120"/>
               </a:rPr>
               <a:t>Instead of parity, </a:t>
             </a:r>
             <a:r>
-              <a:rPr lang="en-US" altLang="zh-TW" b="1" dirty="0" smtClean="0">
+              <a:rPr lang="en-US" altLang="zh-TW" b="1" dirty="0">
                 <a:solidFill>
                   <a:srgbClr val="FF0000"/>
                 </a:solidFill>
@@ -18223,13 +18159,13 @@
               <a:t>error-correcting codes </a:t>
             </a:r>
             <a:r>
-              <a:rPr lang="en-US" altLang="zh-TW" dirty="0" smtClean="0">
+              <a:rPr lang="en-US" altLang="zh-TW" dirty="0">
                 <a:ea typeface="新細明體" charset="-120"/>
               </a:rPr>
               <a:t>such as </a:t>
             </a:r>
             <a:r>
-              <a:rPr lang="en-US" altLang="zh-TW" dirty="0" smtClean="0">
+              <a:rPr lang="en-US" altLang="zh-TW" dirty="0">
                 <a:solidFill>
                   <a:srgbClr val="FF0000"/>
                 </a:solidFill>
@@ -18238,13 +18174,13 @@
               <a:t>Reed-Solomon codes</a:t>
             </a:r>
             <a:r>
-              <a:rPr lang="en-US" altLang="zh-TW" dirty="0" smtClean="0">
+              <a:rPr lang="en-US" altLang="zh-TW" dirty="0">
                 <a:ea typeface="新細明體" charset="-120"/>
               </a:rPr>
               <a:t> are used. 2 bits of redundant data are stored for every 4 bits of data – compared with 1 parity bit in level 5 – and the system can </a:t>
             </a:r>
             <a:r>
-              <a:rPr lang="en-US" altLang="zh-TW" b="1" dirty="0" smtClean="0">
+              <a:rPr lang="en-US" altLang="zh-TW" b="1" dirty="0">
                 <a:solidFill>
                   <a:srgbClr val="FF0000"/>
                 </a:solidFill>
@@ -18253,7 +18189,7 @@
               <a:t>tolerate two disk failures</a:t>
             </a:r>
             <a:r>
-              <a:rPr lang="en-US" altLang="zh-TW" dirty="0" smtClean="0">
+              <a:rPr lang="en-US" altLang="zh-TW" dirty="0">
                 <a:ea typeface="新細明體" charset="-120"/>
               </a:rPr>
               <a:t>.</a:t>
@@ -18261,19 +18197,19 @@
           </a:p>
           <a:p>
             <a:pPr lvl="1"/>
-            <a:endParaRPr lang="en-US" altLang="zh-TW" dirty="0" smtClean="0">
+            <a:endParaRPr lang="en-US" altLang="zh-TW" dirty="0">
               <a:ea typeface="新細明體" charset="-120"/>
             </a:endParaRPr>
           </a:p>
           <a:p>
             <a:pPr lvl="1"/>
-            <a:endParaRPr lang="en-US" altLang="zh-TW" dirty="0" smtClean="0">
+            <a:endParaRPr lang="en-US" altLang="zh-TW" dirty="0">
               <a:ea typeface="新細明體" charset="-120"/>
             </a:endParaRPr>
           </a:p>
           <a:p>
             <a:pPr lvl="1"/>
-            <a:endParaRPr lang="en-US" altLang="zh-TW" dirty="0" smtClean="0">
+            <a:endParaRPr lang="en-US" altLang="zh-TW" dirty="0">
               <a:ea typeface="新細明體" charset="-120"/>
             </a:endParaRPr>
           </a:p>
@@ -18281,7 +18217,7 @@
             <a:pPr>
               <a:buNone/>
             </a:pPr>
-            <a:endParaRPr lang="zh-TW" altLang="en-US" sz="2400" dirty="0" smtClean="0">
+            <a:endParaRPr lang="zh-TW" altLang="en-US" sz="2400" dirty="0">
               <a:ea typeface="新細明體" charset="-120"/>
             </a:endParaRPr>
           </a:p>
@@ -18319,7 +18255,7 @@
               <a:defRPr/>
             </a:pPr>
             <a:r>
-              <a:rPr lang="en-US" altLang="zh-TW" sz="3600" b="1" dirty="0" smtClean="0">
+              <a:rPr lang="en-US" altLang="zh-TW" sz="3600" b="1" dirty="0">
                 <a:latin typeface="Candara" pitchFamily="34" charset="0"/>
                 <a:ea typeface="新細明體" charset="-120"/>
               </a:rPr>
@@ -18547,12 +18483,12 @@
           <a:p>
             <a:pPr eaLnBrk="1" hangingPunct="1"/>
             <a:r>
-              <a:rPr lang="en-US" altLang="zh-TW" smtClean="0">
+              <a:rPr lang="en-US" altLang="zh-TW">
                 <a:ea typeface="新細明體" charset="-120"/>
               </a:rPr>
               <a:t>RAID Levels</a:t>
             </a:r>
-            <a:endParaRPr lang="en-US" altLang="zh-TW" sz="2400" smtClean="0">
+            <a:endParaRPr lang="en-US" altLang="zh-TW" sz="2400">
               <a:ea typeface="新細明體" charset="-120"/>
             </a:endParaRPr>
           </a:p>
@@ -18595,13 +18531,6 @@
   <p:clrMapOvr>
     <a:masterClrMapping/>
   </p:clrMapOvr>
-  <p:timing>
-    <p:tnLst>
-      <p:par>
-        <p:cTn id="1" dur="indefinite" restart="never" nodeType="tmRoot"/>
-      </p:par>
-    </p:tnLst>
-  </p:timing>
 </p:sld>
 </file>
 
@@ -18643,13 +18572,13 @@
           <a:lstStyle/>
           <a:p>
             <a:r>
-              <a:rPr lang="en-US" altLang="zh-TW" sz="2400" dirty="0" smtClean="0">
+              <a:rPr lang="en-US" altLang="zh-TW" sz="2400" dirty="0">
                 <a:ea typeface="新細明體" charset="-120"/>
               </a:rPr>
               <a:t>RAID 0 provides the </a:t>
             </a:r>
             <a:r>
-              <a:rPr lang="en-US" altLang="zh-TW" sz="2400" b="1" dirty="0" smtClean="0">
+              <a:rPr lang="en-US" altLang="zh-TW" sz="2400" b="1" dirty="0">
                 <a:solidFill>
                   <a:srgbClr val="FF0000"/>
                 </a:solidFill>
@@ -18658,7 +18587,7 @@
               <a:t>performance</a:t>
             </a:r>
             <a:r>
-              <a:rPr lang="en-US" altLang="zh-TW" sz="2400" dirty="0" smtClean="0">
+              <a:rPr lang="en-US" altLang="zh-TW" sz="2400" dirty="0">
                 <a:ea typeface="新細明體" charset="-120"/>
               </a:rPr>
               <a:t>,</a:t>
@@ -18666,13 +18595,13 @@
           </a:p>
           <a:p>
             <a:r>
-              <a:rPr lang="en-US" altLang="zh-TW" sz="2400" dirty="0" smtClean="0">
+              <a:rPr lang="en-US" altLang="zh-TW" sz="2400" dirty="0">
                 <a:ea typeface="新細明體" charset="-120"/>
               </a:rPr>
               <a:t>RAID 1 provides the </a:t>
             </a:r>
             <a:r>
-              <a:rPr lang="en-US" altLang="zh-TW" sz="2400" b="1" dirty="0" smtClean="0">
+              <a:rPr lang="en-US" altLang="zh-TW" sz="2400" b="1" dirty="0">
                 <a:solidFill>
                   <a:srgbClr val="FF0000"/>
                 </a:solidFill>
@@ -18681,7 +18610,7 @@
               <a:t>reliability</a:t>
             </a:r>
             <a:r>
-              <a:rPr lang="en-US" altLang="zh-TW" sz="2400" dirty="0" smtClean="0">
+              <a:rPr lang="en-US" altLang="zh-TW" sz="2400" dirty="0">
                 <a:ea typeface="新細明體" charset="-120"/>
               </a:rPr>
               <a:t>.</a:t>
@@ -18689,7 +18618,7 @@
           </a:p>
           <a:p>
             <a:r>
-              <a:rPr lang="en-US" altLang="zh-TW" sz="2400" b="1" dirty="0" smtClean="0">
+              <a:rPr lang="en-US" altLang="zh-TW" sz="2400" b="1" dirty="0">
                 <a:solidFill>
                   <a:srgbClr val="FF0000"/>
                 </a:solidFill>
@@ -18698,7 +18627,7 @@
               <a:t>RAID 0 +1 </a:t>
             </a:r>
             <a:r>
-              <a:rPr lang="en-US" altLang="zh-TW" sz="2400" dirty="0" smtClean="0">
+              <a:rPr lang="en-US" altLang="zh-TW" sz="2400" dirty="0">
                 <a:ea typeface="新細明體" charset="-120"/>
               </a:rPr>
               <a:t>: A set of disks are striped, and then the stripe is mirrored to another, equivalent strip</a:t>
@@ -18706,7 +18635,7 @@
           </a:p>
           <a:p>
             <a:r>
-              <a:rPr lang="en-US" altLang="zh-TW" sz="2400" b="1" dirty="0" smtClean="0">
+              <a:rPr lang="en-US" altLang="zh-TW" sz="2400" b="1" dirty="0">
                 <a:solidFill>
                   <a:srgbClr val="FF0000"/>
                 </a:solidFill>
@@ -18715,7 +18644,7 @@
               <a:t>RAID 1+0</a:t>
             </a:r>
             <a:r>
-              <a:rPr lang="en-US" altLang="zh-TW" sz="2400" dirty="0" smtClean="0">
+              <a:rPr lang="en-US" altLang="zh-TW" sz="2400" dirty="0">
                 <a:ea typeface="新細明體" charset="-120"/>
               </a:rPr>
               <a:t>: Disks are mirrored in pairs and then the resulting mirrored pairs are striped. </a:t>
@@ -18723,7 +18652,7 @@
           </a:p>
           <a:p>
             <a:r>
-              <a:rPr lang="en-US" altLang="zh-TW" sz="2400" dirty="0" smtClean="0">
+              <a:rPr lang="en-US" altLang="zh-TW" sz="2400" dirty="0">
                 <a:ea typeface="新細明體" charset="-120"/>
               </a:rPr>
               <a:t>RAID 1+0 has some theoretical advantages over RAID 0+1.</a:t>
@@ -18731,12 +18660,12 @@
           </a:p>
           <a:p>
             <a:r>
-              <a:rPr lang="en-US" altLang="zh-TW" sz="2400" dirty="0" smtClean="0">
+              <a:rPr lang="en-US" altLang="zh-TW" sz="2400" dirty="0">
                 <a:ea typeface="新細明體" charset="-120"/>
               </a:rPr>
               <a:t>For example, if a single disk fails in RAID 0+1, an entire strip is inaccessible, leaving only the other strip available. With a failure in RAID 1+0, a single disk is unavailable, but the disk that mirrors it is still available, as are all the rest of the disks.</a:t>
             </a:r>
-            <a:endParaRPr lang="zh-TW" altLang="en-US" sz="2400" dirty="0" smtClean="0">
+            <a:endParaRPr lang="zh-TW" altLang="en-US" sz="2400" dirty="0">
               <a:ea typeface="新細明體" charset="-120"/>
             </a:endParaRPr>
           </a:p>
@@ -18774,7 +18703,7 @@
               <a:defRPr/>
             </a:pPr>
             <a:r>
-              <a:rPr lang="en-US" altLang="zh-TW" sz="3600" b="1" dirty="0" smtClean="0">
+              <a:rPr lang="en-US" altLang="zh-TW" sz="3600" b="1" dirty="0">
                 <a:latin typeface="Candara" pitchFamily="34" charset="0"/>
                 <a:ea typeface="新細明體" charset="-120"/>
               </a:rPr>
@@ -19237,7 +19166,7 @@
           <a:p>
             <a:pPr eaLnBrk="1" hangingPunct="1"/>
             <a:r>
-              <a:rPr lang="en-US" altLang="zh-TW" dirty="0" smtClean="0">
+              <a:rPr lang="en-US" altLang="zh-TW" dirty="0">
                 <a:ea typeface="新細明體" charset="-120"/>
               </a:rPr>
               <a:t>12.1 Overview of Mass Storage Structure</a:t>
@@ -19266,7 +19195,7 @@
           <a:lstStyle/>
           <a:p>
             <a:r>
-              <a:rPr lang="en-US" altLang="zh-TW" sz="2800" dirty="0" smtClean="0">
+              <a:rPr lang="en-US" altLang="zh-TW" sz="2800" dirty="0">
                 <a:ea typeface="新細明體" charset="-120"/>
               </a:rPr>
               <a:t>Magnetic disks provide bulk of secondary storage of modern computers</a:t>
@@ -19275,7 +19204,7 @@
           <a:p>
             <a:pPr lvl="1"/>
             <a:r>
-              <a:rPr lang="en-US" altLang="zh-TW" sz="2800" dirty="0" smtClean="0">
+              <a:rPr lang="en-US" altLang="zh-TW" sz="2800" dirty="0">
                 <a:ea typeface="新細明體" charset="-120"/>
               </a:rPr>
               <a:t>Drives rotate at 60 to 200 times per second</a:t>
@@ -19284,7 +19213,7 @@
           <a:p>
             <a:pPr lvl="1"/>
             <a:r>
-              <a:rPr lang="en-US" altLang="zh-TW" sz="2800" b="1" dirty="0" smtClean="0">
+              <a:rPr lang="en-US" altLang="zh-TW" sz="2800" b="1" dirty="0">
                 <a:solidFill>
                   <a:srgbClr val="FF0000"/>
                 </a:solidFill>
@@ -19293,7 +19222,7 @@
               <a:t>Transfer rate</a:t>
             </a:r>
             <a:r>
-              <a:rPr lang="en-US" altLang="zh-TW" sz="2800" dirty="0" smtClean="0">
+              <a:rPr lang="en-US" altLang="zh-TW" sz="2800" dirty="0">
                 <a:ea typeface="新細明體" charset="-120"/>
               </a:rPr>
               <a:t> is rate at which data flow between drive and computer</a:t>
@@ -19302,7 +19231,7 @@
           <a:p>
             <a:pPr lvl="1"/>
             <a:r>
-              <a:rPr lang="en-US" altLang="zh-TW" sz="2800" b="1" dirty="0" smtClean="0">
+              <a:rPr lang="en-US" altLang="zh-TW" sz="2800" b="1" dirty="0">
                 <a:solidFill>
                   <a:srgbClr val="FF0000"/>
                 </a:solidFill>
@@ -19311,7 +19240,7 @@
               <a:t>Positioning time</a:t>
             </a:r>
             <a:r>
-              <a:rPr lang="en-US" altLang="zh-TW" sz="2800" dirty="0" smtClean="0">
+              <a:rPr lang="en-US" altLang="zh-TW" sz="2800" dirty="0">
                 <a:solidFill>
                   <a:srgbClr val="FF0000"/>
                 </a:solidFill>
@@ -19320,7 +19249,7 @@
               <a:t> (</a:t>
             </a:r>
             <a:r>
-              <a:rPr lang="en-US" altLang="zh-TW" sz="2800" b="1" dirty="0" smtClean="0">
+              <a:rPr lang="en-US" altLang="zh-TW" sz="2800" b="1" dirty="0">
                 <a:solidFill>
                   <a:srgbClr val="FF0000"/>
                 </a:solidFill>
@@ -19329,7 +19258,7 @@
               <a:t>random-access time</a:t>
             </a:r>
             <a:r>
-              <a:rPr lang="en-US" altLang="zh-TW" sz="2800" dirty="0" smtClean="0">
+              <a:rPr lang="en-US" altLang="zh-TW" sz="2800" dirty="0">
                 <a:solidFill>
                   <a:srgbClr val="FF0000"/>
                 </a:solidFill>
@@ -19338,13 +19267,13 @@
               <a:t>) </a:t>
             </a:r>
             <a:r>
-              <a:rPr lang="en-US" altLang="zh-TW" sz="2800" dirty="0" smtClean="0">
+              <a:rPr lang="en-US" altLang="zh-TW" sz="2800" dirty="0">
                 <a:ea typeface="新細明體" charset="-120"/>
               </a:rPr>
               <a:t>is time to move disk arm to desired cylinder (</a:t>
             </a:r>
             <a:r>
-              <a:rPr lang="en-US" altLang="zh-TW" sz="2800" b="1" dirty="0" smtClean="0">
+              <a:rPr lang="en-US" altLang="zh-TW" sz="2800" b="1" dirty="0">
                 <a:solidFill>
                   <a:srgbClr val="FF0000"/>
                 </a:solidFill>
@@ -19353,13 +19282,13 @@
               <a:t>seek time</a:t>
             </a:r>
             <a:r>
-              <a:rPr lang="en-US" altLang="zh-TW" sz="2800" dirty="0" smtClean="0">
+              <a:rPr lang="en-US" altLang="zh-TW" sz="2800" dirty="0">
                 <a:ea typeface="新細明體" charset="-120"/>
               </a:rPr>
               <a:t>) and time for desired sector to rotate under the disk head (</a:t>
             </a:r>
             <a:r>
-              <a:rPr lang="en-US" altLang="zh-TW" sz="2800" b="1" dirty="0" smtClean="0">
+              <a:rPr lang="en-US" altLang="zh-TW" sz="2800" b="1" dirty="0">
                 <a:solidFill>
                   <a:srgbClr val="FF0000"/>
                 </a:solidFill>
@@ -19368,7 +19297,7 @@
               <a:t>rotational latency</a:t>
             </a:r>
             <a:r>
-              <a:rPr lang="en-US" altLang="zh-TW" sz="2800" dirty="0" smtClean="0">
+              <a:rPr lang="en-US" altLang="zh-TW" sz="2800" dirty="0">
                 <a:ea typeface="新細明體" charset="-120"/>
               </a:rPr>
               <a:t>)</a:t>
@@ -19377,7 +19306,7 @@
           <a:p>
             <a:pPr lvl="1"/>
             <a:r>
-              <a:rPr lang="en-US" altLang="zh-TW" sz="2800" b="1" dirty="0" smtClean="0">
+              <a:rPr lang="en-US" altLang="zh-TW" sz="2800" b="1" dirty="0">
                 <a:solidFill>
                   <a:srgbClr val="FF0000"/>
                 </a:solidFill>
@@ -19386,7 +19315,7 @@
               <a:t>Head crash</a:t>
             </a:r>
             <a:r>
-              <a:rPr lang="en-US" altLang="zh-TW" sz="2800" dirty="0" smtClean="0">
+              <a:rPr lang="en-US" altLang="zh-TW" sz="2800" dirty="0">
                 <a:solidFill>
                   <a:srgbClr val="FF0000"/>
                 </a:solidFill>
@@ -19395,33 +19324,33 @@
               <a:t> </a:t>
             </a:r>
             <a:r>
-              <a:rPr lang="en-US" altLang="zh-TW" sz="2800" dirty="0" smtClean="0">
+              <a:rPr lang="en-US" altLang="zh-TW" sz="2800" dirty="0">
                 <a:ea typeface="新細明體" charset="-120"/>
               </a:rPr>
               <a:t>results from disk head making contact with the disk surface</a:t>
             </a:r>
             <a:r>
-              <a:rPr lang="zh-TW" altLang="en-US" sz="2800" dirty="0" smtClean="0">
+              <a:rPr lang="zh-TW" altLang="en-US" sz="2800" dirty="0">
                 <a:ea typeface="新細明體" charset="-120"/>
               </a:rPr>
               <a:t> </a:t>
             </a:r>
             <a:r>
-              <a:rPr lang="en-US" altLang="zh-TW" sz="2800" dirty="0" smtClean="0">
+              <a:rPr lang="en-US" altLang="zh-TW" sz="2800" dirty="0">
                 <a:ea typeface="新細明體" charset="-120"/>
                 <a:sym typeface="Wingdings" pitchFamily="2" charset="2"/>
               </a:rPr>
               <a:t> </a:t>
             </a:r>
             <a:r>
-              <a:rPr lang="en-US" altLang="zh-TW" sz="2800" dirty="0" smtClean="0">
+              <a:rPr lang="en-US" altLang="zh-TW" sz="2800" dirty="0">
                 <a:ea typeface="新細明體" charset="-120"/>
               </a:rPr>
               <a:t>That’s bad</a:t>
             </a:r>
           </a:p>
           <a:p>
-            <a:endParaRPr lang="en-US" altLang="zh-TW" sz="2800" dirty="0" smtClean="0">
+            <a:endParaRPr lang="en-US" altLang="zh-TW" sz="2800" dirty="0">
               <a:ea typeface="新細明體" charset="-120"/>
             </a:endParaRPr>
           </a:p>
@@ -19743,12 +19672,12 @@
           <a:p>
             <a:pPr eaLnBrk="1" hangingPunct="1"/>
             <a:r>
-              <a:rPr lang="en-US" altLang="zh-TW" smtClean="0">
+              <a:rPr lang="en-US" altLang="zh-TW">
                 <a:ea typeface="新細明體" charset="-120"/>
               </a:rPr>
               <a:t>RAID (0 + 1) and (1 + 0)</a:t>
             </a:r>
-            <a:endParaRPr lang="en-US" altLang="zh-TW" sz="2400" smtClean="0">
+            <a:endParaRPr lang="en-US" altLang="zh-TW" sz="2400">
               <a:ea typeface="新細明體" charset="-120"/>
             </a:endParaRPr>
           </a:p>
@@ -20258,7 +20187,7 @@
           <a:p>
             <a:pPr eaLnBrk="1" hangingPunct="1"/>
             <a:r>
-              <a:rPr lang="en-US" altLang="zh-TW" dirty="0" smtClean="0">
+              <a:rPr lang="en-US" altLang="zh-TW" dirty="0">
                 <a:ea typeface="新細明體" charset="-120"/>
               </a:rPr>
               <a:t>12.8 Stable-Storage Implementation</a:t>
@@ -20287,13 +20216,13 @@
           <a:lstStyle/>
           <a:p>
             <a:r>
-              <a:rPr lang="en-US" altLang="zh-TW" sz="2400" dirty="0" smtClean="0">
+              <a:rPr lang="en-US" altLang="zh-TW" sz="2400" dirty="0">
                 <a:ea typeface="新細明體" charset="-120"/>
               </a:rPr>
               <a:t>Write-ahead log scheme requires </a:t>
             </a:r>
             <a:r>
-              <a:rPr lang="en-US" altLang="zh-TW" sz="2400" b="1" dirty="0" smtClean="0">
+              <a:rPr lang="en-US" altLang="zh-TW" sz="2400" b="1" dirty="0">
                 <a:solidFill>
                   <a:srgbClr val="FF0000"/>
                 </a:solidFill>
@@ -20302,7 +20231,7 @@
               <a:t>stable storage</a:t>
             </a:r>
             <a:r>
-              <a:rPr lang="en-US" altLang="zh-TW" sz="2400" dirty="0" smtClean="0">
+              <a:rPr lang="en-US" altLang="zh-TW" sz="2400" dirty="0">
                 <a:ea typeface="新細明體" charset="-120"/>
               </a:rPr>
               <a:t>.</a:t>
@@ -20310,7 +20239,7 @@
           </a:p>
           <a:p>
             <a:r>
-              <a:rPr lang="en-US" altLang="zh-TW" sz="2400" dirty="0" smtClean="0">
+              <a:rPr lang="en-US" altLang="zh-TW" sz="2400" dirty="0">
                 <a:ea typeface="新細明體" charset="-120"/>
               </a:rPr>
               <a:t>To implement stable storage:</a:t>
@@ -20319,7 +20248,7 @@
           <a:p>
             <a:pPr lvl="1"/>
             <a:r>
-              <a:rPr lang="en-US" altLang="zh-TW" sz="2400" b="1" dirty="0" smtClean="0">
+              <a:rPr lang="en-US" altLang="zh-TW" sz="2400" b="1" dirty="0">
                 <a:solidFill>
                   <a:srgbClr val="FF0000"/>
                 </a:solidFill>
@@ -20328,7 +20257,7 @@
               <a:t>Replicate information </a:t>
             </a:r>
             <a:r>
-              <a:rPr lang="en-US" altLang="zh-TW" sz="2400" dirty="0" smtClean="0">
+              <a:rPr lang="en-US" altLang="zh-TW" sz="2400" dirty="0">
                 <a:ea typeface="新細明體" charset="-120"/>
               </a:rPr>
               <a:t>on more than one nonvolatile storage media with independent failure modes.</a:t>
@@ -20337,13 +20266,13 @@
           <a:p>
             <a:pPr lvl="1"/>
             <a:r>
-              <a:rPr lang="en-US" altLang="zh-TW" sz="2400" dirty="0" smtClean="0">
+              <a:rPr lang="en-US" altLang="zh-TW" sz="2400" dirty="0">
                 <a:ea typeface="新細明體" charset="-120"/>
               </a:rPr>
               <a:t>Update information in a </a:t>
             </a:r>
             <a:r>
-              <a:rPr lang="en-US" altLang="zh-TW" sz="2400" b="1" dirty="0" smtClean="0">
+              <a:rPr lang="en-US" altLang="zh-TW" sz="2400" b="1" dirty="0">
                 <a:solidFill>
                   <a:srgbClr val="FF0000"/>
                 </a:solidFill>
@@ -20352,7 +20281,7 @@
               <a:t>controlled manner </a:t>
             </a:r>
             <a:r>
-              <a:rPr lang="en-US" altLang="zh-TW" sz="2400" dirty="0" smtClean="0">
+              <a:rPr lang="en-US" altLang="zh-TW" sz="2400" dirty="0">
                 <a:ea typeface="新細明體" charset="-120"/>
               </a:rPr>
               <a:t>to ensure that we can recover the stable data after any failure during data transfer or recovery.</a:t>
@@ -20643,7 +20572,7 @@
           <a:p>
             <a:pPr eaLnBrk="1" hangingPunct="1"/>
             <a:r>
-              <a:rPr lang="en-US" altLang="zh-TW" dirty="0" smtClean="0">
+              <a:rPr lang="en-US" altLang="zh-TW" dirty="0">
                 <a:ea typeface="新細明體" charset="-120"/>
               </a:rPr>
               <a:t>12.9 Tertiary Storage Structure</a:t>
@@ -20672,7 +20601,7 @@
           <a:lstStyle/>
           <a:p>
             <a:r>
-              <a:rPr lang="en-US" altLang="zh-TW" sz="2400" b="1" dirty="0" smtClean="0">
+              <a:rPr lang="en-US" altLang="zh-TW" sz="2400" b="1" dirty="0">
                 <a:solidFill>
                   <a:srgbClr val="FF0000"/>
                 </a:solidFill>
@@ -20681,7 +20610,7 @@
               <a:t>Low cost </a:t>
             </a:r>
             <a:r>
-              <a:rPr lang="en-US" altLang="zh-TW" sz="2400" dirty="0" smtClean="0">
+              <a:rPr lang="en-US" altLang="zh-TW" sz="2400" dirty="0">
                 <a:ea typeface="新細明體" charset="-120"/>
               </a:rPr>
               <a:t>is the defining characteristic of tertiary storage.</a:t>
@@ -20689,13 +20618,13 @@
           </a:p>
           <a:p>
             <a:r>
-              <a:rPr lang="en-US" altLang="zh-TW" sz="2400" dirty="0" smtClean="0">
+              <a:rPr lang="en-US" altLang="zh-TW" sz="2400" dirty="0">
                 <a:ea typeface="新細明體" charset="-120"/>
               </a:rPr>
               <a:t>Generally, tertiary storage is built using </a:t>
             </a:r>
             <a:r>
-              <a:rPr lang="en-US" altLang="zh-TW" sz="2400" b="1" i="1" dirty="0" smtClean="0">
+              <a:rPr lang="en-US" altLang="zh-TW" sz="2400" b="1" i="1" dirty="0">
                 <a:solidFill>
                   <a:srgbClr val="FF0000"/>
                 </a:solidFill>
@@ -20703,7 +20632,7 @@
               </a:rPr>
               <a:t>removable media</a:t>
             </a:r>
-            <a:endParaRPr lang="en-US" altLang="zh-TW" sz="2400" b="1" dirty="0" smtClean="0">
+            <a:endParaRPr lang="en-US" altLang="zh-TW" sz="2400" b="1" dirty="0">
               <a:solidFill>
                 <a:srgbClr val="FF0000"/>
               </a:solidFill>
@@ -20712,7 +20641,7 @@
           </a:p>
           <a:p>
             <a:r>
-              <a:rPr lang="en-US" altLang="zh-TW" sz="2400" dirty="0" smtClean="0">
+              <a:rPr lang="en-US" altLang="zh-TW" sz="2400" dirty="0">
                 <a:ea typeface="新細明體" charset="-120"/>
               </a:rPr>
               <a:t>Common examples of removable media are floppy disks and CD-ROMs; other types are available.</a:t>
@@ -20978,7 +20907,7 @@
           <a:p>
             <a:pPr eaLnBrk="1" hangingPunct="1"/>
             <a:r>
-              <a:rPr lang="en-US" altLang="zh-TW" smtClean="0">
+              <a:rPr lang="en-US" altLang="zh-TW">
                 <a:ea typeface="新細明體" charset="-120"/>
               </a:rPr>
               <a:t>Removable Disks</a:t>
@@ -21007,7 +20936,7 @@
           <a:lstStyle/>
           <a:p>
             <a:r>
-              <a:rPr lang="en-US" altLang="zh-TW" sz="2400" b="1" dirty="0" smtClean="0">
+              <a:rPr lang="en-US" altLang="zh-TW" sz="2400" b="1" dirty="0">
                 <a:solidFill>
                   <a:srgbClr val="FF0000"/>
                 </a:solidFill>
@@ -21016,7 +20945,7 @@
               <a:t>Floppy disk </a:t>
             </a:r>
             <a:r>
-              <a:rPr lang="en-US" altLang="zh-TW" sz="2400" dirty="0" smtClean="0">
+              <a:rPr lang="en-US" altLang="zh-TW" sz="2400" dirty="0">
                 <a:ea typeface="新細明體" charset="-120"/>
               </a:rPr>
               <a:t>— thin flexible disk coated with magnetic material, enclosed in a protective plastic case.</a:t>
@@ -21025,7 +20954,7 @@
           <a:p>
             <a:pPr lvl="1"/>
             <a:r>
-              <a:rPr lang="en-US" altLang="zh-TW" sz="2400" dirty="0" smtClean="0">
+              <a:rPr lang="en-US" altLang="zh-TW" sz="2400" dirty="0">
                 <a:ea typeface="新細明體" charset="-120"/>
               </a:rPr>
               <a:t>Most floppies hold about 1 MB; similar technology is used for removable disks that hold more than 1 GB.</a:t>
@@ -21034,7 +20963,7 @@
           <a:p>
             <a:pPr lvl="1"/>
             <a:r>
-              <a:rPr lang="en-US" altLang="zh-TW" sz="2400" dirty="0" smtClean="0">
+              <a:rPr lang="en-US" altLang="zh-TW" sz="2400" dirty="0">
                 <a:ea typeface="新細明體" charset="-120"/>
               </a:rPr>
               <a:t>Removable magnetic disks can be nearly as fast as hard disks, but they are at a greater risk of damage from exposure.</a:t>
@@ -21264,7 +21193,7 @@
           <a:p>
             <a:pPr eaLnBrk="1" hangingPunct="1"/>
             <a:r>
-              <a:rPr lang="en-US" altLang="zh-TW" smtClean="0">
+              <a:rPr lang="en-US" altLang="zh-TW">
                 <a:ea typeface="新細明體" charset="-120"/>
               </a:rPr>
               <a:t>Removable Disks (Cont.)</a:t>
@@ -21293,13 +21222,13 @@
           <a:lstStyle/>
           <a:p>
             <a:r>
-              <a:rPr lang="en-US" altLang="zh-TW" sz="2400" dirty="0" smtClean="0">
+              <a:rPr lang="en-US" altLang="zh-TW" sz="2400" dirty="0">
                 <a:ea typeface="新細明體" charset="-120"/>
               </a:rPr>
               <a:t>A </a:t>
             </a:r>
             <a:r>
-              <a:rPr lang="en-US" altLang="zh-TW" sz="2400" b="1" dirty="0" smtClean="0">
+              <a:rPr lang="en-US" altLang="zh-TW" sz="2400" b="1" dirty="0">
                 <a:solidFill>
                   <a:srgbClr val="FF0000"/>
                 </a:solidFill>
@@ -21308,7 +21237,7 @@
               <a:t>magneto-optic disk </a:t>
             </a:r>
             <a:r>
-              <a:rPr lang="en-US" altLang="zh-TW" sz="2400" dirty="0" smtClean="0">
+              <a:rPr lang="en-US" altLang="zh-TW" sz="2400" dirty="0">
                 <a:ea typeface="新細明體" charset="-120"/>
               </a:rPr>
               <a:t>records data on a rigid platter coated with magnetic material.</a:t>
@@ -21317,7 +21246,7 @@
           <a:p>
             <a:pPr lvl="1"/>
             <a:r>
-              <a:rPr lang="en-US" altLang="zh-TW" sz="2400" b="1" dirty="0" smtClean="0">
+              <a:rPr lang="en-US" altLang="zh-TW" sz="2400" b="1" dirty="0">
                 <a:solidFill>
                   <a:srgbClr val="FF0000"/>
                 </a:solidFill>
@@ -21326,7 +21255,7 @@
               <a:t>Laser heat </a:t>
             </a:r>
             <a:r>
-              <a:rPr lang="en-US" altLang="zh-TW" sz="2400" dirty="0" smtClean="0">
+              <a:rPr lang="en-US" altLang="zh-TW" sz="2400" dirty="0">
                 <a:ea typeface="新細明體" charset="-120"/>
               </a:rPr>
               <a:t>is used to amplify a large, weak magnetic field to record a bit.</a:t>
@@ -21335,7 +21264,7 @@
           <a:p>
             <a:pPr lvl="1"/>
             <a:r>
-              <a:rPr lang="en-US" altLang="zh-TW" sz="2400" b="1" dirty="0" smtClean="0">
+              <a:rPr lang="en-US" altLang="zh-TW" sz="2400" b="1" dirty="0">
                 <a:solidFill>
                   <a:srgbClr val="FF0000"/>
                 </a:solidFill>
@@ -21344,7 +21273,7 @@
               <a:t>Laser light </a:t>
             </a:r>
             <a:r>
-              <a:rPr lang="en-US" altLang="zh-TW" sz="2400" dirty="0" smtClean="0">
+              <a:rPr lang="en-US" altLang="zh-TW" sz="2400" dirty="0">
                 <a:ea typeface="新細明體" charset="-120"/>
               </a:rPr>
               <a:t>is also used to read data (Kerr effect).</a:t>
@@ -21353,7 +21282,7 @@
           <a:p>
             <a:pPr lvl="1"/>
             <a:r>
-              <a:rPr lang="en-US" altLang="zh-TW" sz="2400" dirty="0" smtClean="0">
+              <a:rPr lang="en-US" altLang="zh-TW" sz="2400" dirty="0">
                 <a:ea typeface="新細明體" charset="-120"/>
               </a:rPr>
               <a:t>The magneto-optic head flies much farther from the disk surface than a magnetic disk head, and the magnetic material is covered with a protective layer of plastic or glass; resistant to head crashes.</a:t>
@@ -21361,7 +21290,7 @@
           </a:p>
           <a:p>
             <a:r>
-              <a:rPr lang="en-US" altLang="zh-TW" sz="2400" dirty="0" smtClean="0">
+              <a:rPr lang="en-US" altLang="zh-TW" sz="2400" dirty="0">
                 <a:solidFill>
                   <a:srgbClr val="FF0000"/>
                 </a:solidFill>
@@ -21370,7 +21299,7 @@
               <a:t>Optical disks </a:t>
             </a:r>
             <a:r>
-              <a:rPr lang="en-US" altLang="zh-TW" sz="2400" dirty="0" smtClean="0">
+              <a:rPr lang="en-US" altLang="zh-TW" sz="2400" dirty="0">
                 <a:ea typeface="新細明體" charset="-120"/>
               </a:rPr>
               <a:t>do not use magnetism; they employ special materials that are altered by laser light.</a:t>
@@ -21704,7 +21633,7 @@
           <a:p>
             <a:pPr eaLnBrk="1" hangingPunct="1"/>
             <a:r>
-              <a:rPr lang="en-US" altLang="zh-TW" smtClean="0">
+              <a:rPr lang="en-US" altLang="zh-TW">
                 <a:ea typeface="新細明體" charset="-120"/>
               </a:rPr>
               <a:t>WORM Disks</a:t>
@@ -21733,7 +21662,7 @@
           <a:lstStyle/>
           <a:p>
             <a:r>
-              <a:rPr lang="en-US" altLang="zh-TW" sz="2400" dirty="0" smtClean="0">
+              <a:rPr lang="en-US" altLang="zh-TW" sz="2400" dirty="0">
                 <a:ea typeface="新細明體" charset="-120"/>
               </a:rPr>
               <a:t>The data on read-write disks can be modified over and over.</a:t>
@@ -21741,7 +21670,7 @@
           </a:p>
           <a:p>
             <a:r>
-              <a:rPr lang="en-US" altLang="zh-TW" sz="2400" b="1" dirty="0" smtClean="0">
+              <a:rPr lang="en-US" altLang="zh-TW" sz="2400" b="1" dirty="0">
                 <a:solidFill>
                   <a:srgbClr val="FF0000"/>
                 </a:solidFill>
@@ -21750,7 +21679,7 @@
               <a:t>WORM (“Write Once, Read Many Times”) </a:t>
             </a:r>
             <a:r>
-              <a:rPr lang="en-US" altLang="zh-TW" sz="2400" dirty="0" smtClean="0">
+              <a:rPr lang="en-US" altLang="zh-TW" sz="2400" dirty="0">
                 <a:ea typeface="新細明體" charset="-120"/>
               </a:rPr>
               <a:t>disks can be written only once.</a:t>
@@ -21758,7 +21687,7 @@
           </a:p>
           <a:p>
             <a:r>
-              <a:rPr lang="en-US" altLang="zh-TW" sz="2400" dirty="0" smtClean="0">
+              <a:rPr lang="en-US" altLang="zh-TW" sz="2400" dirty="0">
                 <a:ea typeface="新細明體" charset="-120"/>
               </a:rPr>
               <a:t>Thin aluminum film sandwiched between two glass or plastic platters.</a:t>
@@ -21766,13 +21695,13 @@
           </a:p>
           <a:p>
             <a:r>
-              <a:rPr lang="en-US" altLang="zh-TW" sz="2400" dirty="0" smtClean="0">
+              <a:rPr lang="en-US" altLang="zh-TW" sz="2400" dirty="0">
                 <a:ea typeface="新細明體" charset="-120"/>
               </a:rPr>
               <a:t>To write a bit, the drive uses a </a:t>
             </a:r>
             <a:r>
-              <a:rPr lang="en-US" altLang="zh-TW" sz="2400" b="1" dirty="0" smtClean="0">
+              <a:rPr lang="en-US" altLang="zh-TW" sz="2400" b="1" dirty="0">
                 <a:solidFill>
                   <a:srgbClr val="FF0000"/>
                 </a:solidFill>
@@ -21781,7 +21710,7 @@
               <a:t>laser light to burn a small hole</a:t>
             </a:r>
             <a:r>
-              <a:rPr lang="en-US" altLang="zh-TW" sz="2400" dirty="0" smtClean="0">
+              <a:rPr lang="en-US" altLang="zh-TW" sz="2400" dirty="0">
                 <a:ea typeface="新細明體" charset="-120"/>
               </a:rPr>
               <a:t> through the aluminum; information can be destroyed by not altered.</a:t>
@@ -21789,7 +21718,7 @@
           </a:p>
           <a:p>
             <a:r>
-              <a:rPr lang="en-US" altLang="zh-TW" sz="2400" dirty="0" smtClean="0">
+              <a:rPr lang="en-US" altLang="zh-TW" sz="2400" dirty="0">
                 <a:ea typeface="新細明體" charset="-120"/>
               </a:rPr>
               <a:t>Very durable and reliable.</a:t>
@@ -21797,13 +21726,13 @@
           </a:p>
           <a:p>
             <a:r>
-              <a:rPr lang="en-US" altLang="zh-TW" sz="2400" i="1" dirty="0" smtClean="0">
+              <a:rPr lang="en-US" altLang="zh-TW" sz="2400" i="1" dirty="0">
                 <a:ea typeface="新細明體" charset="-120"/>
               </a:rPr>
               <a:t>Read Only</a:t>
             </a:r>
             <a:r>
-              <a:rPr lang="en-US" altLang="zh-TW" sz="2400" dirty="0" smtClean="0">
+              <a:rPr lang="en-US" altLang="zh-TW" sz="2400" dirty="0">
                 <a:ea typeface="新細明體" charset="-120"/>
               </a:rPr>
               <a:t> disks, such as CD-ROM and DVD, come from the factory with the data pre-recorded.</a:t>
@@ -22191,7 +22120,7 @@
           <a:p>
             <a:pPr eaLnBrk="1" hangingPunct="1"/>
             <a:r>
-              <a:rPr lang="en-US" altLang="zh-TW" smtClean="0">
+              <a:rPr lang="en-US" altLang="zh-TW">
                 <a:ea typeface="新細明體" charset="-120"/>
               </a:rPr>
               <a:t>Tapes</a:t>
@@ -22220,13 +22149,13 @@
           <a:lstStyle/>
           <a:p>
             <a:r>
-              <a:rPr lang="en-US" altLang="zh-TW" sz="2400" dirty="0" smtClean="0">
+              <a:rPr lang="en-US" altLang="zh-TW" sz="2400" dirty="0">
                 <a:ea typeface="新細明體" charset="-120"/>
               </a:rPr>
               <a:t>Compared to a disk, a tape is less expensive and holds more data, but </a:t>
             </a:r>
             <a:r>
-              <a:rPr lang="en-US" altLang="zh-TW" sz="2400" dirty="0" smtClean="0">
+              <a:rPr lang="en-US" altLang="zh-TW" sz="2400" dirty="0">
                 <a:solidFill>
                   <a:srgbClr val="FF0000"/>
                 </a:solidFill>
@@ -22235,7 +22164,7 @@
               <a:t>random access is much slower</a:t>
             </a:r>
             <a:r>
-              <a:rPr lang="en-US" altLang="zh-TW" sz="2400" dirty="0" smtClean="0">
+              <a:rPr lang="en-US" altLang="zh-TW" sz="2400" dirty="0">
                 <a:ea typeface="新細明體" charset="-120"/>
               </a:rPr>
               <a:t>.</a:t>
@@ -22243,13 +22172,13 @@
           </a:p>
           <a:p>
             <a:r>
-              <a:rPr lang="en-US" altLang="zh-TW" sz="2400" dirty="0" smtClean="0">
+              <a:rPr lang="en-US" altLang="zh-TW" sz="2400" dirty="0">
                 <a:ea typeface="新細明體" charset="-120"/>
               </a:rPr>
               <a:t>Tape is an economical medium for purposes that</a:t>
             </a:r>
             <a:r>
-              <a:rPr lang="en-US" altLang="zh-TW" sz="2400" dirty="0" smtClean="0">
+              <a:rPr lang="en-US" altLang="zh-TW" sz="2400" dirty="0">
                 <a:solidFill>
                   <a:srgbClr val="FF0000"/>
                 </a:solidFill>
@@ -22258,7 +22187,7 @@
               <a:t> do not require fast random access</a:t>
             </a:r>
             <a:r>
-              <a:rPr lang="en-US" altLang="zh-TW" sz="2400" dirty="0" smtClean="0">
+              <a:rPr lang="en-US" altLang="zh-TW" sz="2400" dirty="0">
                 <a:ea typeface="新細明體" charset="-120"/>
               </a:rPr>
               <a:t>, e.g., backup copies of disk data, holding huge volumes of data.</a:t>
@@ -22266,7 +22195,7 @@
           </a:p>
           <a:p>
             <a:r>
-              <a:rPr lang="en-US" altLang="zh-TW" sz="2400" dirty="0" smtClean="0">
+              <a:rPr lang="en-US" altLang="zh-TW" sz="2400" dirty="0">
                 <a:ea typeface="新細明體" charset="-120"/>
               </a:rPr>
               <a:t>Large tape installations typically use robotic tape changers that move tapes between tape drives and storage slots in a tape library.</a:t>
@@ -22275,7 +22204,7 @@
           <a:p>
             <a:pPr lvl="1"/>
             <a:r>
-              <a:rPr lang="en-US" altLang="zh-TW" sz="2400" dirty="0" smtClean="0">
+              <a:rPr lang="en-US" altLang="zh-TW" sz="2400" dirty="0">
                 <a:solidFill>
                   <a:srgbClr val="FF0000"/>
                 </a:solidFill>
@@ -22284,7 +22213,7 @@
               <a:t>stacker </a:t>
             </a:r>
             <a:r>
-              <a:rPr lang="en-US" altLang="zh-TW" sz="2400" dirty="0" smtClean="0">
+              <a:rPr lang="en-US" altLang="zh-TW" sz="2400" dirty="0">
                 <a:ea typeface="新細明體" charset="-120"/>
               </a:rPr>
               <a:t>– library that holds a few tapes</a:t>
@@ -22293,7 +22222,7 @@
           <a:p>
             <a:pPr lvl="1"/>
             <a:r>
-              <a:rPr lang="en-US" altLang="zh-TW" sz="2400" dirty="0" smtClean="0">
+              <a:rPr lang="en-US" altLang="zh-TW" sz="2400" dirty="0">
                 <a:solidFill>
                   <a:srgbClr val="FF0000"/>
                 </a:solidFill>
@@ -22302,7 +22231,7 @@
               <a:t>silo</a:t>
             </a:r>
             <a:r>
-              <a:rPr lang="en-US" altLang="zh-TW" sz="2400" dirty="0" smtClean="0">
+              <a:rPr lang="en-US" altLang="zh-TW" sz="2400" dirty="0">
                 <a:ea typeface="新細明體" charset="-120"/>
               </a:rPr>
               <a:t> – library that holds thousands of tapes </a:t>
@@ -22310,31 +22239,31 @@
           </a:p>
           <a:p>
             <a:r>
-              <a:rPr lang="en-US" altLang="zh-TW" sz="2400" dirty="0" smtClean="0">
+              <a:rPr lang="en-US" altLang="zh-TW" sz="2400" dirty="0">
                 <a:ea typeface="新細明體" charset="-120"/>
               </a:rPr>
               <a:t>A disk-resident file can be </a:t>
             </a:r>
             <a:r>
-              <a:rPr lang="en-US" altLang="zh-TW" sz="2400" i="1" dirty="0" smtClean="0">
+              <a:rPr lang="en-US" altLang="zh-TW" sz="2400" i="1" dirty="0">
                 <a:ea typeface="新細明體" charset="-120"/>
               </a:rPr>
               <a:t>archived</a:t>
             </a:r>
             <a:r>
-              <a:rPr lang="en-US" altLang="zh-TW" sz="2400" dirty="0" smtClean="0">
+              <a:rPr lang="en-US" altLang="zh-TW" sz="2400" dirty="0">
                 <a:ea typeface="新細明體" charset="-120"/>
               </a:rPr>
               <a:t> to tape for low cost storage; the computer can </a:t>
             </a:r>
             <a:r>
-              <a:rPr lang="en-US" altLang="zh-TW" sz="2400" i="1" dirty="0" smtClean="0">
+              <a:rPr lang="en-US" altLang="zh-TW" sz="2400" i="1" dirty="0">
                 <a:ea typeface="新細明體" charset="-120"/>
               </a:rPr>
               <a:t>stage</a:t>
             </a:r>
             <a:r>
-              <a:rPr lang="en-US" altLang="zh-TW" sz="2400" dirty="0" smtClean="0">
+              <a:rPr lang="en-US" altLang="zh-TW" sz="2400" dirty="0">
                 <a:ea typeface="新細明體" charset="-120"/>
               </a:rPr>
               <a:t> it back into disk storage for active use. </a:t>
@@ -22686,7 +22615,7 @@
           <a:p>
             <a:pPr eaLnBrk="1" hangingPunct="1"/>
             <a:r>
-              <a:rPr lang="en-US" altLang="zh-TW" dirty="0" smtClean="0">
+              <a:rPr lang="en-US" altLang="zh-TW" dirty="0">
                 <a:ea typeface="新細明體" charset="-120"/>
               </a:rPr>
               <a:t>Operating System Support</a:t>
@@ -22715,7 +22644,7 @@
           <a:lstStyle/>
           <a:p>
             <a:r>
-              <a:rPr lang="en-US" altLang="zh-TW" sz="2400" dirty="0" smtClean="0">
+              <a:rPr lang="en-US" altLang="zh-TW" sz="2400" dirty="0">
                 <a:ea typeface="新細明體" charset="-120"/>
               </a:rPr>
               <a:t>Major OS jobs are to manage physical devices and to present a virtual machine abstraction to applications</a:t>
@@ -22723,7 +22652,7 @@
           </a:p>
           <a:p>
             <a:r>
-              <a:rPr lang="en-US" altLang="zh-TW" sz="2400" dirty="0" smtClean="0">
+              <a:rPr lang="en-US" altLang="zh-TW" sz="2400" dirty="0">
                 <a:ea typeface="新細明體" charset="-120"/>
               </a:rPr>
               <a:t>For hard disks, the OS provides two abstraction:</a:t>
@@ -22732,7 +22661,7 @@
           <a:p>
             <a:pPr lvl="1"/>
             <a:r>
-              <a:rPr lang="en-US" altLang="zh-TW" sz="2400" b="1" dirty="0" smtClean="0">
+              <a:rPr lang="en-US" altLang="zh-TW" sz="2400" b="1" dirty="0">
                 <a:solidFill>
                   <a:srgbClr val="FF0000"/>
                 </a:solidFill>
@@ -22741,7 +22670,7 @@
               <a:t>Raw device </a:t>
             </a:r>
             <a:r>
-              <a:rPr lang="en-US" altLang="zh-TW" sz="2400" dirty="0" smtClean="0">
+              <a:rPr lang="en-US" altLang="zh-TW" sz="2400" dirty="0">
                 <a:ea typeface="新細明體" charset="-120"/>
               </a:rPr>
               <a:t>– an array of data blocks.</a:t>
@@ -22750,7 +22679,7 @@
           <a:p>
             <a:pPr lvl="1"/>
             <a:r>
-              <a:rPr lang="en-US" altLang="zh-TW" sz="2400" b="1" dirty="0" smtClean="0">
+              <a:rPr lang="en-US" altLang="zh-TW" sz="2400" b="1" dirty="0">
                 <a:solidFill>
                   <a:srgbClr val="FF0000"/>
                 </a:solidFill>
@@ -22759,7 +22688,7 @@
               <a:t>File system </a:t>
             </a:r>
             <a:r>
-              <a:rPr lang="en-US" altLang="zh-TW" sz="2400" dirty="0" smtClean="0">
+              <a:rPr lang="en-US" altLang="zh-TW" sz="2400" dirty="0">
                 <a:ea typeface="新細明體" charset="-120"/>
               </a:rPr>
               <a:t>– the OS queues and schedules the interleaved requests from several applications.</a:t>
@@ -22989,7 +22918,7 @@
           <a:p>
             <a:pPr eaLnBrk="1" hangingPunct="1"/>
             <a:r>
-              <a:rPr lang="en-US" altLang="zh-TW" smtClean="0">
+              <a:rPr lang="en-US" altLang="zh-TW">
                 <a:ea typeface="新細明體" charset="-120"/>
               </a:rPr>
               <a:t>Application Interface</a:t>
@@ -23018,13 +22947,13 @@
           <a:lstStyle/>
           <a:p>
             <a:r>
-              <a:rPr lang="en-US" altLang="zh-TW" sz="2400" dirty="0" smtClean="0">
+              <a:rPr lang="en-US" altLang="zh-TW" sz="2400" dirty="0">
                 <a:ea typeface="新細明體" charset="-120"/>
               </a:rPr>
               <a:t>Most OSs  handle </a:t>
             </a:r>
             <a:r>
-              <a:rPr lang="en-US" altLang="zh-TW" sz="2400" dirty="0" smtClean="0">
+              <a:rPr lang="en-US" altLang="zh-TW" sz="2400" dirty="0">
                 <a:solidFill>
                   <a:srgbClr val="FF0000"/>
                 </a:solidFill>
@@ -23033,13 +22962,13 @@
               <a:t>removable disks almost exactly like fixed disks</a:t>
             </a:r>
             <a:r>
-              <a:rPr lang="en-US" altLang="zh-TW" sz="2400" dirty="0" smtClean="0">
+              <a:rPr lang="en-US" altLang="zh-TW" sz="2400" dirty="0">
                 <a:ea typeface="新細明體" charset="-120"/>
               </a:rPr>
               <a:t> — a new cartridge is formatted and </a:t>
             </a:r>
             <a:r>
-              <a:rPr lang="en-US" altLang="zh-TW" sz="2400" dirty="0" smtClean="0">
+              <a:rPr lang="en-US" altLang="zh-TW" sz="2400" dirty="0">
                 <a:solidFill>
                   <a:srgbClr val="FF0000"/>
                 </a:solidFill>
@@ -23050,7 +22979,7 @@
           </a:p>
           <a:p>
             <a:r>
-              <a:rPr lang="en-US" altLang="zh-TW" sz="2400" b="1" dirty="0" smtClean="0">
+              <a:rPr lang="en-US" altLang="zh-TW" sz="2400" b="1" dirty="0">
                 <a:solidFill>
                   <a:srgbClr val="FF0000"/>
                 </a:solidFill>
@@ -23059,7 +22988,7 @@
               <a:t>Tapes are presented as a raw storage medium</a:t>
             </a:r>
             <a:r>
-              <a:rPr lang="en-US" altLang="zh-TW" sz="2400" dirty="0" smtClean="0">
+              <a:rPr lang="en-US" altLang="zh-TW" sz="2400" dirty="0">
                 <a:ea typeface="新細明體" charset="-120"/>
               </a:rPr>
               <a:t>, i.e., and application does not open a file on the tape, it opens the whole tape drive as a raw device.</a:t>
@@ -23067,7 +22996,7 @@
           </a:p>
           <a:p>
             <a:r>
-              <a:rPr lang="en-US" altLang="zh-TW" sz="2400" dirty="0" smtClean="0">
+              <a:rPr lang="en-US" altLang="zh-TW" sz="2400" dirty="0">
                 <a:ea typeface="新細明體" charset="-120"/>
               </a:rPr>
               <a:t>Usually the tape drive is reserved for the exclusive use of that application.</a:t>
@@ -23075,13 +23004,13 @@
           </a:p>
           <a:p>
             <a:r>
-              <a:rPr lang="en-US" altLang="zh-TW" sz="2400" dirty="0" smtClean="0">
+              <a:rPr lang="en-US" altLang="zh-TW" sz="2400" dirty="0">
                 <a:ea typeface="新細明體" charset="-120"/>
               </a:rPr>
               <a:t>Since the OS does not provide file system services, the </a:t>
             </a:r>
             <a:r>
-              <a:rPr lang="en-US" altLang="zh-TW" sz="2400" dirty="0" smtClean="0">
+              <a:rPr lang="en-US" altLang="zh-TW" sz="2400" dirty="0">
                 <a:solidFill>
                   <a:srgbClr val="FF0000"/>
                 </a:solidFill>
@@ -23090,7 +23019,7 @@
               <a:t>application must decide how to use the array of blocks</a:t>
             </a:r>
             <a:r>
-              <a:rPr lang="en-US" altLang="zh-TW" sz="2400" dirty="0" smtClean="0">
+              <a:rPr lang="en-US" altLang="zh-TW" sz="2400" dirty="0">
                 <a:ea typeface="新細明體" charset="-120"/>
               </a:rPr>
               <a:t>.</a:t>
@@ -23098,13 +23027,13 @@
           </a:p>
           <a:p>
             <a:r>
-              <a:rPr lang="en-US" altLang="zh-TW" sz="2400" dirty="0" smtClean="0">
+              <a:rPr lang="en-US" altLang="zh-TW" sz="2400" dirty="0">
                 <a:ea typeface="新細明體" charset="-120"/>
               </a:rPr>
               <a:t>Since every application makes up its own rules for how to organize a tape, a tape full of data can generally </a:t>
             </a:r>
             <a:r>
-              <a:rPr lang="en-US" altLang="zh-TW" sz="2400" dirty="0" smtClean="0">
+              <a:rPr lang="en-US" altLang="zh-TW" sz="2400" dirty="0">
                 <a:solidFill>
                   <a:srgbClr val="FF0000"/>
                 </a:solidFill>
@@ -23113,7 +23042,7 @@
               <a:t>only be used by the program that created it</a:t>
             </a:r>
             <a:r>
-              <a:rPr lang="en-US" altLang="zh-TW" sz="2400" dirty="0" smtClean="0">
+              <a:rPr lang="en-US" altLang="zh-TW" sz="2400" dirty="0">
                 <a:ea typeface="新細明體" charset="-120"/>
               </a:rPr>
               <a:t>. </a:t>
@@ -23440,7 +23369,7 @@
           <a:p>
             <a:pPr eaLnBrk="1" hangingPunct="1"/>
             <a:r>
-              <a:rPr lang="en-US" altLang="zh-TW" smtClean="0">
+              <a:rPr lang="en-US" altLang="zh-TW">
                 <a:ea typeface="新細明體" charset="-120"/>
               </a:rPr>
               <a:t>Tape Drives</a:t>
@@ -23469,7 +23398,7 @@
           <a:lstStyle/>
           <a:p>
             <a:r>
-              <a:rPr lang="en-US" altLang="zh-TW" sz="2400" dirty="0" smtClean="0">
+              <a:rPr lang="en-US" altLang="zh-TW" sz="2400" dirty="0">
                 <a:ea typeface="新細明體" charset="-120"/>
               </a:rPr>
               <a:t>The basic operations for a tape drive differ from those of a disk drive.</a:t>
@@ -23477,7 +23406,7 @@
           </a:p>
           <a:p>
             <a:r>
-              <a:rPr lang="en-US" altLang="zh-TW" sz="2400" b="1" dirty="0" smtClean="0">
+              <a:rPr lang="en-US" altLang="zh-TW" sz="2400" b="1" dirty="0">
                 <a:solidFill>
                   <a:srgbClr val="FF0000"/>
                 </a:solidFill>
@@ -23486,19 +23415,19 @@
               <a:t>locate</a:t>
             </a:r>
             <a:r>
-              <a:rPr lang="en-US" altLang="zh-TW" sz="2400" dirty="0" smtClean="0">
+              <a:rPr lang="en-US" altLang="zh-TW" sz="2400" dirty="0">
                 <a:ea typeface="新細明體" charset="-120"/>
               </a:rPr>
               <a:t> positions the tape to a specific logical block, not an entire track (corresponds to </a:t>
             </a:r>
             <a:r>
-              <a:rPr lang="en-US" altLang="zh-TW" sz="2400" b="1" dirty="0" smtClean="0">
+              <a:rPr lang="en-US" altLang="zh-TW" sz="2400" b="1" dirty="0">
                 <a:ea typeface="新細明體" charset="-120"/>
               </a:rPr>
               <a:t>seek</a:t>
             </a:r>
             <a:r>
-              <a:rPr lang="en-US" altLang="zh-TW" sz="2400" dirty="0" smtClean="0">
+              <a:rPr lang="en-US" altLang="zh-TW" sz="2400" dirty="0">
                 <a:ea typeface="新細明體" charset="-120"/>
               </a:rPr>
               <a:t>).</a:t>
@@ -23506,13 +23435,13 @@
           </a:p>
           <a:p>
             <a:r>
-              <a:rPr lang="en-US" altLang="zh-TW" sz="2400" dirty="0" smtClean="0">
+              <a:rPr lang="en-US" altLang="zh-TW" sz="2400" dirty="0">
                 <a:ea typeface="新細明體" charset="-120"/>
               </a:rPr>
               <a:t>The </a:t>
             </a:r>
             <a:r>
-              <a:rPr lang="en-US" altLang="zh-TW" sz="2400" b="1" dirty="0" smtClean="0">
+              <a:rPr lang="en-US" altLang="zh-TW" sz="2400" b="1" dirty="0">
                 <a:solidFill>
                   <a:srgbClr val="FF0000"/>
                 </a:solidFill>
@@ -23521,7 +23450,7 @@
               <a:t>read position</a:t>
             </a:r>
             <a:r>
-              <a:rPr lang="en-US" altLang="zh-TW" sz="2400" dirty="0" smtClean="0">
+              <a:rPr lang="en-US" altLang="zh-TW" sz="2400" dirty="0">
                 <a:solidFill>
                   <a:srgbClr val="FF0000"/>
                 </a:solidFill>
@@ -23530,7 +23459,7 @@
               <a:t> </a:t>
             </a:r>
             <a:r>
-              <a:rPr lang="en-US" altLang="zh-TW" sz="2400" dirty="0" smtClean="0">
+              <a:rPr lang="en-US" altLang="zh-TW" sz="2400" dirty="0">
                 <a:ea typeface="新細明體" charset="-120"/>
               </a:rPr>
               <a:t>operation returns the logical block number where the tape head is.</a:t>
@@ -23538,13 +23467,13 @@
           </a:p>
           <a:p>
             <a:r>
-              <a:rPr lang="en-US" altLang="zh-TW" sz="2400" dirty="0" smtClean="0">
+              <a:rPr lang="en-US" altLang="zh-TW" sz="2400" dirty="0">
                 <a:ea typeface="新細明體" charset="-120"/>
               </a:rPr>
               <a:t>The </a:t>
             </a:r>
             <a:r>
-              <a:rPr lang="en-US" altLang="zh-TW" sz="2400" b="1" dirty="0" smtClean="0">
+              <a:rPr lang="en-US" altLang="zh-TW" sz="2400" b="1" dirty="0">
                 <a:solidFill>
                   <a:srgbClr val="FF0000"/>
                 </a:solidFill>
@@ -23553,7 +23482,7 @@
               <a:t>space</a:t>
             </a:r>
             <a:r>
-              <a:rPr lang="en-US" altLang="zh-TW" sz="2400" dirty="0" smtClean="0">
+              <a:rPr lang="en-US" altLang="zh-TW" sz="2400" dirty="0">
                 <a:ea typeface="新細明體" charset="-120"/>
               </a:rPr>
               <a:t> operation enables relative motion.</a:t>
@@ -23561,13 +23490,13 @@
           </a:p>
           <a:p>
             <a:r>
-              <a:rPr lang="en-US" altLang="zh-TW" sz="2400" dirty="0" smtClean="0">
+              <a:rPr lang="en-US" altLang="zh-TW" sz="2400" dirty="0">
                 <a:ea typeface="新細明體" charset="-120"/>
               </a:rPr>
               <a:t>Tape drives are </a:t>
             </a:r>
             <a:r>
-              <a:rPr lang="en-US" altLang="zh-TW" sz="2400" b="1" dirty="0" smtClean="0">
+              <a:rPr lang="en-US" altLang="zh-TW" sz="2400" b="1" dirty="0">
                 <a:solidFill>
                   <a:srgbClr val="FF0000"/>
                 </a:solidFill>
@@ -23576,7 +23505,7 @@
               <a:t>“append-only” devices</a:t>
             </a:r>
             <a:r>
-              <a:rPr lang="en-US" altLang="zh-TW" sz="2400" dirty="0" smtClean="0">
+              <a:rPr lang="en-US" altLang="zh-TW" sz="2400" dirty="0">
                 <a:ea typeface="新細明體" charset="-120"/>
               </a:rPr>
               <a:t>; updating a block in the middle of the tape also effectively erases everything beyond that block.</a:t>
@@ -23584,7 +23513,7 @@
           </a:p>
           <a:p>
             <a:r>
-              <a:rPr lang="en-US" altLang="zh-TW" sz="2400" dirty="0" smtClean="0">
+              <a:rPr lang="en-US" altLang="zh-TW" sz="2400" dirty="0">
                 <a:ea typeface="新細明體" charset="-120"/>
               </a:rPr>
               <a:t>An EOT mark is placed after a block that is written.</a:t>
@@ -23972,7 +23901,7 @@
           <a:p>
             <a:pPr eaLnBrk="1" hangingPunct="1"/>
             <a:r>
-              <a:rPr lang="en-US" altLang="zh-TW" smtClean="0">
+              <a:rPr lang="en-US" altLang="zh-TW">
                 <a:ea typeface="新細明體" charset="-120"/>
               </a:rPr>
               <a:t>Moving-head Disk Mechanism</a:t>
@@ -26106,7 +26035,7 @@
           <a:p>
             <a:pPr eaLnBrk="1" hangingPunct="1"/>
             <a:r>
-              <a:rPr lang="en-US" altLang="zh-TW" smtClean="0">
+              <a:rPr lang="en-US" altLang="zh-TW">
                 <a:ea typeface="新細明體" charset="-120"/>
               </a:rPr>
               <a:t>File Naming</a:t>
@@ -26135,13 +26064,13 @@
           <a:lstStyle/>
           <a:p>
             <a:r>
-              <a:rPr lang="en-US" altLang="zh-TW" sz="2400" dirty="0" smtClean="0">
+              <a:rPr lang="en-US" altLang="zh-TW" sz="2400" dirty="0">
                 <a:ea typeface="新細明體" charset="-120"/>
               </a:rPr>
               <a:t>The issue of </a:t>
             </a:r>
             <a:r>
-              <a:rPr lang="en-US" altLang="zh-TW" sz="2400" dirty="0" smtClean="0">
+              <a:rPr lang="en-US" altLang="zh-TW" sz="2400" dirty="0">
                 <a:solidFill>
                   <a:srgbClr val="FF0000"/>
                 </a:solidFill>
@@ -26150,7 +26079,7 @@
               <a:t>naming files on removable media is especially difficult</a:t>
             </a:r>
             <a:r>
-              <a:rPr lang="en-US" altLang="zh-TW" sz="2400" dirty="0" smtClean="0">
+              <a:rPr lang="en-US" altLang="zh-TW" sz="2400" dirty="0">
                 <a:ea typeface="新細明體" charset="-120"/>
               </a:rPr>
               <a:t> when we want to write data on a removable cartridge on one computer, and then use the cartridge in another computer. </a:t>
@@ -26158,13 +26087,13 @@
           </a:p>
           <a:p>
             <a:r>
-              <a:rPr lang="en-US" altLang="zh-TW" sz="2400" dirty="0" smtClean="0">
+              <a:rPr lang="en-US" altLang="zh-TW" sz="2400" dirty="0">
                 <a:ea typeface="新細明體" charset="-120"/>
               </a:rPr>
               <a:t>Contemporary OSs generally </a:t>
             </a:r>
             <a:r>
-              <a:rPr lang="en-US" altLang="zh-TW" sz="2400" dirty="0" smtClean="0">
+              <a:rPr lang="en-US" altLang="zh-TW" sz="2400" dirty="0">
                 <a:solidFill>
                   <a:srgbClr val="FF0000"/>
                 </a:solidFill>
@@ -26173,7 +26102,7 @@
               <a:t>leave the name space problem unsolved for removable media</a:t>
             </a:r>
             <a:r>
-              <a:rPr lang="en-US" altLang="zh-TW" sz="2400" dirty="0" smtClean="0">
+              <a:rPr lang="en-US" altLang="zh-TW" sz="2400" dirty="0">
                 <a:ea typeface="新細明體" charset="-120"/>
               </a:rPr>
               <a:t>, and depend on applications and users to figure out how to access and interpret the data.</a:t>
@@ -26181,7 +26110,7 @@
           </a:p>
           <a:p>
             <a:r>
-              <a:rPr lang="en-US" altLang="zh-TW" sz="2400" dirty="0" smtClean="0">
+              <a:rPr lang="en-US" altLang="zh-TW" sz="2400" dirty="0">
                 <a:ea typeface="新細明體" charset="-120"/>
               </a:rPr>
               <a:t>Some kinds of removable media (e.g., CDs) are so well standardized that all computers use them the same way. </a:t>
@@ -26391,7 +26320,7 @@
           <a:p>
             <a:pPr eaLnBrk="1" hangingPunct="1"/>
             <a:r>
-              <a:rPr lang="en-US" altLang="zh-TW" dirty="0" smtClean="0">
+              <a:rPr lang="en-US" altLang="zh-TW" dirty="0">
                 <a:ea typeface="新細明體" charset="-120"/>
               </a:rPr>
               <a:t>Hierarchical Storage Management (HSM)</a:t>
@@ -26420,13 +26349,13 @@
           <a:lstStyle/>
           <a:p>
             <a:r>
-              <a:rPr lang="en-US" altLang="zh-TW" sz="2400" dirty="0" smtClean="0">
+              <a:rPr lang="en-US" altLang="zh-TW" sz="2400" dirty="0">
                 <a:ea typeface="新細明體" charset="-120"/>
               </a:rPr>
               <a:t>A </a:t>
             </a:r>
             <a:r>
-              <a:rPr lang="en-US" altLang="zh-TW" sz="2400" b="1" i="1" dirty="0" smtClean="0">
+              <a:rPr lang="en-US" altLang="zh-TW" sz="2400" b="1" i="1" dirty="0">
                 <a:solidFill>
                   <a:srgbClr val="FF0000"/>
                 </a:solidFill>
@@ -26435,13 +26364,13 @@
               <a:t>hierarchical storage system </a:t>
             </a:r>
             <a:r>
-              <a:rPr lang="en-US" altLang="zh-TW" sz="2400" dirty="0" smtClean="0">
+              <a:rPr lang="en-US" altLang="zh-TW" sz="2400" dirty="0">
                 <a:ea typeface="新細明體" charset="-120"/>
               </a:rPr>
               <a:t>extends the storage hierarchy beyond primary memory and secondary storage </a:t>
             </a:r>
             <a:r>
-              <a:rPr lang="en-US" altLang="zh-TW" sz="2400" b="1" dirty="0" smtClean="0">
+              <a:rPr lang="en-US" altLang="zh-TW" sz="2400" b="1" dirty="0">
                 <a:solidFill>
                   <a:srgbClr val="FF0000"/>
                 </a:solidFill>
@@ -26450,13 +26379,13 @@
               <a:t>to incorporate tertiary storage </a:t>
             </a:r>
             <a:r>
-              <a:rPr lang="en-US" altLang="zh-TW" sz="2400" dirty="0" smtClean="0">
+              <a:rPr lang="en-US" altLang="zh-TW" sz="2400" dirty="0">
                 <a:ea typeface="新細明體" charset="-120"/>
               </a:rPr>
               <a:t>— usually implemented as a </a:t>
             </a:r>
             <a:r>
-              <a:rPr lang="en-US" altLang="zh-TW" sz="2400" b="1" dirty="0" smtClean="0">
+              <a:rPr lang="en-US" altLang="zh-TW" sz="2400" b="1" dirty="0">
                 <a:solidFill>
                   <a:srgbClr val="FF0000"/>
                 </a:solidFill>
@@ -26465,7 +26394,7 @@
               <a:t>jukebox</a:t>
             </a:r>
             <a:r>
-              <a:rPr lang="en-US" altLang="zh-TW" sz="2400" dirty="0" smtClean="0">
+              <a:rPr lang="en-US" altLang="zh-TW" sz="2400" dirty="0">
                 <a:ea typeface="新細明體" charset="-120"/>
               </a:rPr>
               <a:t> of tapes or removable disks.</a:t>
@@ -26473,7 +26402,7 @@
           </a:p>
           <a:p>
             <a:r>
-              <a:rPr lang="en-US" altLang="zh-TW" sz="2400" dirty="0" smtClean="0">
+              <a:rPr lang="en-US" altLang="zh-TW" sz="2400" dirty="0">
                 <a:ea typeface="新細明體" charset="-120"/>
               </a:rPr>
               <a:t>Usually incorporate tertiary storage by extending the file system.</a:t>
@@ -26482,7 +26411,7 @@
           <a:p>
             <a:pPr lvl="1"/>
             <a:r>
-              <a:rPr lang="en-US" altLang="zh-TW" sz="2400" dirty="0" smtClean="0">
+              <a:rPr lang="en-US" altLang="zh-TW" sz="2400" dirty="0">
                 <a:ea typeface="新細明體" charset="-120"/>
               </a:rPr>
               <a:t>Small and frequently used files remain on disk.</a:t>
@@ -26491,7 +26420,7 @@
           <a:p>
             <a:pPr lvl="1"/>
             <a:r>
-              <a:rPr lang="en-US" altLang="zh-TW" sz="2400" dirty="0" smtClean="0">
+              <a:rPr lang="en-US" altLang="zh-TW" sz="2400" dirty="0">
                 <a:ea typeface="新細明體" charset="-120"/>
               </a:rPr>
               <a:t>Large, old, inactive files are archived to the jukebox.</a:t>
@@ -26499,7 +26428,7 @@
           </a:p>
           <a:p>
             <a:r>
-              <a:rPr lang="en-US" altLang="zh-TW" sz="2400" dirty="0" smtClean="0">
+              <a:rPr lang="en-US" altLang="zh-TW" sz="2400" dirty="0">
                 <a:ea typeface="新細明體" charset="-120"/>
               </a:rPr>
               <a:t>HSM is usually found in supercomputing centers and other large installations that have enormous volumes of data. </a:t>
@@ -26790,7 +26719,7 @@
           <a:p>
             <a:pPr eaLnBrk="1" hangingPunct="1"/>
             <a:r>
-              <a:rPr lang="en-US" altLang="zh-TW" smtClean="0">
+              <a:rPr lang="en-US" altLang="zh-TW">
                 <a:ea typeface="新細明體" charset="-120"/>
               </a:rPr>
               <a:t>Speed </a:t>
@@ -26814,13 +26743,13 @@
           <a:lstStyle/>
           <a:p>
             <a:r>
-              <a:rPr lang="en-US" altLang="zh-TW" sz="2400" dirty="0" smtClean="0">
+              <a:rPr lang="en-US" altLang="zh-TW" sz="2400" dirty="0">
                 <a:ea typeface="新細明體" charset="-120"/>
               </a:rPr>
               <a:t>Two aspects of speed in tertiary storage are </a:t>
             </a:r>
             <a:r>
-              <a:rPr lang="en-US" altLang="zh-TW" sz="2400" b="1" dirty="0" smtClean="0">
+              <a:rPr lang="en-US" altLang="zh-TW" sz="2400" b="1" dirty="0">
                 <a:solidFill>
                   <a:srgbClr val="FF0000"/>
                 </a:solidFill>
@@ -26829,13 +26758,13 @@
               <a:t>bandwidth</a:t>
             </a:r>
             <a:r>
-              <a:rPr lang="en-US" altLang="zh-TW" sz="2400" dirty="0" smtClean="0">
+              <a:rPr lang="en-US" altLang="zh-TW" sz="2400" dirty="0">
                 <a:ea typeface="新細明體" charset="-120"/>
               </a:rPr>
               <a:t> and </a:t>
             </a:r>
             <a:r>
-              <a:rPr lang="en-US" altLang="zh-TW" sz="2400" b="1" dirty="0" smtClean="0">
+              <a:rPr lang="en-US" altLang="zh-TW" sz="2400" b="1" dirty="0">
                 <a:solidFill>
                   <a:srgbClr val="FF0000"/>
                 </a:solidFill>
@@ -26844,7 +26773,7 @@
               <a:t>latency</a:t>
             </a:r>
             <a:r>
-              <a:rPr lang="en-US" altLang="zh-TW" sz="2400" dirty="0" smtClean="0">
+              <a:rPr lang="en-US" altLang="zh-TW" sz="2400" dirty="0">
                 <a:ea typeface="新細明體" charset="-120"/>
               </a:rPr>
               <a:t>.</a:t>
@@ -26852,7 +26781,7 @@
           </a:p>
           <a:p>
             <a:r>
-              <a:rPr lang="en-US" altLang="zh-TW" sz="2400" dirty="0" smtClean="0">
+              <a:rPr lang="en-US" altLang="zh-TW" sz="2400" dirty="0">
                 <a:ea typeface="新細明體" charset="-120"/>
               </a:rPr>
               <a:t>Bandwidth is measured in bytes per second.</a:t>
@@ -26861,7 +26790,7 @@
           <a:p>
             <a:pPr lvl="1"/>
             <a:r>
-              <a:rPr lang="en-US" altLang="zh-TW" sz="2400" b="1" dirty="0" smtClean="0">
+              <a:rPr lang="en-US" altLang="zh-TW" sz="2400" b="1" dirty="0">
                 <a:solidFill>
                   <a:srgbClr val="FF0000"/>
                 </a:solidFill>
@@ -26870,13 +26799,13 @@
               <a:t>Sustained bandwidth </a:t>
             </a:r>
             <a:r>
-              <a:rPr lang="en-US" altLang="zh-TW" sz="2400" dirty="0" smtClean="0">
+              <a:rPr lang="en-US" altLang="zh-TW" sz="2400" dirty="0">
                 <a:ea typeface="新細明體" charset="-120"/>
               </a:rPr>
               <a:t>– average data rate during a large transfer; </a:t>
             </a:r>
             <a:r>
-              <a:rPr lang="en-US" altLang="zh-TW" sz="2400" dirty="0" smtClean="0">
+              <a:rPr lang="en-US" altLang="zh-TW" sz="2400" dirty="0">
                 <a:solidFill>
                   <a:srgbClr val="FF0000"/>
                 </a:solidFill>
@@ -26885,18 +26814,18 @@
               <a:t># of bytes/transfer time</a:t>
             </a:r>
             <a:r>
-              <a:rPr lang="en-US" altLang="zh-TW" sz="2400" dirty="0" smtClean="0">
+              <a:rPr lang="en-US" altLang="zh-TW" sz="2400" dirty="0">
                 <a:ea typeface="新細明體" charset="-120"/>
               </a:rPr>
               <a:t>.</a:t>
             </a:r>
             <a:br>
-              <a:rPr lang="en-US" altLang="zh-TW" sz="2400" dirty="0" smtClean="0">
+              <a:rPr lang="en-US" altLang="zh-TW" sz="2400" dirty="0">
                 <a:ea typeface="新細明體" charset="-120"/>
               </a:rPr>
             </a:br>
             <a:r>
-              <a:rPr lang="en-US" altLang="zh-TW" sz="2400" dirty="0" smtClean="0">
+              <a:rPr lang="en-US" altLang="zh-TW" sz="2400" dirty="0">
                 <a:ea typeface="新細明體" charset="-120"/>
               </a:rPr>
               <a:t>Data rate when the data stream is actually flowing.</a:t>
@@ -26905,7 +26834,7 @@
           <a:p>
             <a:pPr lvl="1"/>
             <a:r>
-              <a:rPr lang="en-US" altLang="zh-TW" sz="2400" b="1" dirty="0" smtClean="0">
+              <a:rPr lang="en-US" altLang="zh-TW" sz="2400" b="1" dirty="0">
                 <a:solidFill>
                   <a:srgbClr val="FF0000"/>
                 </a:solidFill>
@@ -26914,42 +26843,42 @@
               <a:t>Effective bandwidth </a:t>
             </a:r>
             <a:r>
-              <a:rPr lang="en-US" altLang="zh-TW" sz="2400" dirty="0" smtClean="0">
+              <a:rPr lang="en-US" altLang="zh-TW" sz="2400" dirty="0">
                 <a:ea typeface="新細明體" charset="-120"/>
               </a:rPr>
               <a:t>– average over the entire I/O time, including </a:t>
             </a:r>
             <a:r>
-              <a:rPr lang="en-US" altLang="zh-TW" sz="2400" b="1" dirty="0" smtClean="0">
+              <a:rPr lang="en-US" altLang="zh-TW" sz="2400" b="1" dirty="0">
                 <a:ea typeface="新細明體" charset="-120"/>
               </a:rPr>
               <a:t>seek</a:t>
             </a:r>
             <a:r>
-              <a:rPr lang="en-US" altLang="zh-TW" sz="2400" dirty="0" smtClean="0">
+              <a:rPr lang="en-US" altLang="zh-TW" sz="2400" dirty="0">
                 <a:ea typeface="新細明體" charset="-120"/>
               </a:rPr>
               <a:t> or </a:t>
             </a:r>
             <a:r>
-              <a:rPr lang="en-US" altLang="zh-TW" sz="2400" b="1" dirty="0" smtClean="0">
+              <a:rPr lang="en-US" altLang="zh-TW" sz="2400" b="1" dirty="0">
                 <a:ea typeface="新細明體" charset="-120"/>
               </a:rPr>
               <a:t>locate</a:t>
             </a:r>
             <a:r>
-              <a:rPr lang="en-US" altLang="zh-TW" sz="2400" dirty="0" smtClean="0">
+              <a:rPr lang="en-US" altLang="zh-TW" sz="2400" dirty="0">
                 <a:ea typeface="新細明體" charset="-120"/>
               </a:rPr>
               <a:t>, and cartridge switching.</a:t>
             </a:r>
             <a:br>
-              <a:rPr lang="en-US" altLang="zh-TW" sz="2400" dirty="0" smtClean="0">
+              <a:rPr lang="en-US" altLang="zh-TW" sz="2400" dirty="0">
                 <a:ea typeface="新細明體" charset="-120"/>
               </a:rPr>
             </a:br>
             <a:r>
-              <a:rPr lang="en-US" altLang="zh-TW" sz="2400" dirty="0" smtClean="0">
+              <a:rPr lang="en-US" altLang="zh-TW" sz="2400" dirty="0">
                 <a:ea typeface="新細明體" charset="-120"/>
               </a:rPr>
               <a:t>Drive’s overall data rate.</a:t>
@@ -27179,7 +27108,7 @@
           <a:p>
             <a:pPr eaLnBrk="1" hangingPunct="1"/>
             <a:r>
-              <a:rPr lang="en-US" altLang="zh-TW" smtClean="0">
+              <a:rPr lang="en-US" altLang="zh-TW">
                 <a:ea typeface="新細明體" charset="-120"/>
               </a:rPr>
               <a:t>Speed (Cont.)</a:t>
@@ -27208,7 +27137,7 @@
           <a:lstStyle/>
           <a:p>
             <a:r>
-              <a:rPr lang="en-US" altLang="zh-TW" b="1" dirty="0" smtClean="0">
+              <a:rPr lang="en-US" altLang="zh-TW" b="1" dirty="0">
                 <a:solidFill>
                   <a:srgbClr val="FF0000"/>
                 </a:solidFill>
@@ -27217,7 +27146,7 @@
               <a:t>Access latency </a:t>
             </a:r>
             <a:r>
-              <a:rPr lang="en-US" altLang="zh-TW" dirty="0" smtClean="0">
+              <a:rPr lang="en-US" altLang="zh-TW" dirty="0">
                 <a:ea typeface="新細明體" charset="-120"/>
               </a:rPr>
               <a:t>– amount of time needed to locate data.</a:t>
@@ -27226,13 +27155,13 @@
           <a:p>
             <a:pPr lvl="1"/>
             <a:r>
-              <a:rPr lang="en-US" altLang="zh-TW" sz="2000" dirty="0" smtClean="0">
+              <a:rPr lang="en-US" altLang="zh-TW" sz="2000" dirty="0">
                 <a:ea typeface="新細明體" charset="-120"/>
               </a:rPr>
               <a:t>Access time for a </a:t>
             </a:r>
             <a:r>
-              <a:rPr lang="en-US" altLang="zh-TW" sz="2000" b="1" dirty="0" smtClean="0">
+              <a:rPr lang="en-US" altLang="zh-TW" sz="2000" b="1" dirty="0">
                 <a:solidFill>
                   <a:srgbClr val="FF0000"/>
                 </a:solidFill>
@@ -27241,13 +27170,13 @@
               <a:t>disk</a:t>
             </a:r>
             <a:r>
-              <a:rPr lang="en-US" altLang="zh-TW" sz="2000" dirty="0" smtClean="0">
+              <a:rPr lang="en-US" altLang="zh-TW" sz="2000" dirty="0">
                 <a:ea typeface="新細明體" charset="-120"/>
               </a:rPr>
               <a:t> – move the arm to the selected cylinder and wait for the rotational latency; </a:t>
             </a:r>
             <a:r>
-              <a:rPr lang="en-US" altLang="zh-TW" sz="2000" dirty="0" smtClean="0">
+              <a:rPr lang="en-US" altLang="zh-TW" sz="2000" dirty="0">
                 <a:solidFill>
                   <a:srgbClr val="FF0000"/>
                 </a:solidFill>
@@ -27256,7 +27185,7 @@
               <a:t>&lt; 35 milliseconds</a:t>
             </a:r>
             <a:r>
-              <a:rPr lang="en-US" altLang="zh-TW" sz="2000" dirty="0" smtClean="0">
+              <a:rPr lang="en-US" altLang="zh-TW" sz="2000" dirty="0">
                 <a:ea typeface="新細明體" charset="-120"/>
               </a:rPr>
               <a:t>.</a:t>
@@ -27265,13 +27194,13 @@
           <a:p>
             <a:pPr lvl="1"/>
             <a:r>
-              <a:rPr lang="en-US" altLang="zh-TW" sz="2000" dirty="0" smtClean="0">
+              <a:rPr lang="en-US" altLang="zh-TW" sz="2000" dirty="0">
                 <a:ea typeface="新細明體" charset="-120"/>
               </a:rPr>
               <a:t>Access on </a:t>
             </a:r>
             <a:r>
-              <a:rPr lang="en-US" altLang="zh-TW" sz="2000" b="1" dirty="0" smtClean="0">
+              <a:rPr lang="en-US" altLang="zh-TW" sz="2000" b="1" dirty="0">
                 <a:solidFill>
                   <a:srgbClr val="FF0000"/>
                 </a:solidFill>
@@ -27280,13 +27209,13 @@
               <a:t>tape</a:t>
             </a:r>
             <a:r>
-              <a:rPr lang="en-US" altLang="zh-TW" sz="2000" dirty="0" smtClean="0">
+              <a:rPr lang="en-US" altLang="zh-TW" sz="2000" dirty="0">
                 <a:ea typeface="新細明體" charset="-120"/>
               </a:rPr>
               <a:t> requires winding the tape reels until the selected block reaches the tape head; </a:t>
             </a:r>
             <a:r>
-              <a:rPr lang="en-US" altLang="zh-TW" sz="2000" dirty="0" smtClean="0">
+              <a:rPr lang="en-US" altLang="zh-TW" sz="2000" dirty="0">
                 <a:solidFill>
                   <a:srgbClr val="FF0000"/>
                 </a:solidFill>
@@ -27298,13 +27227,13 @@
           <a:p>
             <a:pPr lvl="1"/>
             <a:r>
-              <a:rPr lang="en-US" altLang="zh-TW" sz="2000" dirty="0" smtClean="0">
+              <a:rPr lang="en-US" altLang="zh-TW" sz="2000" dirty="0">
                 <a:ea typeface="新細明體" charset="-120"/>
               </a:rPr>
               <a:t>Generally say that random access within a tape cartridge is about </a:t>
             </a:r>
             <a:r>
-              <a:rPr lang="en-US" altLang="zh-TW" sz="2000" dirty="0" smtClean="0">
+              <a:rPr lang="en-US" altLang="zh-TW" sz="2000" dirty="0">
                 <a:solidFill>
                   <a:srgbClr val="FF0000"/>
                 </a:solidFill>
@@ -27313,7 +27242,7 @@
               <a:t>a thousand times slower than random access on disk</a:t>
             </a:r>
             <a:r>
-              <a:rPr lang="en-US" altLang="zh-TW" sz="2000" dirty="0" smtClean="0">
+              <a:rPr lang="en-US" altLang="zh-TW" sz="2000" dirty="0">
                 <a:ea typeface="新細明體" charset="-120"/>
               </a:rPr>
               <a:t>.</a:t>
@@ -27321,13 +27250,13 @@
           </a:p>
           <a:p>
             <a:r>
-              <a:rPr lang="en-US" altLang="zh-TW" dirty="0" smtClean="0">
+              <a:rPr lang="en-US" altLang="zh-TW" dirty="0">
                 <a:ea typeface="新細明體" charset="-120"/>
               </a:rPr>
               <a:t>The low cost of tertiary storage is a result of having </a:t>
             </a:r>
             <a:r>
-              <a:rPr lang="en-US" altLang="zh-TW" dirty="0" smtClean="0">
+              <a:rPr lang="en-US" altLang="zh-TW" dirty="0">
                 <a:solidFill>
                   <a:srgbClr val="FF0000"/>
                 </a:solidFill>
@@ -27336,7 +27265,7 @@
               <a:t>many cheap cartridges share a few expensive drives</a:t>
             </a:r>
             <a:r>
-              <a:rPr lang="en-US" altLang="zh-TW" dirty="0" smtClean="0">
+              <a:rPr lang="en-US" altLang="zh-TW" dirty="0">
                 <a:ea typeface="新細明體" charset="-120"/>
               </a:rPr>
               <a:t>.</a:t>
@@ -27344,7 +27273,7 @@
           </a:p>
           <a:p>
             <a:r>
-              <a:rPr lang="en-US" altLang="zh-TW" dirty="0" smtClean="0">
+              <a:rPr lang="en-US" altLang="zh-TW" dirty="0">
                 <a:ea typeface="新細明體" charset="-120"/>
               </a:rPr>
               <a:t>A removable library is best devoted to the storage of infrequently used data, because the library can only satisfy a relatively small number of I/O requests per hour.</a:t>
@@ -27739,7 +27668,7 @@
           <a:p>
             <a:pPr eaLnBrk="1" hangingPunct="1"/>
             <a:r>
-              <a:rPr lang="en-US" altLang="zh-TW" smtClean="0">
+              <a:rPr lang="en-US" altLang="zh-TW">
                 <a:ea typeface="新細明體" charset="-120"/>
               </a:rPr>
               <a:t>Reliability</a:t>
@@ -27768,13 +27697,13 @@
           <a:lstStyle/>
           <a:p>
             <a:r>
-              <a:rPr lang="en-US" altLang="zh-TW" sz="2800" dirty="0" smtClean="0">
+              <a:rPr lang="en-US" altLang="zh-TW" sz="2800" dirty="0">
                 <a:ea typeface="新細明體" charset="-120"/>
               </a:rPr>
               <a:t>A </a:t>
             </a:r>
             <a:r>
-              <a:rPr lang="en-US" altLang="zh-TW" sz="2800" dirty="0" smtClean="0">
+              <a:rPr lang="en-US" altLang="zh-TW" sz="2800" dirty="0">
                 <a:solidFill>
                   <a:srgbClr val="FF0000"/>
                 </a:solidFill>
@@ -27783,13 +27712,13 @@
               <a:t>fixed disk drive </a:t>
             </a:r>
             <a:r>
-              <a:rPr lang="en-US" altLang="zh-TW" sz="2800" dirty="0" smtClean="0">
+              <a:rPr lang="en-US" altLang="zh-TW" sz="2800" dirty="0">
                 <a:ea typeface="新細明體" charset="-120"/>
               </a:rPr>
               <a:t>is likely to be </a:t>
             </a:r>
             <a:r>
-              <a:rPr lang="en-US" altLang="zh-TW" sz="2800" dirty="0" smtClean="0">
+              <a:rPr lang="en-US" altLang="zh-TW" sz="2800" dirty="0">
                 <a:solidFill>
                   <a:srgbClr val="FF0000"/>
                 </a:solidFill>
@@ -27798,7 +27727,7 @@
               <a:t>more reliable </a:t>
             </a:r>
             <a:r>
-              <a:rPr lang="en-US" altLang="zh-TW" sz="2800" dirty="0" smtClean="0">
+              <a:rPr lang="en-US" altLang="zh-TW" sz="2800" dirty="0">
                 <a:ea typeface="新細明體" charset="-120"/>
               </a:rPr>
               <a:t>than a removable disk or tape drive.</a:t>
@@ -27806,13 +27735,13 @@
           </a:p>
           <a:p>
             <a:r>
-              <a:rPr lang="en-US" altLang="zh-TW" sz="2800" dirty="0" smtClean="0">
+              <a:rPr lang="en-US" altLang="zh-TW" sz="2800" dirty="0">
                 <a:ea typeface="新細明體" charset="-120"/>
               </a:rPr>
               <a:t>An </a:t>
             </a:r>
             <a:r>
-              <a:rPr lang="en-US" altLang="zh-TW" sz="2800" dirty="0" smtClean="0">
+              <a:rPr lang="en-US" altLang="zh-TW" sz="2800" dirty="0">
                 <a:solidFill>
                   <a:srgbClr val="FF0000"/>
                 </a:solidFill>
@@ -27821,7 +27750,7 @@
               <a:t>optical cartridge </a:t>
             </a:r>
             <a:r>
-              <a:rPr lang="en-US" altLang="zh-TW" sz="2800" dirty="0" smtClean="0">
+              <a:rPr lang="en-US" altLang="zh-TW" sz="2800" dirty="0">
                 <a:ea typeface="新細明體" charset="-120"/>
               </a:rPr>
               <a:t>is likely to be more reliable than a magnetic disk or tape.</a:t>
@@ -27829,13 +27758,13 @@
           </a:p>
           <a:p>
             <a:r>
-              <a:rPr lang="en-US" altLang="zh-TW" sz="2800" dirty="0" smtClean="0">
+              <a:rPr lang="en-US" altLang="zh-TW" sz="2800" dirty="0">
                 <a:ea typeface="新細明體" charset="-120"/>
               </a:rPr>
               <a:t>A </a:t>
             </a:r>
             <a:r>
-              <a:rPr lang="en-US" altLang="zh-TW" sz="2800" dirty="0" smtClean="0">
+              <a:rPr lang="en-US" altLang="zh-TW" sz="2800" dirty="0">
                 <a:solidFill>
                   <a:srgbClr val="FF0000"/>
                 </a:solidFill>
@@ -27844,7 +27773,7 @@
               <a:t>head crash in a fixed hard disk </a:t>
             </a:r>
             <a:r>
-              <a:rPr lang="en-US" altLang="zh-TW" sz="2800" dirty="0" smtClean="0">
+              <a:rPr lang="en-US" altLang="zh-TW" sz="2800" dirty="0">
                 <a:ea typeface="新細明體" charset="-120"/>
               </a:rPr>
               <a:t>generally destroys the data, whereas the failure of a tape drive or optical disk drive often leaves the data cartridge unharmed.</a:t>
@@ -28049,7 +27978,7 @@
           <a:p>
             <a:pPr eaLnBrk="1" hangingPunct="1"/>
             <a:r>
-              <a:rPr lang="en-US" altLang="zh-TW" smtClean="0">
+              <a:rPr lang="en-US" altLang="zh-TW">
                 <a:ea typeface="新細明體" charset="-120"/>
               </a:rPr>
               <a:t>Cost</a:t>
@@ -28078,7 +28007,7 @@
           <a:lstStyle/>
           <a:p>
             <a:r>
-              <a:rPr lang="en-US" altLang="zh-TW" sz="2800" dirty="0" smtClean="0">
+              <a:rPr lang="en-US" altLang="zh-TW" sz="2800" dirty="0">
                 <a:ea typeface="新細明體" charset="-120"/>
               </a:rPr>
               <a:t>Main memory is much more expensive than disk storage</a:t>
@@ -28086,13 +28015,13 @@
           </a:p>
           <a:p>
             <a:r>
-              <a:rPr lang="en-US" altLang="zh-TW" sz="2800" dirty="0" smtClean="0">
+              <a:rPr lang="en-US" altLang="zh-TW" sz="2800" dirty="0">
                 <a:ea typeface="新細明體" charset="-120"/>
               </a:rPr>
               <a:t>The cost per megabyte of hard disk storage is competitive with magnetic tape </a:t>
             </a:r>
             <a:r>
-              <a:rPr lang="en-US" altLang="zh-TW" sz="2800" b="1" dirty="0" smtClean="0">
+              <a:rPr lang="en-US" altLang="zh-TW" sz="2800" b="1" dirty="0">
                 <a:solidFill>
                   <a:srgbClr val="FF0000"/>
                 </a:solidFill>
@@ -28103,7 +28032,7 @@
           </a:p>
           <a:p>
             <a:r>
-              <a:rPr lang="en-US" altLang="zh-TW" sz="2800" dirty="0" smtClean="0">
+              <a:rPr lang="en-US" altLang="zh-TW" sz="2800" dirty="0">
                 <a:ea typeface="新細明體" charset="-120"/>
               </a:rPr>
               <a:t>The cheapest tape drives and the cheapest disk drives have had about the same storage capacity over the years.</a:t>
@@ -28111,7 +28040,7 @@
           </a:p>
           <a:p>
             <a:r>
-              <a:rPr lang="en-US" altLang="zh-TW" sz="2800" dirty="0" smtClean="0">
+              <a:rPr lang="en-US" altLang="zh-TW" sz="2800" dirty="0">
                 <a:solidFill>
                   <a:srgbClr val="FF0000"/>
                 </a:solidFill>
@@ -28120,7 +28049,7 @@
               <a:t>Tertiary storage gives a cost savings only when the number of cartridges is considerably larger than the number of drives</a:t>
             </a:r>
             <a:r>
-              <a:rPr lang="en-US" altLang="zh-TW" sz="2800" dirty="0" smtClean="0">
+              <a:rPr lang="en-US" altLang="zh-TW" sz="2800" dirty="0">
                 <a:ea typeface="新細明體" charset="-120"/>
               </a:rPr>
               <a:t>.</a:t>
@@ -28459,29 +28388,23 @@
           <a:p>
             <a:pPr eaLnBrk="1" hangingPunct="1"/>
             <a:r>
-              <a:rPr lang="en-US" altLang="zh-TW" dirty="0" smtClean="0">
+              <a:rPr lang="en-US" altLang="zh-TW" dirty="0">
                 <a:ea typeface="新細明體" charset="-120"/>
               </a:rPr>
               <a:t>Price per Megabyte of DRAM </a:t>
             </a:r>
             <a:br>
-              <a:rPr lang="en-US" altLang="zh-TW" dirty="0" smtClean="0">
+              <a:rPr lang="en-US" altLang="zh-TW" dirty="0">
                 <a:ea typeface="新細明體" charset="-120"/>
               </a:rPr>
             </a:br>
-            <a:r>
-              <a:rPr lang="en-US" altLang="zh-TW" dirty="0" smtClean="0">
-                <a:ea typeface="新細明體" charset="-120"/>
-              </a:rPr>
-              <a:t/>
-            </a:r>
             <a:br>
-              <a:rPr lang="en-US" altLang="zh-TW" dirty="0" smtClean="0">
+              <a:rPr lang="en-US" altLang="zh-TW" dirty="0">
                 <a:ea typeface="新細明體" charset="-120"/>
               </a:rPr>
             </a:br>
             <a:r>
-              <a:rPr lang="en-US" altLang="zh-TW" dirty="0" smtClean="0">
+              <a:rPr lang="en-US" altLang="zh-TW" dirty="0">
                 <a:ea typeface="新細明體" charset="-120"/>
               </a:rPr>
               <a:t>From 1981 to 2008</a:t>
@@ -28494,13 +28417,6 @@
   <p:clrMapOvr>
     <a:masterClrMapping/>
   </p:clrMapOvr>
-  <p:timing>
-    <p:tnLst>
-      <p:par>
-        <p:cTn id="1" dur="indefinite" restart="never" nodeType="tmRoot"/>
-      </p:par>
-    </p:tnLst>
-  </p:timing>
 </p:sld>
 </file>
 
@@ -28611,29 +28527,23 @@
           <a:p>
             <a:pPr eaLnBrk="1" hangingPunct="1"/>
             <a:r>
-              <a:rPr lang="en-US" altLang="zh-TW" dirty="0" smtClean="0">
+              <a:rPr lang="en-US" altLang="zh-TW" dirty="0">
                 <a:ea typeface="新細明體" charset="-120"/>
               </a:rPr>
               <a:t>Price per Megabyte of Magnetic Hard Disk </a:t>
             </a:r>
             <a:br>
-              <a:rPr lang="en-US" altLang="zh-TW" dirty="0" smtClean="0">
+              <a:rPr lang="en-US" altLang="zh-TW" dirty="0">
                 <a:ea typeface="新細明體" charset="-120"/>
               </a:rPr>
             </a:br>
-            <a:r>
-              <a:rPr lang="en-US" altLang="zh-TW" dirty="0" smtClean="0">
-                <a:ea typeface="新細明體" charset="-120"/>
-              </a:rPr>
-              <a:t/>
-            </a:r>
             <a:br>
-              <a:rPr lang="en-US" altLang="zh-TW" dirty="0" smtClean="0">
+              <a:rPr lang="en-US" altLang="zh-TW" dirty="0">
                 <a:ea typeface="新細明體" charset="-120"/>
               </a:rPr>
             </a:br>
             <a:r>
-              <a:rPr lang="en-US" altLang="zh-TW" dirty="0" smtClean="0">
+              <a:rPr lang="en-US" altLang="zh-TW" dirty="0">
                 <a:ea typeface="新細明體" charset="-120"/>
               </a:rPr>
               <a:t>From 1981 to 2008</a:t>
@@ -28646,13 +28556,6 @@
   <p:clrMapOvr>
     <a:masterClrMapping/>
   </p:clrMapOvr>
-  <p:timing>
-    <p:tnLst>
-      <p:par>
-        <p:cTn id="1" dur="indefinite" restart="never" nodeType="tmRoot"/>
-      </p:par>
-    </p:tnLst>
-  </p:timing>
 </p:sld>
 </file>
 
@@ -28763,29 +28666,23 @@
           <a:p>
             <a:pPr eaLnBrk="1" hangingPunct="1"/>
             <a:r>
-              <a:rPr lang="en-US" altLang="zh-TW" dirty="0" smtClean="0">
+              <a:rPr lang="en-US" altLang="zh-TW" dirty="0">
                 <a:ea typeface="新細明體" charset="-120"/>
               </a:rPr>
               <a:t>Price per Megabyte of a Tape Drive </a:t>
             </a:r>
             <a:br>
-              <a:rPr lang="en-US" altLang="zh-TW" dirty="0" smtClean="0">
+              <a:rPr lang="en-US" altLang="zh-TW" dirty="0">
                 <a:ea typeface="新細明體" charset="-120"/>
               </a:rPr>
             </a:br>
-            <a:r>
-              <a:rPr lang="en-US" altLang="zh-TW" dirty="0" smtClean="0">
-                <a:ea typeface="新細明體" charset="-120"/>
-              </a:rPr>
-              <a:t/>
-            </a:r>
             <a:br>
-              <a:rPr lang="en-US" altLang="zh-TW" dirty="0" smtClean="0">
+              <a:rPr lang="en-US" altLang="zh-TW" dirty="0">
                 <a:ea typeface="新細明體" charset="-120"/>
               </a:rPr>
             </a:br>
             <a:r>
-              <a:rPr lang="en-US" altLang="zh-TW" dirty="0" smtClean="0">
+              <a:rPr lang="en-US" altLang="zh-TW" dirty="0">
                 <a:ea typeface="新細明體" charset="-120"/>
               </a:rPr>
               <a:t>From 1984-2008</a:t>
@@ -28798,13 +28695,6 @@
   <p:clrMapOvr>
     <a:masterClrMapping/>
   </p:clrMapOvr>
-  <p:timing>
-    <p:tnLst>
-      <p:par>
-        <p:cTn id="1" dur="indefinite" restart="never" nodeType="tmRoot"/>
-      </p:par>
-    </p:tnLst>
-  </p:timing>
 </p:sld>
 </file>
 
@@ -28842,7 +28732,7 @@
           <a:p>
             <a:pPr eaLnBrk="1" hangingPunct="1"/>
             <a:r>
-              <a:rPr lang="en-US" altLang="zh-TW" smtClean="0">
+              <a:rPr lang="en-US" altLang="zh-TW">
                 <a:ea typeface="新細明體" charset="-120"/>
               </a:rPr>
               <a:t>End of Chapter 12</a:t>
@@ -28855,13 +28745,6 @@
   <p:clrMapOvr>
     <a:masterClrMapping/>
   </p:clrMapOvr>
-  <p:timing>
-    <p:tnLst>
-      <p:par>
-        <p:cTn id="1" dur="indefinite" restart="never" nodeType="tmRoot"/>
-      </p:par>
-    </p:tnLst>
-  </p:timing>
 </p:sld>
 </file>
 
@@ -28904,7 +28787,7 @@
           <a:p>
             <a:pPr eaLnBrk="1" hangingPunct="1"/>
             <a:r>
-              <a:rPr lang="en-US" altLang="zh-TW" dirty="0" smtClean="0">
+              <a:rPr lang="en-US" altLang="zh-TW" dirty="0">
                 <a:ea typeface="新細明體" charset="-120"/>
               </a:rPr>
               <a:t>Overview of Mass Storage Structure</a:t>
@@ -28933,7 +28816,7 @@
           <a:lstStyle/>
           <a:p>
             <a:r>
-              <a:rPr lang="en-US" altLang="zh-TW" sz="2800" dirty="0" smtClean="0">
+              <a:rPr lang="en-US" altLang="zh-TW" sz="2800" dirty="0">
                 <a:ea typeface="新細明體" charset="-120"/>
               </a:rPr>
               <a:t>Disks can be removable</a:t>
@@ -28941,13 +28824,13 @@
           </a:p>
           <a:p>
             <a:r>
-              <a:rPr lang="en-US" altLang="zh-TW" sz="2800" dirty="0" smtClean="0">
+              <a:rPr lang="en-US" altLang="zh-TW" sz="2800" dirty="0">
                 <a:ea typeface="新細明體" charset="-120"/>
               </a:rPr>
               <a:t>Drive attached to computer via </a:t>
             </a:r>
             <a:r>
-              <a:rPr lang="en-US" altLang="zh-TW" sz="2800" b="1" dirty="0" smtClean="0">
+              <a:rPr lang="en-US" altLang="zh-TW" sz="2800" b="1" dirty="0">
                 <a:solidFill>
                   <a:srgbClr val="FF0000"/>
                 </a:solidFill>
@@ -28959,13 +28842,13 @@
           <a:p>
             <a:pPr lvl="1"/>
             <a:r>
-              <a:rPr lang="en-US" altLang="zh-TW" sz="2800" dirty="0" smtClean="0">
+              <a:rPr lang="en-US" altLang="zh-TW" sz="2800" dirty="0">
                 <a:ea typeface="新細明體" charset="-120"/>
               </a:rPr>
               <a:t>Busses vary, including </a:t>
             </a:r>
             <a:r>
-              <a:rPr lang="en-US" altLang="zh-TW" sz="2800" b="1" dirty="0" smtClean="0">
+              <a:rPr lang="en-US" altLang="zh-TW" sz="2800" b="1" dirty="0">
                 <a:solidFill>
                   <a:srgbClr val="FF0000"/>
                 </a:solidFill>
@@ -28974,7 +28857,7 @@
               <a:t>EIDE, ATA, SATA, USB, </a:t>
             </a:r>
             <a:r>
-              <a:rPr lang="en-US" altLang="zh-TW" sz="2800" b="1" dirty="0" err="1" smtClean="0">
+              <a:rPr lang="en-US" altLang="zh-TW" sz="2800" b="1" dirty="0" err="1">
                 <a:solidFill>
                   <a:srgbClr val="FF0000"/>
                 </a:solidFill>
@@ -28983,7 +28866,7 @@
               <a:t>Fibre</a:t>
             </a:r>
             <a:r>
-              <a:rPr lang="en-US" altLang="zh-TW" sz="2800" b="1" dirty="0" smtClean="0">
+              <a:rPr lang="en-US" altLang="zh-TW" sz="2800" b="1" dirty="0">
                 <a:solidFill>
                   <a:srgbClr val="FF0000"/>
                 </a:solidFill>
@@ -28992,7 +28875,7 @@
               <a:t> Channel</a:t>
             </a:r>
             <a:r>
-              <a:rPr lang="zh-TW" altLang="en-US" sz="2800" b="1" dirty="0" smtClean="0">
+              <a:rPr lang="zh-TW" altLang="en-US" sz="2800" b="1" dirty="0">
                 <a:solidFill>
                   <a:srgbClr val="FF0000"/>
                 </a:solidFill>
@@ -29001,7 +28884,7 @@
               <a:t> </a:t>
             </a:r>
             <a:r>
-              <a:rPr lang="en-US" altLang="zh-TW" sz="2800" b="1" dirty="0" smtClean="0">
+              <a:rPr lang="en-US" altLang="zh-TW" sz="2800" b="1" dirty="0">
                 <a:solidFill>
                   <a:srgbClr val="FF0000"/>
                 </a:solidFill>
@@ -29013,7 +28896,7 @@
           <a:p>
             <a:pPr lvl="1"/>
             <a:r>
-              <a:rPr lang="en-US" altLang="zh-TW" sz="2800" b="1" dirty="0" smtClean="0">
+              <a:rPr lang="en-US" altLang="zh-TW" sz="2800" b="1" dirty="0">
                 <a:solidFill>
                   <a:srgbClr val="FF0000"/>
                 </a:solidFill>
@@ -29022,7 +28905,7 @@
               <a:t>Host controller</a:t>
             </a:r>
             <a:r>
-              <a:rPr lang="en-US" altLang="zh-TW" sz="2800" dirty="0" smtClean="0">
+              <a:rPr lang="en-US" altLang="zh-TW" sz="2800" dirty="0">
                 <a:solidFill>
                   <a:srgbClr val="FF0000"/>
                 </a:solidFill>
@@ -29031,13 +28914,13 @@
               <a:t> </a:t>
             </a:r>
             <a:r>
-              <a:rPr lang="en-US" altLang="zh-TW" sz="2800" dirty="0" smtClean="0">
+              <a:rPr lang="en-US" altLang="zh-TW" sz="2800" dirty="0">
                 <a:ea typeface="新細明體" charset="-120"/>
               </a:rPr>
               <a:t>in computer uses bus to talk to </a:t>
             </a:r>
             <a:r>
-              <a:rPr lang="en-US" altLang="zh-TW" sz="2800" b="1" dirty="0" smtClean="0">
+              <a:rPr lang="en-US" altLang="zh-TW" sz="2800" b="1" dirty="0">
                 <a:solidFill>
                   <a:srgbClr val="FF0000"/>
                 </a:solidFill>
@@ -29046,7 +28929,7 @@
               <a:t>disk controller</a:t>
             </a:r>
             <a:r>
-              <a:rPr lang="en-US" altLang="zh-TW" sz="2800" dirty="0" smtClean="0">
+              <a:rPr lang="en-US" altLang="zh-TW" sz="2800" dirty="0">
                 <a:solidFill>
                   <a:srgbClr val="FF0000"/>
                 </a:solidFill>
@@ -29055,14 +28938,14 @@
               <a:t> </a:t>
             </a:r>
             <a:r>
-              <a:rPr lang="en-US" altLang="zh-TW" sz="2800" dirty="0" smtClean="0">
+              <a:rPr lang="en-US" altLang="zh-TW" sz="2800" dirty="0">
                 <a:ea typeface="新細明體" charset="-120"/>
               </a:rPr>
               <a:t>built into drive or storage array</a:t>
             </a:r>
           </a:p>
           <a:p>
-            <a:endParaRPr lang="en-US" altLang="zh-TW" sz="2800" dirty="0" smtClean="0">
+            <a:endParaRPr lang="en-US" altLang="zh-TW" sz="2800" dirty="0">
               <a:ea typeface="新細明體" charset="-120"/>
             </a:endParaRPr>
           </a:p>
@@ -29356,7 +29239,7 @@
           <a:p>
             <a:pPr eaLnBrk="1" hangingPunct="1"/>
             <a:r>
-              <a:rPr lang="en-US" altLang="zh-TW" sz="3200" dirty="0" smtClean="0">
+              <a:rPr lang="en-US" altLang="zh-TW" sz="3200" dirty="0">
                 <a:ea typeface="新細明體" charset="-120"/>
               </a:rPr>
               <a:t>Overview of Mass Storage Structure (Cont.)</a:t>
@@ -29385,7 +29268,7 @@
           <a:lstStyle/>
           <a:p>
             <a:r>
-              <a:rPr lang="en-US" altLang="zh-TW" sz="2400" b="1" dirty="0" smtClean="0">
+              <a:rPr lang="en-US" altLang="zh-TW" sz="2400" b="1" dirty="0">
                 <a:solidFill>
                   <a:srgbClr val="FF0000"/>
                 </a:solidFill>
@@ -29397,7 +29280,7 @@
           <a:p>
             <a:pPr lvl="1"/>
             <a:r>
-              <a:rPr lang="en-US" altLang="zh-TW" sz="2400" dirty="0" smtClean="0">
+              <a:rPr lang="en-US" altLang="zh-TW" sz="2400" dirty="0">
                 <a:ea typeface="新細明體" charset="-120"/>
               </a:rPr>
               <a:t>Was early secondary-storage medium</a:t>
@@ -29406,7 +29289,7 @@
           <a:p>
             <a:pPr lvl="1"/>
             <a:r>
-              <a:rPr lang="en-US" altLang="zh-TW" sz="2400" dirty="0" smtClean="0">
+              <a:rPr lang="en-US" altLang="zh-TW" sz="2400" dirty="0">
                 <a:ea typeface="新細明體" charset="-120"/>
               </a:rPr>
               <a:t>Relatively permanent and holds large quantities of data</a:t>
@@ -29415,7 +29298,7 @@
           <a:p>
             <a:pPr lvl="1"/>
             <a:r>
-              <a:rPr lang="en-US" altLang="zh-TW" sz="2400" dirty="0" smtClean="0">
+              <a:rPr lang="en-US" altLang="zh-TW" sz="2400" dirty="0">
                 <a:ea typeface="新細明體" charset="-120"/>
               </a:rPr>
               <a:t>Access time slow</a:t>
@@ -29424,7 +29307,7 @@
           <a:p>
             <a:pPr lvl="1"/>
             <a:r>
-              <a:rPr lang="en-US" altLang="zh-TW" sz="2400" dirty="0" smtClean="0">
+              <a:rPr lang="en-US" altLang="zh-TW" sz="2400" dirty="0">
                 <a:ea typeface="新細明體" charset="-120"/>
               </a:rPr>
               <a:t>Random access ~1000 times slower than disk</a:t>
@@ -29433,7 +29316,7 @@
           <a:p>
             <a:pPr lvl="1"/>
             <a:r>
-              <a:rPr lang="en-US" altLang="zh-TW" sz="2400" dirty="0" smtClean="0">
+              <a:rPr lang="en-US" altLang="zh-TW" sz="2400" dirty="0">
                 <a:ea typeface="新細明體" charset="-120"/>
               </a:rPr>
               <a:t>Mainly used for backup, storage of infrequently-used data, transfer medium between systems</a:t>
@@ -29442,7 +29325,7 @@
           <a:p>
             <a:pPr lvl="1"/>
             <a:r>
-              <a:rPr lang="en-US" altLang="zh-TW" sz="2400" dirty="0" smtClean="0">
+              <a:rPr lang="en-US" altLang="zh-TW" sz="2400" dirty="0">
                 <a:ea typeface="新細明體" charset="-120"/>
               </a:rPr>
               <a:t>Kept in spool and wound or rewound past read-write head</a:t>
@@ -29451,7 +29334,7 @@
           <a:p>
             <a:pPr lvl="1"/>
             <a:r>
-              <a:rPr lang="en-US" altLang="zh-TW" sz="2400" dirty="0" smtClean="0">
+              <a:rPr lang="en-US" altLang="zh-TW" sz="2400" dirty="0">
                 <a:ea typeface="新細明體" charset="-120"/>
               </a:rPr>
               <a:t>Once data under head, transfer rates comparable to disk</a:t>
@@ -29460,7 +29343,7 @@
           <a:p>
             <a:pPr lvl="1"/>
             <a:r>
-              <a:rPr lang="en-US" altLang="zh-TW" sz="2400" dirty="0" smtClean="0">
+              <a:rPr lang="en-US" altLang="zh-TW" sz="2400" dirty="0">
                 <a:ea typeface="新細明體" charset="-120"/>
               </a:rPr>
               <a:t>20-200GB typical storage</a:t>
@@ -30028,7 +29911,7 @@
           <a:p>
             <a:pPr eaLnBrk="1" hangingPunct="1"/>
             <a:r>
-              <a:rPr lang="en-US" altLang="zh-TW" dirty="0" smtClean="0">
+              <a:rPr lang="en-US" altLang="zh-TW" dirty="0">
                 <a:ea typeface="新細明體" charset="-120"/>
               </a:rPr>
               <a:t>12.2 Disk Structure</a:t>
@@ -30057,13 +29940,13 @@
           <a:lstStyle/>
           <a:p>
             <a:r>
-              <a:rPr lang="en-US" altLang="zh-TW" sz="2400" dirty="0" smtClean="0">
+              <a:rPr lang="en-US" altLang="zh-TW" sz="2400" dirty="0">
                 <a:ea typeface="新細明體" charset="-120"/>
               </a:rPr>
               <a:t>Disk drives are </a:t>
             </a:r>
             <a:r>
-              <a:rPr lang="en-US" altLang="zh-TW" sz="2400" dirty="0" smtClean="0">
+              <a:rPr lang="en-US" altLang="zh-TW" sz="2400" dirty="0">
                 <a:solidFill>
                   <a:srgbClr val="FF0000"/>
                 </a:solidFill>
@@ -30072,13 +29955,13 @@
               <a:t>addressed</a:t>
             </a:r>
             <a:r>
-              <a:rPr lang="en-US" altLang="zh-TW" sz="2400" dirty="0" smtClean="0">
+              <a:rPr lang="en-US" altLang="zh-TW" sz="2400" dirty="0">
                 <a:ea typeface="新細明體" charset="-120"/>
               </a:rPr>
               <a:t> as large </a:t>
             </a:r>
             <a:r>
-              <a:rPr lang="en-US" altLang="zh-TW" sz="2400" b="1" dirty="0" smtClean="0">
+              <a:rPr lang="en-US" altLang="zh-TW" sz="2400" b="1" dirty="0">
                 <a:solidFill>
                   <a:srgbClr val="FF0000"/>
                 </a:solidFill>
@@ -30087,13 +29970,13 @@
               <a:t>1-dimensional arrays</a:t>
             </a:r>
             <a:r>
-              <a:rPr lang="en-US" altLang="zh-TW" sz="2400" dirty="0" smtClean="0">
+              <a:rPr lang="en-US" altLang="zh-TW" sz="2400" dirty="0">
                 <a:ea typeface="新細明體" charset="-120"/>
               </a:rPr>
               <a:t> of </a:t>
             </a:r>
             <a:r>
-              <a:rPr lang="en-US" altLang="zh-TW" sz="2400" b="1" i="1" dirty="0" smtClean="0">
+              <a:rPr lang="en-US" altLang="zh-TW" sz="2400" b="1" i="1" dirty="0">
                 <a:solidFill>
                   <a:srgbClr val="FF0000"/>
                 </a:solidFill>
@@ -30102,7 +29985,7 @@
               <a:t>logical blocks</a:t>
             </a:r>
             <a:r>
-              <a:rPr lang="en-US" altLang="zh-TW" sz="2400" dirty="0" smtClean="0">
+              <a:rPr lang="en-US" altLang="zh-TW" sz="2400" dirty="0">
                 <a:ea typeface="新細明體" charset="-120"/>
               </a:rPr>
               <a:t>, where the logical block is the smallest unit of transfer. </a:t>
@@ -30110,13 +29993,13 @@
           </a:p>
           <a:p>
             <a:r>
-              <a:rPr lang="en-US" altLang="zh-TW" sz="2400" dirty="0" smtClean="0">
+              <a:rPr lang="en-US" altLang="zh-TW" sz="2400" dirty="0">
                 <a:ea typeface="新細明體" charset="-120"/>
               </a:rPr>
               <a:t>The 1-dimensional array of logical blocks is mapped into the </a:t>
             </a:r>
             <a:r>
-              <a:rPr lang="en-US" altLang="zh-TW" sz="2400" b="1" dirty="0" smtClean="0">
+              <a:rPr lang="en-US" altLang="zh-TW" sz="2400" b="1" dirty="0">
                 <a:solidFill>
                   <a:srgbClr val="FF0000"/>
                 </a:solidFill>
@@ -30125,7 +30008,7 @@
               <a:t>sectors</a:t>
             </a:r>
             <a:r>
-              <a:rPr lang="en-US" altLang="zh-TW" sz="2400" dirty="0" smtClean="0">
+              <a:rPr lang="en-US" altLang="zh-TW" sz="2400" dirty="0">
                 <a:ea typeface="新細明體" charset="-120"/>
               </a:rPr>
               <a:t> of the disk sequentially.</a:t>
@@ -30134,7 +30017,7 @@
           <a:p>
             <a:pPr lvl="1"/>
             <a:r>
-              <a:rPr lang="en-US" altLang="zh-TW" sz="2400" dirty="0" smtClean="0">
+              <a:rPr lang="en-US" altLang="zh-TW" sz="2400" dirty="0">
                 <a:ea typeface="新細明體" charset="-120"/>
               </a:rPr>
               <a:t>Sector 0 is the first sector of the first track on the outermost cylinder.</a:t>
@@ -30143,14 +30026,14 @@
           <a:p>
             <a:pPr lvl="1"/>
             <a:r>
-              <a:rPr lang="en-US" altLang="zh-TW" sz="2400" dirty="0" smtClean="0">
+              <a:rPr lang="en-US" altLang="zh-TW" sz="2400" dirty="0">
                 <a:ea typeface="新細明體" charset="-120"/>
               </a:rPr>
               <a:t>Mapping proceeds in order through that track, then the rest of the tracks in that cylinder, and then through the rest of the cylinders from outermost to innermost.</a:t>
             </a:r>
           </a:p>
           <a:p>
-            <a:endParaRPr lang="en-US" altLang="zh-TW" sz="2400" dirty="0" smtClean="0">
+            <a:endParaRPr lang="en-US" altLang="zh-TW" sz="2400" dirty="0">
               <a:ea typeface="新細明體" charset="-120"/>
             </a:endParaRPr>
           </a:p>
@@ -30475,7 +30358,7 @@
           <a:p>
             <a:pPr eaLnBrk="1" hangingPunct="1"/>
             <a:r>
-              <a:rPr lang="en-US" altLang="zh-TW" dirty="0" smtClean="0">
+              <a:rPr lang="en-US" altLang="zh-TW" dirty="0">
                 <a:ea typeface="新細明體" charset="-120"/>
               </a:rPr>
               <a:t>12.3 Disk Attachment</a:t>
@@ -30504,7 +30387,7 @@
           <a:lstStyle/>
           <a:p>
             <a:r>
-              <a:rPr lang="en-US" altLang="zh-TW" sz="2400" dirty="0" smtClean="0">
+              <a:rPr lang="en-US" altLang="zh-TW" sz="2400" dirty="0">
                 <a:ea typeface="新細明體" charset="-120"/>
               </a:rPr>
               <a:t>Host-attached storage accessed through I/O ports talking to I/O busses</a:t>
@@ -30512,13 +30395,13 @@
           </a:p>
           <a:p>
             <a:r>
-              <a:rPr lang="en-US" altLang="zh-TW" sz="2400" dirty="0" smtClean="0">
+              <a:rPr lang="en-US" altLang="zh-TW" sz="2400" dirty="0">
                 <a:ea typeface="新細明體" charset="-120"/>
               </a:rPr>
               <a:t>SCSI itself is a bus, up to 16 devices on one cable, </a:t>
             </a:r>
             <a:r>
-              <a:rPr lang="en-US" altLang="zh-TW" sz="2400" b="1" dirty="0" smtClean="0">
+              <a:rPr lang="en-US" altLang="zh-TW" sz="2400" b="1" dirty="0">
                 <a:solidFill>
                   <a:srgbClr val="FF0000"/>
                 </a:solidFill>
@@ -30527,7 +30410,7 @@
               <a:t>SCSI initiator</a:t>
             </a:r>
             <a:r>
-              <a:rPr lang="en-US" altLang="zh-TW" sz="2400" dirty="0" smtClean="0">
+              <a:rPr lang="en-US" altLang="zh-TW" sz="2400" dirty="0">
                 <a:solidFill>
                   <a:srgbClr val="FF0000"/>
                 </a:solidFill>
@@ -30536,13 +30419,13 @@
               <a:t> </a:t>
             </a:r>
             <a:r>
-              <a:rPr lang="en-US" altLang="zh-TW" sz="2400" dirty="0" smtClean="0">
+              <a:rPr lang="en-US" altLang="zh-TW" sz="2400" dirty="0">
                 <a:ea typeface="新細明體" charset="-120"/>
               </a:rPr>
               <a:t>requests operation and </a:t>
             </a:r>
             <a:r>
-              <a:rPr lang="en-US" altLang="zh-TW" sz="2400" b="1" dirty="0" smtClean="0">
+              <a:rPr lang="en-US" altLang="zh-TW" sz="2400" b="1" dirty="0">
                 <a:solidFill>
                   <a:srgbClr val="FF0000"/>
                 </a:solidFill>
@@ -30551,7 +30434,7 @@
               <a:t>SCSI targets</a:t>
             </a:r>
             <a:r>
-              <a:rPr lang="en-US" altLang="zh-TW" sz="2400" dirty="0" smtClean="0">
+              <a:rPr lang="en-US" altLang="zh-TW" sz="2400" dirty="0">
                 <a:solidFill>
                   <a:srgbClr val="FF0000"/>
                 </a:solidFill>
@@ -30560,7 +30443,7 @@
               <a:t> </a:t>
             </a:r>
             <a:r>
-              <a:rPr lang="en-US" altLang="zh-TW" sz="2400" dirty="0" smtClean="0">
+              <a:rPr lang="en-US" altLang="zh-TW" sz="2400" dirty="0">
                 <a:ea typeface="新細明體" charset="-120"/>
               </a:rPr>
               <a:t>perform tasks </a:t>
@@ -30569,13 +30452,13 @@
           <a:p>
             <a:pPr lvl="1"/>
             <a:r>
-              <a:rPr lang="en-US" altLang="zh-TW" sz="2400" dirty="0" smtClean="0">
+              <a:rPr lang="en-US" altLang="zh-TW" sz="2400" dirty="0">
                 <a:ea typeface="新細明體" charset="-120"/>
               </a:rPr>
               <a:t>Each target can have up to </a:t>
             </a:r>
             <a:r>
-              <a:rPr lang="en-US" altLang="zh-TW" sz="2400" dirty="0" smtClean="0">
+              <a:rPr lang="en-US" altLang="zh-TW" sz="2400" dirty="0">
                 <a:solidFill>
                   <a:srgbClr val="FF0000"/>
                 </a:solidFill>
@@ -30584,7 +30467,7 @@
               <a:t>8 </a:t>
             </a:r>
             <a:r>
-              <a:rPr lang="en-US" altLang="zh-TW" sz="2400" b="1" dirty="0" smtClean="0">
+              <a:rPr lang="en-US" altLang="zh-TW" sz="2400" b="1" dirty="0">
                 <a:solidFill>
                   <a:srgbClr val="FF0000"/>
                 </a:solidFill>
@@ -30593,7 +30476,7 @@
               <a:t>logical units</a:t>
             </a:r>
             <a:r>
-              <a:rPr lang="en-US" altLang="zh-TW" sz="2400" dirty="0" smtClean="0">
+              <a:rPr lang="en-US" altLang="zh-TW" sz="2400" dirty="0">
                 <a:solidFill>
                   <a:srgbClr val="FF0000"/>
                 </a:solidFill>
@@ -30602,7 +30485,7 @@
               <a:t> </a:t>
             </a:r>
             <a:r>
-              <a:rPr lang="en-US" altLang="zh-TW" sz="2400" dirty="0" smtClean="0">
+              <a:rPr lang="en-US" altLang="zh-TW" sz="2400" dirty="0">
                 <a:ea typeface="新細明體" charset="-120"/>
               </a:rPr>
               <a:t>(disks attached to device controller)</a:t>
@@ -30610,7 +30493,7 @@
           </a:p>
           <a:p>
             <a:r>
-              <a:rPr lang="en-US" altLang="zh-TW" sz="2400" dirty="0" smtClean="0">
+              <a:rPr lang="en-US" altLang="zh-TW" sz="2400" dirty="0">
                 <a:ea typeface="新細明體" charset="-120"/>
               </a:rPr>
               <a:t>FC (Fiber Channel) is high-speed serial architecture</a:t>
@@ -30619,13 +30502,13 @@
           <a:p>
             <a:pPr lvl="1"/>
             <a:r>
-              <a:rPr lang="en-US" altLang="zh-TW" sz="2400" dirty="0" smtClean="0">
+              <a:rPr lang="en-US" altLang="zh-TW" sz="2400" dirty="0">
                 <a:ea typeface="新細明體" charset="-120"/>
               </a:rPr>
               <a:t>Can be </a:t>
             </a:r>
             <a:r>
-              <a:rPr lang="en-US" altLang="zh-TW" sz="2400" b="1" dirty="0" smtClean="0">
+              <a:rPr lang="en-US" altLang="zh-TW" sz="2400" b="1" dirty="0">
                 <a:solidFill>
                   <a:srgbClr val="FF0000"/>
                 </a:solidFill>
@@ -30634,13 +30517,13 @@
               <a:t>switched fabric </a:t>
             </a:r>
             <a:r>
-              <a:rPr lang="en-US" altLang="zh-TW" sz="2400" dirty="0" smtClean="0">
+              <a:rPr lang="en-US" altLang="zh-TW" sz="2400" dirty="0">
                 <a:ea typeface="新細明體" charset="-120"/>
               </a:rPr>
               <a:t>with 24-bit address space – the basis of </a:t>
             </a:r>
             <a:r>
-              <a:rPr lang="en-US" altLang="zh-TW" sz="2400" b="1" dirty="0" smtClean="0">
+              <a:rPr lang="en-US" altLang="zh-TW" sz="2400" b="1" dirty="0">
                 <a:solidFill>
                   <a:srgbClr val="FF0000"/>
                 </a:solidFill>
@@ -30649,7 +30532,7 @@
               <a:t>storage area networks (SANs)</a:t>
             </a:r>
             <a:r>
-              <a:rPr lang="en-US" altLang="zh-TW" sz="2400" dirty="0" smtClean="0">
+              <a:rPr lang="en-US" altLang="zh-TW" sz="2400" dirty="0">
                 <a:ea typeface="新細明體" charset="-120"/>
               </a:rPr>
               <a:t> in which many hosts attach to many storage units</a:t>
@@ -30658,13 +30541,13 @@
           <a:p>
             <a:pPr lvl="1"/>
             <a:r>
-              <a:rPr lang="en-US" altLang="zh-TW" sz="2400" dirty="0" smtClean="0">
+              <a:rPr lang="en-US" altLang="zh-TW" sz="2400" dirty="0">
                 <a:ea typeface="新細明體" charset="-120"/>
               </a:rPr>
               <a:t>Can </a:t>
             </a:r>
             <a:r>
-              <a:rPr lang="en-US" altLang="zh-TW" sz="2400" dirty="0" smtClean="0">
+              <a:rPr lang="en-US" altLang="zh-TW" sz="2400" dirty="0">
                 <a:solidFill>
                   <a:srgbClr val="FF0000"/>
                 </a:solidFill>
@@ -30673,7 +30556,7 @@
               <a:t>be </a:t>
             </a:r>
             <a:r>
-              <a:rPr lang="en-US" altLang="zh-TW" sz="2400" b="1" dirty="0" smtClean="0">
+              <a:rPr lang="en-US" altLang="zh-TW" sz="2400" b="1" dirty="0">
                 <a:solidFill>
                   <a:srgbClr val="FF0000"/>
                 </a:solidFill>
@@ -30682,7 +30565,7 @@
               <a:t>arbitrated loop</a:t>
             </a:r>
             <a:r>
-              <a:rPr lang="en-US" altLang="zh-TW" sz="2400" dirty="0" smtClean="0">
+              <a:rPr lang="en-US" altLang="zh-TW" sz="2400" dirty="0">
                 <a:solidFill>
                   <a:srgbClr val="FF0000"/>
                 </a:solidFill>
@@ -30691,7 +30574,7 @@
               <a:t> (</a:t>
             </a:r>
             <a:r>
-              <a:rPr lang="en-US" altLang="zh-TW" sz="2400" b="1" dirty="0" smtClean="0">
+              <a:rPr lang="en-US" altLang="zh-TW" sz="2400" b="1" dirty="0">
                 <a:solidFill>
                   <a:srgbClr val="FF0000"/>
                 </a:solidFill>
@@ -30700,7 +30583,7 @@
               <a:t>FC-AL</a:t>
             </a:r>
             <a:r>
-              <a:rPr lang="en-US" altLang="zh-TW" sz="2400" dirty="0" smtClean="0">
+              <a:rPr lang="en-US" altLang="zh-TW" sz="2400" dirty="0">
                 <a:solidFill>
                   <a:srgbClr val="FF0000"/>
                 </a:solidFill>
@@ -30709,7 +30592,7 @@
               <a:t>) </a:t>
             </a:r>
             <a:r>
-              <a:rPr lang="en-US" altLang="zh-TW" sz="2400" dirty="0" smtClean="0">
+              <a:rPr lang="en-US" altLang="zh-TW" sz="2400" dirty="0">
                 <a:ea typeface="新細明體" charset="-120"/>
               </a:rPr>
               <a:t>of 126 devices</a:t>
